--- a/project/Presentation/Project presentaion - Lab talk 20.12.2020.pptx
+++ b/project/Presentation/Project presentaion - Lab talk 20.12.2020.pptx
@@ -5,51 +5,52 @@
     <p:sldMasterId id="2147483663" r:id="rId1"/>
   </p:sldMasterIdLst>
   <p:notesMasterIdLst>
-    <p:notesMasterId r:id="rId23"/>
+    <p:notesMasterId r:id="rId24"/>
   </p:notesMasterIdLst>
   <p:sldIdLst>
     <p:sldId id="256" r:id="rId2"/>
-    <p:sldId id="306" r:id="rId3"/>
-    <p:sldId id="293" r:id="rId4"/>
-    <p:sldId id="261" r:id="rId5"/>
-    <p:sldId id="291" r:id="rId6"/>
-    <p:sldId id="262" r:id="rId7"/>
-    <p:sldId id="257" r:id="rId8"/>
-    <p:sldId id="294" r:id="rId9"/>
-    <p:sldId id="295" r:id="rId10"/>
-    <p:sldId id="297" r:id="rId11"/>
-    <p:sldId id="298" r:id="rId12"/>
-    <p:sldId id="287" r:id="rId13"/>
-    <p:sldId id="288" r:id="rId14"/>
+    <p:sldId id="287" r:id="rId3"/>
+    <p:sldId id="288" r:id="rId4"/>
+    <p:sldId id="306" r:id="rId5"/>
+    <p:sldId id="293" r:id="rId6"/>
+    <p:sldId id="261" r:id="rId7"/>
+    <p:sldId id="291" r:id="rId8"/>
+    <p:sldId id="262" r:id="rId9"/>
+    <p:sldId id="257" r:id="rId10"/>
+    <p:sldId id="294" r:id="rId11"/>
+    <p:sldId id="295" r:id="rId12"/>
+    <p:sldId id="297" r:id="rId13"/>
+    <p:sldId id="298" r:id="rId14"/>
     <p:sldId id="299" r:id="rId15"/>
     <p:sldId id="303" r:id="rId16"/>
     <p:sldId id="304" r:id="rId17"/>
     <p:sldId id="302" r:id="rId18"/>
     <p:sldId id="305" r:id="rId19"/>
-    <p:sldId id="301" r:id="rId20"/>
-    <p:sldId id="258" r:id="rId21"/>
-    <p:sldId id="307" r:id="rId22"/>
+    <p:sldId id="308" r:id="rId20"/>
+    <p:sldId id="301" r:id="rId21"/>
+    <p:sldId id="258" r:id="rId22"/>
+    <p:sldId id="307" r:id="rId23"/>
   </p:sldIdLst>
   <p:sldSz cx="9144000" cy="5143500" type="screen16x9"/>
   <p:notesSz cx="6858000" cy="9144000"/>
   <p:embeddedFontLst>
     <p:embeddedFont>
       <p:font typeface="Calibri" panose="020F0502020204030204" pitchFamily="34" charset="0"/>
-      <p:regular r:id="rId24"/>
-      <p:bold r:id="rId25"/>
-      <p:italic r:id="rId26"/>
-      <p:boldItalic r:id="rId27"/>
+      <p:regular r:id="rId25"/>
+      <p:bold r:id="rId26"/>
+      <p:italic r:id="rId27"/>
+      <p:boldItalic r:id="rId28"/>
     </p:embeddedFont>
     <p:embeddedFont>
       <p:font typeface="Permanent Marker" panose="020B0604020202020204" charset="0"/>
-      <p:regular r:id="rId28"/>
+      <p:regular r:id="rId29"/>
     </p:embeddedFont>
     <p:embeddedFont>
       <p:font typeface="Source Sans Pro" panose="020B0503030403020204" pitchFamily="34" charset="0"/>
-      <p:regular r:id="rId29"/>
-      <p:bold r:id="rId30"/>
-      <p:italic r:id="rId31"/>
-      <p:boldItalic r:id="rId32"/>
+      <p:regular r:id="rId30"/>
+      <p:bold r:id="rId31"/>
+      <p:italic r:id="rId32"/>
+      <p:boldItalic r:id="rId33"/>
     </p:embeddedFont>
   </p:embeddedFontLst>
   <p:defaultTextStyle>
@@ -281,6 +282,11 @@
       </a:defRPr>
     </a:lvl9pPr>
   </p:defaultTextStyle>
+  <p:extLst>
+    <p:ext uri="{EFAFB233-063F-42B5-8137-9DF3F51BA10A}">
+      <p15:sldGuideLst xmlns:p15="http://schemas.microsoft.com/office/powerpoint/2012/main"/>
+    </p:ext>
+  </p:extLst>
 </p:presentation>
 </file>
 
@@ -1454,6 +1460,72 @@
           <a:bodyPr/>
           <a:lstStyle/>
           <a:p>
+            <a:endParaRPr lang="en-US" dirty="0"/>
+          </a:p>
+        </p:txBody>
+      </p:sp>
+    </p:spTree>
+    <p:extLst>
+      <p:ext uri="{BB962C8B-B14F-4D97-AF65-F5344CB8AC3E}">
+        <p14:creationId xmlns:p14="http://schemas.microsoft.com/office/powerpoint/2010/main" val="3794680045"/>
+      </p:ext>
+    </p:extLst>
+  </p:cSld>
+  <p:clrMapOvr>
+    <a:masterClrMapping/>
+  </p:clrMapOvr>
+</p:notes>
+</file>
+
+<file path=ppt/notesSlides/notesSlide16.xml><?xml version="1.0" encoding="utf-8"?>
+<p:notes xmlns:a="http://schemas.openxmlformats.org/drawingml/2006/main" xmlns:r="http://schemas.openxmlformats.org/officeDocument/2006/relationships" xmlns:p="http://schemas.openxmlformats.org/presentationml/2006/main">
+  <p:cSld>
+    <p:spTree>
+      <p:nvGrpSpPr>
+        <p:cNvPr id="1" name=""/>
+        <p:cNvGrpSpPr/>
+        <p:nvPr/>
+      </p:nvGrpSpPr>
+      <p:grpSpPr>
+        <a:xfrm>
+          <a:off x="0" y="0"/>
+          <a:ext cx="0" cy="0"/>
+          <a:chOff x="0" y="0"/>
+          <a:chExt cx="0" cy="0"/>
+        </a:xfrm>
+      </p:grpSpPr>
+      <p:sp>
+        <p:nvSpPr>
+          <p:cNvPr id="2" name="Slide Image Placeholder 1"/>
+          <p:cNvSpPr>
+            <a:spLocks noGrp="1" noRot="1" noChangeAspect="1"/>
+          </p:cNvSpPr>
+          <p:nvPr>
+            <p:ph type="sldImg"/>
+          </p:nvPr>
+        </p:nvSpPr>
+        <p:spPr>
+          <a:xfrm>
+            <a:off x="381000" y="685800"/>
+            <a:ext cx="6096000" cy="3429000"/>
+          </a:xfrm>
+        </p:spPr>
+      </p:sp>
+      <p:sp>
+        <p:nvSpPr>
+          <p:cNvPr id="3" name="Notes Placeholder 2"/>
+          <p:cNvSpPr>
+            <a:spLocks noGrp="1"/>
+          </p:cNvSpPr>
+          <p:nvPr>
+            <p:ph type="body" idx="1"/>
+          </p:nvPr>
+        </p:nvSpPr>
+        <p:spPr/>
+        <p:txBody>
+          <a:bodyPr/>
+          <a:lstStyle/>
+          <a:p>
             <a:pPr algn="r" rtl="1"/>
             <a:endParaRPr lang="LID4096" dirty="0"/>
           </a:p>
@@ -1476,7 +1548,7 @@
           <a:p>
             <a:fld id="{0572427E-2A1C-411D-9284-D1C05777BD39}" type="slidenum">
               <a:rPr lang="LID4096" smtClean="0"/>
-              <a:t>19</a:t>
+              <a:t>20</a:t>
             </a:fld>
             <a:endParaRPr lang="LID4096"/>
           </a:p>
@@ -1495,7 +1567,7 @@
 </p:notes>
 </file>
 
-<file path=ppt/notesSlides/notesSlide16.xml><?xml version="1.0" encoding="utf-8"?>
+<file path=ppt/notesSlides/notesSlide17.xml><?xml version="1.0" encoding="utf-8"?>
 <p:notes xmlns:a="http://schemas.openxmlformats.org/drawingml/2006/main" xmlns:r="http://schemas.openxmlformats.org/officeDocument/2006/relationships" xmlns:p="http://schemas.openxmlformats.org/presentationml/2006/main" showMasterSp="0" showMasterPhAnim="0">
   <p:cSld>
     <p:spTree>
@@ -4468,7 +4540,7 @@
           <a:p>
             <a:fld id="{A9D2B4A6-0A7F-466A-8C6A-F9BBEB033D9C}" type="datetimeFigureOut">
               <a:rPr lang="en-US" smtClean="0"/>
-              <a:t>12/19/2020</a:t>
+              <a:t>12/20/2020</a:t>
             </a:fld>
             <a:endParaRPr lang="en-US"/>
           </a:p>
@@ -4650,7 +4722,7 @@
           <a:p>
             <a:fld id="{77257F9A-95E0-45A8-A66F-07C2ED2FD12A}" type="datetimeFigureOut">
               <a:rPr lang="he-IL" smtClean="0"/>
-              <a:t>ד'/טבת/תשפ"א</a:t>
+              <a:t>ה'/טבת/תשפ"א</a:t>
             </a:fld>
             <a:endParaRPr lang="he-IL"/>
           </a:p>
@@ -8977,6 +9049,793 @@
   <p:cSld>
     <p:spTree>
       <p:nvGrpSpPr>
+        <p:cNvPr id="1" name="Shape 125"/>
+        <p:cNvGrpSpPr/>
+        <p:nvPr/>
+      </p:nvGrpSpPr>
+      <p:grpSpPr>
+        <a:xfrm>
+          <a:off x="0" y="0"/>
+          <a:ext cx="0" cy="0"/>
+          <a:chOff x="0" y="0"/>
+          <a:chExt cx="0" cy="0"/>
+        </a:xfrm>
+      </p:grpSpPr>
+      <p:sp>
+        <p:nvSpPr>
+          <p:cNvPr id="126" name="Google Shape;126;p25"/>
+          <p:cNvSpPr txBox="1">
+            <a:spLocks noGrp="1"/>
+          </p:cNvSpPr>
+          <p:nvPr>
+            <p:ph type="title"/>
+          </p:nvPr>
+        </p:nvSpPr>
+        <p:spPr>
+          <a:xfrm>
+            <a:off x="425119" y="0"/>
+            <a:ext cx="8229600" cy="857400"/>
+          </a:xfrm>
+          <a:prstGeom prst="rect">
+            <a:avLst/>
+          </a:prstGeom>
+        </p:spPr>
+        <p:txBody>
+          <a:bodyPr spcFirstLastPara="1" wrap="square" lIns="91425" tIns="91425" rIns="91425" bIns="91425" anchor="ctr" anchorCtr="0">
+            <a:noAutofit/>
+          </a:bodyPr>
+          <a:lstStyle/>
+          <a:p>
+            <a:pPr marL="0" lvl="0" indent="0" algn="ctr" rtl="0">
+              <a:spcBef>
+                <a:spcPts val="0"/>
+              </a:spcBef>
+              <a:spcAft>
+                <a:spcPts val="0"/>
+              </a:spcAft>
+              <a:buNone/>
+            </a:pPr>
+            <a:r>
+              <a:rPr lang="en-US" dirty="0"/>
+              <a:t>A</a:t>
+            </a:r>
+            <a:r>
+              <a:rPr lang="en" dirty="0"/>
+              <a:t>ttempts to target and train meta-Awareness</a:t>
+            </a:r>
+            <a:endParaRPr dirty="0"/>
+          </a:p>
+        </p:txBody>
+      </p:sp>
+      <p:sp>
+        <p:nvSpPr>
+          <p:cNvPr id="127" name="Google Shape;127;p25"/>
+          <p:cNvSpPr txBox="1">
+            <a:spLocks noGrp="1"/>
+          </p:cNvSpPr>
+          <p:nvPr>
+            <p:ph type="body" idx="1"/>
+          </p:nvPr>
+        </p:nvSpPr>
+        <p:spPr>
+          <a:xfrm>
+            <a:off x="489274" y="857400"/>
+            <a:ext cx="4364742" cy="4002452"/>
+          </a:xfrm>
+          <a:prstGeom prst="rect">
+            <a:avLst/>
+          </a:prstGeom>
+        </p:spPr>
+        <p:txBody>
+          <a:bodyPr spcFirstLastPara="1" wrap="square" lIns="91425" tIns="91425" rIns="91425" bIns="91425" anchor="t" anchorCtr="0">
+            <a:noAutofit/>
+          </a:bodyPr>
+          <a:lstStyle/>
+          <a:p>
+            <a:pPr marL="0" indent="0">
+              <a:buNone/>
+            </a:pPr>
+            <a:r>
+              <a:rPr lang="en-GB" b="1" dirty="0">
+                <a:solidFill>
+                  <a:srgbClr val="FE344D"/>
+                </a:solidFill>
+                <a:latin typeface="Permanent Marker"/>
+                <a:ea typeface="Permanent Marker"/>
+                <a:cs typeface="Permanent Marker"/>
+                <a:sym typeface="Permanent Marker"/>
+              </a:rPr>
+              <a:t>Real time feedback on attentional bias towards emotional stimuli</a:t>
+            </a:r>
+            <a:endParaRPr lang="en-GB" dirty="0"/>
+          </a:p>
+          <a:p>
+            <a:pPr marL="0" lvl="0" indent="0" algn="l" rtl="0">
+              <a:spcBef>
+                <a:spcPts val="600"/>
+              </a:spcBef>
+              <a:spcAft>
+                <a:spcPts val="0"/>
+              </a:spcAft>
+              <a:buNone/>
+            </a:pPr>
+            <a:r>
+              <a:rPr lang="en-GB" dirty="0"/>
+              <a:t>AFACT studies (</a:t>
+            </a:r>
+            <a:r>
+              <a:rPr lang="en-GB" sz="1400" dirty="0" err="1"/>
+              <a:t>Ruimi</a:t>
+            </a:r>
+            <a:r>
+              <a:rPr lang="en-GB" sz="1400" dirty="0"/>
+              <a:t>, Hendren, </a:t>
+            </a:r>
+            <a:r>
+              <a:rPr lang="en-GB" sz="1400" dirty="0" err="1"/>
+              <a:t>Zvielli</a:t>
+            </a:r>
+            <a:r>
+              <a:rPr lang="en-GB" sz="1400" dirty="0"/>
+              <a:t>, Amir, &amp; Bernstein, 2020; Bernstein &amp; </a:t>
+            </a:r>
+            <a:r>
+              <a:rPr lang="en-GB" sz="1400" dirty="0" err="1"/>
+              <a:t>Zvielli</a:t>
+            </a:r>
+            <a:r>
+              <a:rPr lang="en-GB" sz="1400" dirty="0"/>
+              <a:t>, 2014;</a:t>
+            </a:r>
+            <a:r>
+              <a:rPr lang="de-DE" sz="1400" dirty="0"/>
+              <a:t> Zvielli, Amir, Goldstein, &amp;   Bernstein, 2016</a:t>
+            </a:r>
+            <a:r>
+              <a:rPr lang="de-DE" sz="1800" dirty="0"/>
+              <a:t>)</a:t>
+            </a:r>
+          </a:p>
+          <a:p>
+            <a:pPr marL="0" lvl="0" indent="0" algn="l" rtl="0">
+              <a:spcBef>
+                <a:spcPts val="600"/>
+              </a:spcBef>
+              <a:spcAft>
+                <a:spcPts val="0"/>
+              </a:spcAft>
+              <a:buNone/>
+            </a:pPr>
+            <a:r>
+              <a:rPr lang="en-GB" dirty="0"/>
+              <a:t>Found to positively influence:</a:t>
+            </a:r>
+          </a:p>
+          <a:p>
+            <a:pPr marL="342900" lvl="0" algn="l" rtl="0">
+              <a:spcBef>
+                <a:spcPts val="600"/>
+              </a:spcBef>
+              <a:spcAft>
+                <a:spcPts val="0"/>
+              </a:spcAft>
+              <a:buFont typeface="+mj-lt"/>
+              <a:buAutoNum type="arabicPeriod"/>
+            </a:pPr>
+            <a:r>
+              <a:rPr lang="en-GB" dirty="0">
+                <a:effectLst/>
+                <a:latin typeface="Calibri" panose="020F0502020204030204" pitchFamily="34" charset="0"/>
+                <a:ea typeface="Calibri" panose="020F0502020204030204" pitchFamily="34" charset="0"/>
+                <a:cs typeface="Arial" panose="020B0604020202020204" pitchFamily="34" charset="0"/>
+              </a:rPr>
+              <a:t>Meta-awareness of biased external attention </a:t>
+            </a:r>
+          </a:p>
+          <a:p>
+            <a:pPr marL="342900" lvl="0" algn="l" rtl="0">
+              <a:spcBef>
+                <a:spcPts val="600"/>
+              </a:spcBef>
+              <a:spcAft>
+                <a:spcPts val="0"/>
+              </a:spcAft>
+              <a:buFont typeface="+mj-lt"/>
+              <a:buAutoNum type="arabicPeriod"/>
+            </a:pPr>
+            <a:r>
+              <a:rPr lang="en-GB" dirty="0"/>
+              <a:t>External attentional control </a:t>
+            </a:r>
+          </a:p>
+          <a:p>
+            <a:pPr marL="342900" lvl="0" algn="l" rtl="0">
+              <a:spcBef>
+                <a:spcPts val="600"/>
+              </a:spcBef>
+              <a:spcAft>
+                <a:spcPts val="0"/>
+              </a:spcAft>
+              <a:buFont typeface="+mj-lt"/>
+              <a:buAutoNum type="arabicPeriod"/>
+            </a:pPr>
+            <a:r>
+              <a:rPr lang="en-GB" dirty="0">
+                <a:effectLst/>
+                <a:latin typeface="Calibri" panose="020F0502020204030204" pitchFamily="34" charset="0"/>
+                <a:ea typeface="Calibri" panose="020F0502020204030204" pitchFamily="34" charset="0"/>
+                <a:cs typeface="Arial" panose="020B0604020202020204" pitchFamily="34" charset="0"/>
+              </a:rPr>
+              <a:t>(to reduce) emotional reactivity to an anxiogenic stressor </a:t>
+            </a:r>
+          </a:p>
+          <a:p>
+            <a:pPr marL="342900" lvl="0" algn="l" rtl="0">
+              <a:spcBef>
+                <a:spcPts val="600"/>
+              </a:spcBef>
+              <a:spcAft>
+                <a:spcPts val="0"/>
+              </a:spcAft>
+              <a:buFont typeface="+mj-lt"/>
+              <a:buAutoNum type="arabicPeriod"/>
+            </a:pPr>
+            <a:endParaRPr lang="en-GB" sz="1800" dirty="0">
+              <a:effectLst/>
+              <a:latin typeface="Calibri" panose="020F0502020204030204" pitchFamily="34" charset="0"/>
+              <a:ea typeface="Calibri" panose="020F0502020204030204" pitchFamily="34" charset="0"/>
+              <a:cs typeface="Arial" panose="020B0604020202020204" pitchFamily="34" charset="0"/>
+            </a:endParaRPr>
+          </a:p>
+        </p:txBody>
+      </p:sp>
+      <p:sp>
+        <p:nvSpPr>
+          <p:cNvPr id="129" name="Google Shape;129;p25"/>
+          <p:cNvSpPr txBox="1">
+            <a:spLocks noGrp="1"/>
+          </p:cNvSpPr>
+          <p:nvPr>
+            <p:ph type="body" idx="3"/>
+          </p:nvPr>
+        </p:nvSpPr>
+        <p:spPr>
+          <a:xfrm>
+            <a:off x="4854016" y="857400"/>
+            <a:ext cx="4082720" cy="4068656"/>
+          </a:xfrm>
+          <a:prstGeom prst="rect">
+            <a:avLst/>
+          </a:prstGeom>
+        </p:spPr>
+        <p:txBody>
+          <a:bodyPr spcFirstLastPara="1" wrap="square" lIns="91425" tIns="91425" rIns="91425" bIns="91425" anchor="t" anchorCtr="0">
+            <a:noAutofit/>
+          </a:bodyPr>
+          <a:lstStyle/>
+          <a:p>
+            <a:pPr marL="0" lvl="0" indent="0" algn="l" rtl="0">
+              <a:spcBef>
+                <a:spcPts val="600"/>
+              </a:spcBef>
+              <a:spcAft>
+                <a:spcPts val="0"/>
+              </a:spcAft>
+              <a:buNone/>
+            </a:pPr>
+            <a:r>
+              <a:rPr lang="en-GB" b="1" dirty="0">
+                <a:solidFill>
+                  <a:srgbClr val="FE344D"/>
+                </a:solidFill>
+                <a:latin typeface="Permanent Marker"/>
+                <a:ea typeface="Permanent Marker"/>
+                <a:cs typeface="Permanent Marker"/>
+                <a:sym typeface="Permanent Marker"/>
+              </a:rPr>
+              <a:t>Mindfulness/meditation-based interventions</a:t>
+            </a:r>
+          </a:p>
+          <a:p>
+            <a:pPr marL="0" lvl="0" indent="0" algn="l" rtl="0">
+              <a:spcBef>
+                <a:spcPts val="600"/>
+              </a:spcBef>
+              <a:spcAft>
+                <a:spcPts val="0"/>
+              </a:spcAft>
+              <a:buNone/>
+            </a:pPr>
+            <a:r>
+              <a:rPr lang="en-GB" dirty="0"/>
+              <a:t>Meta-awareness is a central target and key mechanism of action of mindfulness training (</a:t>
+            </a:r>
+            <a:r>
+              <a:rPr lang="en-GB" sz="1400" dirty="0"/>
+              <a:t>Bernstein, </a:t>
+            </a:r>
+            <a:r>
+              <a:rPr lang="en-GB" sz="1400" dirty="0" err="1"/>
+              <a:t>Hadash</a:t>
+            </a:r>
+            <a:r>
+              <a:rPr lang="en-GB" sz="1400" dirty="0"/>
+              <a:t>, </a:t>
+            </a:r>
+            <a:r>
+              <a:rPr lang="en-GB" sz="1400" dirty="0" err="1"/>
+              <a:t>Lichtash</a:t>
+            </a:r>
+            <a:r>
+              <a:rPr lang="en-GB" sz="1400" dirty="0"/>
+              <a:t>, </a:t>
+            </a:r>
+            <a:r>
+              <a:rPr lang="en-GB" sz="1400" dirty="0" err="1"/>
+              <a:t>Tanay</a:t>
+            </a:r>
+            <a:r>
+              <a:rPr lang="en-GB" sz="1400" dirty="0"/>
+              <a:t>, Shepherd, &amp; Fresco, et al., 2015; Dunne, Thompson, &amp; Schooler, 2019</a:t>
+            </a:r>
+            <a:r>
+              <a:rPr lang="en-GB" dirty="0"/>
+              <a:t>)</a:t>
+            </a:r>
+            <a:endParaRPr lang="he-IL" dirty="0"/>
+          </a:p>
+          <a:p>
+            <a:pPr marL="0" lvl="0" indent="0" algn="l" rtl="0">
+              <a:spcBef>
+                <a:spcPts val="600"/>
+              </a:spcBef>
+              <a:spcAft>
+                <a:spcPts val="0"/>
+              </a:spcAft>
+              <a:buNone/>
+            </a:pPr>
+            <a:r>
+              <a:rPr lang="en-US" dirty="0"/>
+              <a:t>Found to positively influence:</a:t>
+            </a:r>
+            <a:endParaRPr lang="en-GB" dirty="0"/>
+          </a:p>
+          <a:p>
+            <a:pPr marL="342900" lvl="0" algn="l" rtl="0">
+              <a:spcBef>
+                <a:spcPts val="600"/>
+              </a:spcBef>
+              <a:spcAft>
+                <a:spcPts val="0"/>
+              </a:spcAft>
+              <a:buFont typeface="+mj-lt"/>
+              <a:buAutoNum type="arabicPeriod"/>
+            </a:pPr>
+            <a:r>
+              <a:rPr lang="en-US" sz="1800" dirty="0">
+                <a:effectLst/>
+                <a:latin typeface="Calibri" panose="020F0502020204030204" pitchFamily="34" charset="0"/>
+                <a:ea typeface="Calibri" panose="020F0502020204030204" pitchFamily="34" charset="0"/>
+                <a:cs typeface="Arial" panose="020B0604020202020204" pitchFamily="34" charset="0"/>
+              </a:rPr>
+              <a:t>sustained attention</a:t>
+            </a:r>
+            <a:endParaRPr lang="en-GB" sz="1800" dirty="0">
+              <a:effectLst/>
+              <a:latin typeface="Calibri" panose="020F0502020204030204" pitchFamily="34" charset="0"/>
+              <a:ea typeface="Calibri" panose="020F0502020204030204" pitchFamily="34" charset="0"/>
+              <a:cs typeface="Arial" panose="020B0604020202020204" pitchFamily="34" charset="0"/>
+            </a:endParaRPr>
+          </a:p>
+          <a:p>
+            <a:pPr marL="342900" lvl="0" algn="l" rtl="0">
+              <a:spcBef>
+                <a:spcPts val="600"/>
+              </a:spcBef>
+              <a:spcAft>
+                <a:spcPts val="0"/>
+              </a:spcAft>
+              <a:buFont typeface="+mj-lt"/>
+              <a:buAutoNum type="arabicPeriod"/>
+            </a:pPr>
+            <a:r>
+              <a:rPr lang="en-US" sz="1800" dirty="0">
+                <a:effectLst/>
+                <a:latin typeface="Calibri" panose="020F0502020204030204" pitchFamily="34" charset="0"/>
+                <a:ea typeface="Calibri" panose="020F0502020204030204" pitchFamily="34" charset="0"/>
+                <a:cs typeface="Arial" panose="020B0604020202020204" pitchFamily="34" charset="0"/>
+              </a:rPr>
+              <a:t>attentional selection </a:t>
+            </a:r>
+            <a:endParaRPr lang="en-GB" dirty="0">
+              <a:latin typeface="Calibri" panose="020F0502020204030204" pitchFamily="34" charset="0"/>
+              <a:ea typeface="Calibri" panose="020F0502020204030204" pitchFamily="34" charset="0"/>
+              <a:cs typeface="Arial" panose="020B0604020202020204" pitchFamily="34" charset="0"/>
+            </a:endParaRPr>
+          </a:p>
+          <a:p>
+            <a:pPr marL="342900" lvl="0" algn="l" rtl="0">
+              <a:spcBef>
+                <a:spcPts val="600"/>
+              </a:spcBef>
+              <a:spcAft>
+                <a:spcPts val="0"/>
+              </a:spcAft>
+              <a:buFont typeface="+mj-lt"/>
+              <a:buAutoNum type="arabicPeriod"/>
+            </a:pPr>
+            <a:r>
+              <a:rPr lang="en-US" sz="1800" dirty="0">
+                <a:effectLst/>
+                <a:latin typeface="Calibri" panose="020F0502020204030204" pitchFamily="34" charset="0"/>
+                <a:ea typeface="Calibri" panose="020F0502020204030204" pitchFamily="34" charset="0"/>
+                <a:cs typeface="Arial" panose="020B0604020202020204" pitchFamily="34" charset="0"/>
+              </a:rPr>
+              <a:t>attentional control</a:t>
+            </a:r>
+          </a:p>
+          <a:p>
+            <a:pPr marL="0" lvl="0" indent="0" algn="l" rtl="0">
+              <a:spcBef>
+                <a:spcPts val="600"/>
+              </a:spcBef>
+              <a:spcAft>
+                <a:spcPts val="0"/>
+              </a:spcAft>
+              <a:buNone/>
+            </a:pPr>
+            <a:r>
+              <a:rPr lang="en-US" sz="1400" dirty="0" err="1">
+                <a:effectLst/>
+                <a:latin typeface="Calibri" panose="020F0502020204030204" pitchFamily="34" charset="0"/>
+                <a:ea typeface="Calibri" panose="020F0502020204030204" pitchFamily="34" charset="0"/>
+                <a:cs typeface="Arial" panose="020B0604020202020204" pitchFamily="34" charset="0"/>
+              </a:rPr>
+              <a:t>Ruimi</a:t>
+            </a:r>
+            <a:r>
+              <a:rPr lang="en-US" sz="1400" dirty="0">
+                <a:effectLst/>
+                <a:latin typeface="Calibri" panose="020F0502020204030204" pitchFamily="34" charset="0"/>
+                <a:ea typeface="Calibri" panose="020F0502020204030204" pitchFamily="34" charset="0"/>
+                <a:cs typeface="Arial" panose="020B0604020202020204" pitchFamily="34" charset="0"/>
+              </a:rPr>
+              <a:t> et al., Submitted</a:t>
+            </a:r>
+            <a:endParaRPr dirty="0"/>
+          </a:p>
+          <a:p>
+            <a:pPr marL="0" lvl="0" indent="0" algn="l" rtl="0">
+              <a:spcBef>
+                <a:spcPts val="600"/>
+              </a:spcBef>
+              <a:spcAft>
+                <a:spcPts val="0"/>
+              </a:spcAft>
+              <a:buNone/>
+            </a:pPr>
+            <a:endParaRPr dirty="0"/>
+          </a:p>
+        </p:txBody>
+      </p:sp>
+      <p:sp>
+        <p:nvSpPr>
+          <p:cNvPr id="130" name="Google Shape;130;p25"/>
+          <p:cNvSpPr txBox="1">
+            <a:spLocks noGrp="1"/>
+          </p:cNvSpPr>
+          <p:nvPr>
+            <p:ph type="sldNum" idx="12"/>
+          </p:nvPr>
+        </p:nvSpPr>
+        <p:spPr>
+          <a:xfrm>
+            <a:off x="4297650" y="4859852"/>
+            <a:ext cx="548700" cy="283800"/>
+          </a:xfrm>
+          <a:prstGeom prst="rect">
+            <a:avLst/>
+          </a:prstGeom>
+        </p:spPr>
+        <p:txBody>
+          <a:bodyPr spcFirstLastPara="1" wrap="square" lIns="91425" tIns="91425" rIns="91425" bIns="91425" anchor="t" anchorCtr="0">
+            <a:noAutofit/>
+          </a:bodyPr>
+          <a:lstStyle/>
+          <a:p>
+            <a:pPr marL="0" lvl="0" indent="0" algn="ctr" rtl="0">
+              <a:spcBef>
+                <a:spcPts val="0"/>
+              </a:spcBef>
+              <a:spcAft>
+                <a:spcPts val="0"/>
+              </a:spcAft>
+              <a:buNone/>
+            </a:pPr>
+            <a:fld id="{00000000-1234-1234-1234-123412341234}" type="slidenum">
+              <a:rPr lang="en"/>
+              <a:t>10</a:t>
+            </a:fld>
+            <a:endParaRPr/>
+          </a:p>
+        </p:txBody>
+      </p:sp>
+    </p:spTree>
+    <p:extLst>
+      <p:ext uri="{BB962C8B-B14F-4D97-AF65-F5344CB8AC3E}">
+        <p14:creationId xmlns:p14="http://schemas.microsoft.com/office/powerpoint/2010/main" val="2572623760"/>
+      </p:ext>
+    </p:extLst>
+  </p:cSld>
+  <p:clrMapOvr>
+    <a:masterClrMapping/>
+  </p:clrMapOvr>
+</p:sld>
+</file>
+
+<file path=ppt/slides/slide11.xml><?xml version="1.0" encoding="utf-8"?>
+<p:sld xmlns:a="http://schemas.openxmlformats.org/drawingml/2006/main" xmlns:r="http://schemas.openxmlformats.org/officeDocument/2006/relationships" xmlns:p="http://schemas.openxmlformats.org/presentationml/2006/main">
+  <p:cSld>
+    <p:spTree>
+      <p:nvGrpSpPr>
+        <p:cNvPr id="1" name="Shape 72"/>
+        <p:cNvGrpSpPr/>
+        <p:nvPr/>
+      </p:nvGrpSpPr>
+      <p:grpSpPr>
+        <a:xfrm>
+          <a:off x="0" y="0"/>
+          <a:ext cx="0" cy="0"/>
+          <a:chOff x="0" y="0"/>
+          <a:chExt cx="0" cy="0"/>
+        </a:xfrm>
+      </p:grpSpPr>
+      <p:sp>
+        <p:nvSpPr>
+          <p:cNvPr id="73" name="Google Shape;73;p18"/>
+          <p:cNvSpPr txBox="1">
+            <a:spLocks noGrp="1"/>
+          </p:cNvSpPr>
+          <p:nvPr>
+            <p:ph type="title"/>
+          </p:nvPr>
+        </p:nvSpPr>
+        <p:spPr>
+          <a:xfrm>
+            <a:off x="-481356" y="-134110"/>
+            <a:ext cx="9430512" cy="857400"/>
+          </a:xfrm>
+          <a:prstGeom prst="rect">
+            <a:avLst/>
+          </a:prstGeom>
+        </p:spPr>
+        <p:txBody>
+          <a:bodyPr spcFirstLastPara="1" wrap="square" lIns="91425" tIns="91425" rIns="91425" bIns="91425" anchor="ctr" anchorCtr="0">
+            <a:noAutofit/>
+          </a:bodyPr>
+          <a:lstStyle/>
+          <a:p>
+            <a:pPr marL="0" lvl="0" indent="0" algn="ctr" rtl="0">
+              <a:spcBef>
+                <a:spcPts val="0"/>
+              </a:spcBef>
+              <a:spcAft>
+                <a:spcPts val="0"/>
+              </a:spcAft>
+              <a:buNone/>
+            </a:pPr>
+            <a:r>
+              <a:rPr lang="en-US" sz="3200" dirty="0"/>
+              <a:t>Gaps and problems</a:t>
+            </a:r>
+            <a:endParaRPr sz="3200" dirty="0"/>
+          </a:p>
+        </p:txBody>
+      </p:sp>
+      <p:sp>
+        <p:nvSpPr>
+          <p:cNvPr id="74" name="Google Shape;74;p18"/>
+          <p:cNvSpPr txBox="1"/>
+          <p:nvPr/>
+        </p:nvSpPr>
+        <p:spPr>
+          <a:xfrm>
+            <a:off x="457200" y="1107412"/>
+            <a:ext cx="8229600" cy="2717381"/>
+          </a:xfrm>
+          <a:prstGeom prst="rect">
+            <a:avLst/>
+          </a:prstGeom>
+          <a:noFill/>
+          <a:ln>
+            <a:noFill/>
+          </a:ln>
+        </p:spPr>
+        <p:txBody>
+          <a:bodyPr spcFirstLastPara="1" wrap="square" lIns="91425" tIns="91425" rIns="91425" bIns="91425" anchor="t" anchorCtr="0">
+            <a:noAutofit/>
+          </a:bodyPr>
+          <a:lstStyle/>
+          <a:p>
+            <a:pPr marL="342900" lvl="0" indent="-342900" algn="l" rtl="0">
+              <a:lnSpc>
+                <a:spcPct val="200000"/>
+              </a:lnSpc>
+              <a:spcBef>
+                <a:spcPts val="600"/>
+              </a:spcBef>
+              <a:spcAft>
+                <a:spcPts val="0"/>
+              </a:spcAft>
+              <a:buClr>
+                <a:schemeClr val="dk1"/>
+              </a:buClr>
+              <a:buSzPts val="1100"/>
+              <a:buFont typeface="Arial" panose="020B0604020202020204" pitchFamily="34" charset="0"/>
+              <a:buChar char="•"/>
+            </a:pPr>
+            <a:r>
+              <a:rPr lang="en-US" sz="2000" dirty="0">
+                <a:solidFill>
+                  <a:schemeClr val="dk1"/>
+                </a:solidFill>
+                <a:latin typeface="Source Sans Pro"/>
+                <a:ea typeface="Source Sans Pro"/>
+                <a:cs typeface="Source Sans Pro"/>
+                <a:sym typeface="Source Sans Pro"/>
+              </a:rPr>
+              <a:t>Real-time feedback literature – focus on external attention</a:t>
+            </a:r>
+          </a:p>
+          <a:p>
+            <a:pPr marL="342900" lvl="0" indent="-342900" algn="l" rtl="0">
+              <a:lnSpc>
+                <a:spcPct val="200000"/>
+              </a:lnSpc>
+              <a:spcBef>
+                <a:spcPts val="600"/>
+              </a:spcBef>
+              <a:spcAft>
+                <a:spcPts val="0"/>
+              </a:spcAft>
+              <a:buClr>
+                <a:schemeClr val="dk1"/>
+              </a:buClr>
+              <a:buSzPts val="1100"/>
+              <a:buFont typeface="Arial" panose="020B0604020202020204" pitchFamily="34" charset="0"/>
+              <a:buChar char="•"/>
+            </a:pPr>
+            <a:r>
+              <a:rPr lang="en-US" sz="2000" dirty="0">
+                <a:solidFill>
+                  <a:schemeClr val="dk1"/>
+                </a:solidFill>
+                <a:latin typeface="Source Sans Pro"/>
+                <a:ea typeface="Source Sans Pro"/>
+                <a:cs typeface="Source Sans Pro"/>
+                <a:sym typeface="Source Sans Pro"/>
+              </a:rPr>
+              <a:t>Mindfulness based training literature:</a:t>
+            </a:r>
+          </a:p>
+          <a:p>
+            <a:pPr marL="342900" lvl="2" indent="-342900">
+              <a:lnSpc>
+                <a:spcPct val="200000"/>
+              </a:lnSpc>
+              <a:spcBef>
+                <a:spcPts val="600"/>
+              </a:spcBef>
+              <a:buClr>
+                <a:schemeClr val="dk1"/>
+              </a:buClr>
+              <a:buSzPts val="1100"/>
+              <a:buFont typeface="Arial" panose="020B0604020202020204" pitchFamily="34" charset="0"/>
+              <a:buChar char="•"/>
+            </a:pPr>
+            <a:r>
+              <a:rPr lang="en-US" sz="2000" dirty="0">
+                <a:solidFill>
+                  <a:schemeClr val="dk1"/>
+                </a:solidFill>
+                <a:latin typeface="Source Sans Pro"/>
+                <a:ea typeface="Source Sans Pro"/>
+                <a:cs typeface="Source Sans Pro"/>
+                <a:sym typeface="Source Sans Pro"/>
+              </a:rPr>
+              <a:t>           Effects are either not consistent, or of small magnitude</a:t>
+            </a:r>
+          </a:p>
+          <a:p>
+            <a:pPr marL="342900" lvl="3" indent="-342900">
+              <a:lnSpc>
+                <a:spcPct val="200000"/>
+              </a:lnSpc>
+              <a:spcBef>
+                <a:spcPts val="600"/>
+              </a:spcBef>
+              <a:buClr>
+                <a:schemeClr val="dk1"/>
+              </a:buClr>
+              <a:buSzPts val="1100"/>
+              <a:buFont typeface="Arial" panose="020B0604020202020204" pitchFamily="34" charset="0"/>
+              <a:buChar char="•"/>
+            </a:pPr>
+            <a:r>
+              <a:rPr lang="en-US" sz="2000" dirty="0">
+                <a:solidFill>
+                  <a:schemeClr val="dk1"/>
+                </a:solidFill>
+                <a:latin typeface="Source Sans Pro"/>
+                <a:ea typeface="Source Sans Pro"/>
+                <a:cs typeface="Source Sans Pro"/>
+                <a:sym typeface="Source Sans Pro"/>
+              </a:rPr>
+              <a:t>           Meta-awareness was not quantified directly</a:t>
+            </a:r>
+          </a:p>
+        </p:txBody>
+      </p:sp>
+      <p:sp>
+        <p:nvSpPr>
+          <p:cNvPr id="77" name="Google Shape;77;p18"/>
+          <p:cNvSpPr txBox="1">
+            <a:spLocks noGrp="1"/>
+          </p:cNvSpPr>
+          <p:nvPr>
+            <p:ph type="sldNum" idx="12"/>
+          </p:nvPr>
+        </p:nvSpPr>
+        <p:spPr>
+          <a:xfrm>
+            <a:off x="4297650" y="4859852"/>
+            <a:ext cx="548700" cy="283800"/>
+          </a:xfrm>
+          <a:prstGeom prst="rect">
+            <a:avLst/>
+          </a:prstGeom>
+        </p:spPr>
+        <p:txBody>
+          <a:bodyPr spcFirstLastPara="1" wrap="square" lIns="91425" tIns="91425" rIns="91425" bIns="91425" anchor="t" anchorCtr="0">
+            <a:noAutofit/>
+          </a:bodyPr>
+          <a:lstStyle/>
+          <a:p>
+            <a:pPr marL="0" lvl="0" indent="0" algn="ctr" rtl="0">
+              <a:spcBef>
+                <a:spcPts val="0"/>
+              </a:spcBef>
+              <a:spcAft>
+                <a:spcPts val="0"/>
+              </a:spcAft>
+              <a:buNone/>
+            </a:pPr>
+            <a:fld id="{00000000-1234-1234-1234-123412341234}" type="slidenum">
+              <a:rPr lang="en"/>
+              <a:t>11</a:t>
+            </a:fld>
+            <a:endParaRPr/>
+          </a:p>
+        </p:txBody>
+      </p:sp>
+    </p:spTree>
+    <p:extLst>
+      <p:ext uri="{BB962C8B-B14F-4D97-AF65-F5344CB8AC3E}">
+        <p14:creationId xmlns:p14="http://schemas.microsoft.com/office/powerpoint/2010/main" val="1575412946"/>
+      </p:ext>
+    </p:extLst>
+  </p:cSld>
+  <p:clrMapOvr>
+    <a:masterClrMapping/>
+  </p:clrMapOvr>
+</p:sld>
+</file>
+
+<file path=ppt/slides/slide12.xml><?xml version="1.0" encoding="utf-8"?>
+<p:sld xmlns:a="http://schemas.openxmlformats.org/drawingml/2006/main" xmlns:r="http://schemas.openxmlformats.org/officeDocument/2006/relationships" xmlns:p="http://schemas.openxmlformats.org/presentationml/2006/main">
+  <p:cSld>
+    <p:spTree>
+      <p:nvGrpSpPr>
         <p:cNvPr id="1" name=""/>
         <p:cNvGrpSpPr/>
         <p:nvPr/>
@@ -9239,7 +10098,7 @@
             </a:pPr>
             <a:fld id="{00000000-1234-1234-1234-123412341234}" type="slidenum">
               <a:rPr lang="en" smtClean="0"/>
-              <a:t>10</a:t>
+              <a:t>12</a:t>
             </a:fld>
             <a:endParaRPr lang="en"/>
           </a:p>
@@ -9258,7 +10117,7 @@
 </p:sld>
 </file>
 
-<file path=ppt/slides/slide11.xml><?xml version="1.0" encoding="utf-8"?>
+<file path=ppt/slides/slide13.xml><?xml version="1.0" encoding="utf-8"?>
 <p:sld xmlns:a="http://schemas.openxmlformats.org/drawingml/2006/main" xmlns:r="http://schemas.openxmlformats.org/officeDocument/2006/relationships" xmlns:p="http://schemas.openxmlformats.org/presentationml/2006/main">
   <p:cSld>
     <p:spTree>
@@ -9453,7 +10312,7 @@
             </a:pPr>
             <a:fld id="{00000000-1234-1234-1234-123412341234}" type="slidenum">
               <a:rPr lang="en"/>
-              <a:t>11</a:t>
+              <a:t>13</a:t>
             </a:fld>
             <a:endParaRPr/>
           </a:p>
@@ -9469,1231 +10328,6 @@
   <p:clrMapOvr>
     <a:masterClrMapping/>
   </p:clrMapOvr>
-</p:sld>
-</file>
-
-<file path=ppt/slides/slide12.xml><?xml version="1.0" encoding="utf-8"?>
-<p:sld xmlns:a="http://schemas.openxmlformats.org/drawingml/2006/main" xmlns:r="http://schemas.openxmlformats.org/officeDocument/2006/relationships" xmlns:p="http://schemas.openxmlformats.org/presentationml/2006/main">
-  <p:cSld>
-    <p:spTree>
-      <p:nvGrpSpPr>
-        <p:cNvPr id="1" name=""/>
-        <p:cNvGrpSpPr/>
-        <p:nvPr/>
-      </p:nvGrpSpPr>
-      <p:grpSpPr>
-        <a:xfrm>
-          <a:off x="0" y="0"/>
-          <a:ext cx="0" cy="0"/>
-          <a:chOff x="0" y="0"/>
-          <a:chExt cx="0" cy="0"/>
-        </a:xfrm>
-      </p:grpSpPr>
-      <p:pic>
-        <p:nvPicPr>
-          <p:cNvPr id="5" name="Picture 4" descr="A group of people in clothing&#10;&#10;Description automatically generated">
-            <a:extLst>
-              <a:ext uri="{FF2B5EF4-FFF2-40B4-BE49-F238E27FC236}">
-                <a16:creationId xmlns:a16="http://schemas.microsoft.com/office/drawing/2014/main" id="{6D6CA3EC-EE2C-406D-8F53-9E621894D76B}"/>
-              </a:ext>
-            </a:extLst>
-          </p:cNvPr>
-          <p:cNvPicPr>
-            <a:picLocks noChangeAspect="1"/>
-          </p:cNvPicPr>
-          <p:nvPr/>
-        </p:nvPicPr>
-        <p:blipFill rotWithShape="1">
-          <a:blip r:embed="rId2">
-            <a:extLst>
-              <a:ext uri="{28A0092B-C50C-407E-A947-70E740481C1C}">
-                <a14:useLocalDpi xmlns:a14="http://schemas.microsoft.com/office/drawing/2010/main" val="0"/>
-              </a:ext>
-            </a:extLst>
-          </a:blip>
-          <a:srcRect b="2598"/>
-          <a:stretch/>
-        </p:blipFill>
-        <p:spPr>
-          <a:xfrm>
-            <a:off x="-2285" y="7"/>
-            <a:ext cx="9143999" cy="5143493"/>
-          </a:xfrm>
-          <a:prstGeom prst="rect">
-            <a:avLst/>
-          </a:prstGeom>
-        </p:spPr>
-      </p:pic>
-    </p:spTree>
-    <p:extLst>
-      <p:ext uri="{BB962C8B-B14F-4D97-AF65-F5344CB8AC3E}">
-        <p14:creationId xmlns:p14="http://schemas.microsoft.com/office/powerpoint/2010/main" val="3477204889"/>
-      </p:ext>
-    </p:extLst>
-  </p:cSld>
-  <p:clrMapOvr>
-    <a:masterClrMapping/>
-  </p:clrMapOvr>
-</p:sld>
-</file>
-
-<file path=ppt/slides/slide13.xml><?xml version="1.0" encoding="utf-8"?>
-<p:sld xmlns:a="http://schemas.openxmlformats.org/drawingml/2006/main" xmlns:r="http://schemas.openxmlformats.org/officeDocument/2006/relationships" xmlns:p="http://schemas.openxmlformats.org/presentationml/2006/main">
-  <p:cSld>
-    <p:spTree>
-      <p:nvGrpSpPr>
-        <p:cNvPr id="1" name=""/>
-        <p:cNvGrpSpPr/>
-        <p:nvPr/>
-      </p:nvGrpSpPr>
-      <p:grpSpPr>
-        <a:xfrm>
-          <a:off x="0" y="0"/>
-          <a:ext cx="0" cy="0"/>
-          <a:chOff x="0" y="0"/>
-          <a:chExt cx="0" cy="0"/>
-        </a:xfrm>
-      </p:grpSpPr>
-      <p:pic>
-        <p:nvPicPr>
-          <p:cNvPr id="5" name="Picture 4" descr="A group of people in clothing&#10;&#10;Description automatically generated">
-            <a:extLst>
-              <a:ext uri="{FF2B5EF4-FFF2-40B4-BE49-F238E27FC236}">
-                <a16:creationId xmlns:a16="http://schemas.microsoft.com/office/drawing/2014/main" id="{6D6CA3EC-EE2C-406D-8F53-9E621894D76B}"/>
-              </a:ext>
-            </a:extLst>
-          </p:cNvPr>
-          <p:cNvPicPr>
-            <a:picLocks noChangeAspect="1"/>
-          </p:cNvPicPr>
-          <p:nvPr/>
-        </p:nvPicPr>
-        <p:blipFill rotWithShape="1">
-          <a:blip r:embed="rId2">
-            <a:extLst>
-              <a:ext uri="{28A0092B-C50C-407E-A947-70E740481C1C}">
-                <a14:useLocalDpi xmlns:a14="http://schemas.microsoft.com/office/drawing/2010/main" val="0"/>
-              </a:ext>
-            </a:extLst>
-          </a:blip>
-          <a:srcRect b="2598"/>
-          <a:stretch/>
-        </p:blipFill>
-        <p:spPr>
-          <a:xfrm>
-            <a:off x="-3715" y="-4875"/>
-            <a:ext cx="9143999" cy="5143493"/>
-          </a:xfrm>
-          <a:prstGeom prst="rect">
-            <a:avLst/>
-          </a:prstGeom>
-        </p:spPr>
-      </p:pic>
-      <p:pic>
-        <p:nvPicPr>
-          <p:cNvPr id="6" name="Picture 5">
-            <a:extLst>
-              <a:ext uri="{FF2B5EF4-FFF2-40B4-BE49-F238E27FC236}">
-                <a16:creationId xmlns:a16="http://schemas.microsoft.com/office/drawing/2014/main" id="{0A648B1C-7720-46CE-948B-5941C36F95EA}"/>
-              </a:ext>
-            </a:extLst>
-          </p:cNvPr>
-          <p:cNvPicPr>
-            <a:picLocks noChangeAspect="1"/>
-          </p:cNvPicPr>
-          <p:nvPr/>
-        </p:nvPicPr>
-        <p:blipFill>
-          <a:blip r:embed="rId3"/>
-          <a:stretch>
-            <a:fillRect/>
-          </a:stretch>
-        </p:blipFill>
-        <p:spPr>
-          <a:xfrm>
-            <a:off x="2892511" y="359871"/>
-            <a:ext cx="700185" cy="935962"/>
-          </a:xfrm>
-          <a:prstGeom prst="rect">
-            <a:avLst/>
-          </a:prstGeom>
-        </p:spPr>
-      </p:pic>
-      <p:pic>
-        <p:nvPicPr>
-          <p:cNvPr id="8" name="Picture 7">
-            <a:extLst>
-              <a:ext uri="{FF2B5EF4-FFF2-40B4-BE49-F238E27FC236}">
-                <a16:creationId xmlns:a16="http://schemas.microsoft.com/office/drawing/2014/main" id="{68D09E20-7B0A-4CB8-8163-60B6EDBE48BF}"/>
-              </a:ext>
-            </a:extLst>
-          </p:cNvPr>
-          <p:cNvPicPr>
-            <a:picLocks noChangeAspect="1"/>
-          </p:cNvPicPr>
-          <p:nvPr/>
-        </p:nvPicPr>
-        <p:blipFill>
-          <a:blip r:embed="rId4"/>
-          <a:stretch>
-            <a:fillRect/>
-          </a:stretch>
-        </p:blipFill>
-        <p:spPr>
-          <a:xfrm>
-            <a:off x="1716148" y="477287"/>
-            <a:ext cx="693965" cy="912292"/>
-          </a:xfrm>
-          <a:prstGeom prst="rect">
-            <a:avLst/>
-          </a:prstGeom>
-        </p:spPr>
-      </p:pic>
-      <p:pic>
-        <p:nvPicPr>
-          <p:cNvPr id="11" name="Picture 10">
-            <a:extLst>
-              <a:ext uri="{FF2B5EF4-FFF2-40B4-BE49-F238E27FC236}">
-                <a16:creationId xmlns:a16="http://schemas.microsoft.com/office/drawing/2014/main" id="{27EC65AD-043A-4889-84C1-A25B7CE1D577}"/>
-              </a:ext>
-            </a:extLst>
-          </p:cNvPr>
-          <p:cNvPicPr>
-            <a:picLocks noChangeAspect="1"/>
-          </p:cNvPicPr>
-          <p:nvPr/>
-        </p:nvPicPr>
-        <p:blipFill>
-          <a:blip r:embed="rId5"/>
-          <a:stretch>
-            <a:fillRect/>
-          </a:stretch>
-        </p:blipFill>
-        <p:spPr>
-          <a:xfrm>
-            <a:off x="6572809" y="255289"/>
-            <a:ext cx="749030" cy="1081928"/>
-          </a:xfrm>
-          <a:prstGeom prst="rect">
-            <a:avLst/>
-          </a:prstGeom>
-        </p:spPr>
-      </p:pic>
-      <p:pic>
-        <p:nvPicPr>
-          <p:cNvPr id="14" name="Picture 13">
-            <a:extLst>
-              <a:ext uri="{FF2B5EF4-FFF2-40B4-BE49-F238E27FC236}">
-                <a16:creationId xmlns:a16="http://schemas.microsoft.com/office/drawing/2014/main" id="{8D088C63-FD0C-4C41-8D9E-5998A07A59EE}"/>
-              </a:ext>
-            </a:extLst>
-          </p:cNvPr>
-          <p:cNvPicPr>
-            <a:picLocks noChangeAspect="1"/>
-          </p:cNvPicPr>
-          <p:nvPr/>
-        </p:nvPicPr>
-        <p:blipFill>
-          <a:blip r:embed="rId6"/>
-          <a:stretch>
-            <a:fillRect/>
-          </a:stretch>
-        </p:blipFill>
-        <p:spPr>
-          <a:xfrm>
-            <a:off x="3781515" y="-4875"/>
-            <a:ext cx="888864" cy="1051709"/>
-          </a:xfrm>
-          <a:prstGeom prst="rect">
-            <a:avLst/>
-          </a:prstGeom>
-        </p:spPr>
-      </p:pic>
-      <p:pic>
-        <p:nvPicPr>
-          <p:cNvPr id="16" name="Picture 15">
-            <a:extLst>
-              <a:ext uri="{FF2B5EF4-FFF2-40B4-BE49-F238E27FC236}">
-                <a16:creationId xmlns:a16="http://schemas.microsoft.com/office/drawing/2014/main" id="{404AB4D6-46EB-449D-86EF-F8E2EA8B4704}"/>
-              </a:ext>
-            </a:extLst>
-          </p:cNvPr>
-          <p:cNvPicPr>
-            <a:picLocks noChangeAspect="1"/>
-          </p:cNvPicPr>
-          <p:nvPr/>
-        </p:nvPicPr>
-        <p:blipFill>
-          <a:blip r:embed="rId7"/>
-          <a:stretch>
-            <a:fillRect/>
-          </a:stretch>
-        </p:blipFill>
-        <p:spPr>
-          <a:xfrm>
-            <a:off x="7541850" y="48453"/>
-            <a:ext cx="757860" cy="1078985"/>
-          </a:xfrm>
-          <a:prstGeom prst="rect">
-            <a:avLst/>
-          </a:prstGeom>
-        </p:spPr>
-      </p:pic>
-      <p:pic>
-        <p:nvPicPr>
-          <p:cNvPr id="18" name="Picture 17">
-            <a:extLst>
-              <a:ext uri="{FF2B5EF4-FFF2-40B4-BE49-F238E27FC236}">
-                <a16:creationId xmlns:a16="http://schemas.microsoft.com/office/drawing/2014/main" id="{72B5BD65-7939-4C33-BD93-8204B4639F36}"/>
-              </a:ext>
-            </a:extLst>
-          </p:cNvPr>
-          <p:cNvPicPr>
-            <a:picLocks noChangeAspect="1"/>
-          </p:cNvPicPr>
-          <p:nvPr/>
-        </p:nvPicPr>
-        <p:blipFill>
-          <a:blip r:embed="rId8"/>
-          <a:stretch>
-            <a:fillRect/>
-          </a:stretch>
-        </p:blipFill>
-        <p:spPr>
-          <a:xfrm>
-            <a:off x="5449797" y="491319"/>
-            <a:ext cx="749030" cy="804513"/>
-          </a:xfrm>
-          <a:prstGeom prst="rect">
-            <a:avLst/>
-          </a:prstGeom>
-        </p:spPr>
-      </p:pic>
-      <p:pic>
-        <p:nvPicPr>
-          <p:cNvPr id="22" name="Picture 21">
-            <a:extLst>
-              <a:ext uri="{FF2B5EF4-FFF2-40B4-BE49-F238E27FC236}">
-                <a16:creationId xmlns:a16="http://schemas.microsoft.com/office/drawing/2014/main" id="{661E54F5-038F-4D9C-8D8F-0808DE0B648E}"/>
-              </a:ext>
-            </a:extLst>
-          </p:cNvPr>
-          <p:cNvPicPr>
-            <a:picLocks noChangeAspect="1"/>
-          </p:cNvPicPr>
-          <p:nvPr/>
-        </p:nvPicPr>
-        <p:blipFill>
-          <a:blip r:embed="rId9"/>
-          <a:stretch>
-            <a:fillRect/>
-          </a:stretch>
-        </p:blipFill>
-        <p:spPr>
-          <a:xfrm>
-            <a:off x="763987" y="535385"/>
-            <a:ext cx="635489" cy="841724"/>
-          </a:xfrm>
-          <a:prstGeom prst="rect">
-            <a:avLst/>
-          </a:prstGeom>
-        </p:spPr>
-      </p:pic>
-      <p:sp>
-        <p:nvSpPr>
-          <p:cNvPr id="4" name="Rectangle 3">
-            <a:extLst>
-              <a:ext uri="{FF2B5EF4-FFF2-40B4-BE49-F238E27FC236}">
-                <a16:creationId xmlns:a16="http://schemas.microsoft.com/office/drawing/2014/main" id="{340C203A-EC28-414F-AA88-5AA7A2E8B90F}"/>
-              </a:ext>
-            </a:extLst>
-          </p:cNvPr>
-          <p:cNvSpPr/>
-          <p:nvPr/>
-        </p:nvSpPr>
-        <p:spPr>
-          <a:xfrm>
-            <a:off x="807556" y="1456749"/>
-            <a:ext cx="2282996" cy="523220"/>
-          </a:xfrm>
-          <a:prstGeom prst="rect">
-            <a:avLst/>
-          </a:prstGeom>
-          <a:noFill/>
-        </p:spPr>
-        <p:txBody>
-          <a:bodyPr wrap="square" lIns="91440" tIns="45720" rIns="91440" bIns="45720">
-            <a:spAutoFit/>
-          </a:bodyPr>
-          <a:lstStyle/>
-          <a:p>
-            <a:pPr algn="ctr"/>
-            <a:r>
-              <a:rPr lang="en-US" sz="2800" b="1" dirty="0">
-                <a:ln w="13462">
-                  <a:solidFill>
-                    <a:schemeClr val="bg1"/>
-                  </a:solidFill>
-                  <a:prstDash val="solid"/>
-                </a:ln>
-                <a:solidFill>
-                  <a:schemeClr val="tx1">
-                    <a:lumMod val="85000"/>
-                    <a:lumOff val="15000"/>
-                  </a:schemeClr>
-                </a:solidFill>
-                <a:effectLst>
-                  <a:outerShdw dist="38100" dir="2700000" algn="bl" rotWithShape="0">
-                    <a:schemeClr val="accent5"/>
-                  </a:outerShdw>
-                </a:effectLst>
-              </a:rPr>
-              <a:t>A-FACT</a:t>
-            </a:r>
-            <a:endParaRPr lang="en-US" sz="2800" b="1" cap="none" spc="0" dirty="0">
-              <a:ln w="13462">
-                <a:solidFill>
-                  <a:schemeClr val="bg1"/>
-                </a:solidFill>
-                <a:prstDash val="solid"/>
-              </a:ln>
-              <a:solidFill>
-                <a:schemeClr val="tx1">
-                  <a:lumMod val="85000"/>
-                  <a:lumOff val="15000"/>
-                </a:schemeClr>
-              </a:solidFill>
-              <a:effectLst>
-                <a:outerShdw dist="38100" dir="2700000" algn="bl" rotWithShape="0">
-                  <a:schemeClr val="accent5"/>
-                </a:outerShdw>
-              </a:effectLst>
-            </a:endParaRPr>
-          </a:p>
-        </p:txBody>
-      </p:sp>
-      <p:sp>
-        <p:nvSpPr>
-          <p:cNvPr id="15" name="Rectangle 14">
-            <a:extLst>
-              <a:ext uri="{FF2B5EF4-FFF2-40B4-BE49-F238E27FC236}">
-                <a16:creationId xmlns:a16="http://schemas.microsoft.com/office/drawing/2014/main" id="{9CDE4DA6-A6B4-48FF-8066-E3056BF30E2B}"/>
-              </a:ext>
-            </a:extLst>
-          </p:cNvPr>
-          <p:cNvSpPr/>
-          <p:nvPr/>
-        </p:nvSpPr>
-        <p:spPr>
-          <a:xfrm>
-            <a:off x="1949121" y="1238843"/>
-            <a:ext cx="2282996" cy="523220"/>
-          </a:xfrm>
-          <a:prstGeom prst="rect">
-            <a:avLst/>
-          </a:prstGeom>
-          <a:noFill/>
-        </p:spPr>
-        <p:txBody>
-          <a:bodyPr wrap="square" lIns="91440" tIns="45720" rIns="91440" bIns="45720">
-            <a:spAutoFit/>
-          </a:bodyPr>
-          <a:lstStyle/>
-          <a:p>
-            <a:pPr algn="ctr"/>
-            <a:r>
-              <a:rPr lang="en-US" sz="2800" b="1" dirty="0">
-                <a:ln w="13462">
-                  <a:solidFill>
-                    <a:schemeClr val="bg1"/>
-                  </a:solidFill>
-                  <a:prstDash val="solid"/>
-                </a:ln>
-                <a:solidFill>
-                  <a:schemeClr val="tx1">
-                    <a:lumMod val="85000"/>
-                    <a:lumOff val="15000"/>
-                  </a:schemeClr>
-                </a:solidFill>
-                <a:effectLst>
-                  <a:outerShdw dist="38100" dir="2700000" algn="bl" rotWithShape="0">
-                    <a:schemeClr val="accent5"/>
-                  </a:outerShdw>
-                </a:effectLst>
-              </a:rPr>
-              <a:t>MAB</a:t>
-            </a:r>
-            <a:endParaRPr lang="en-US" sz="2800" b="1" cap="none" spc="0" dirty="0">
-              <a:ln w="13462">
-                <a:solidFill>
-                  <a:schemeClr val="bg1"/>
-                </a:solidFill>
-                <a:prstDash val="solid"/>
-              </a:ln>
-              <a:solidFill>
-                <a:schemeClr val="tx1">
-                  <a:lumMod val="85000"/>
-                  <a:lumOff val="15000"/>
-                </a:schemeClr>
-              </a:solidFill>
-              <a:effectLst>
-                <a:outerShdw dist="38100" dir="2700000" algn="bl" rotWithShape="0">
-                  <a:schemeClr val="accent5"/>
-                </a:outerShdw>
-              </a:effectLst>
-            </a:endParaRPr>
-          </a:p>
-        </p:txBody>
-      </p:sp>
-      <p:sp>
-        <p:nvSpPr>
-          <p:cNvPr id="17" name="Rectangle 16">
-            <a:extLst>
-              <a:ext uri="{FF2B5EF4-FFF2-40B4-BE49-F238E27FC236}">
-                <a16:creationId xmlns:a16="http://schemas.microsoft.com/office/drawing/2014/main" id="{E45B9731-61DC-47C1-87EB-2FA7007E4B52}"/>
-              </a:ext>
-            </a:extLst>
-          </p:cNvPr>
-          <p:cNvSpPr/>
-          <p:nvPr/>
-        </p:nvSpPr>
-        <p:spPr>
-          <a:xfrm>
-            <a:off x="6023113" y="1415738"/>
-            <a:ext cx="2282996" cy="1384995"/>
-          </a:xfrm>
-          <a:prstGeom prst="rect">
-            <a:avLst/>
-          </a:prstGeom>
-          <a:noFill/>
-        </p:spPr>
-        <p:txBody>
-          <a:bodyPr wrap="square" lIns="91440" tIns="45720" rIns="91440" bIns="45720">
-            <a:spAutoFit/>
-          </a:bodyPr>
-          <a:lstStyle/>
-          <a:p>
-            <a:pPr algn="ctr"/>
-            <a:r>
-              <a:rPr lang="en-US" sz="2800" b="1" dirty="0">
-                <a:ln w="13462">
-                  <a:solidFill>
-                    <a:schemeClr val="bg1"/>
-                  </a:solidFill>
-                  <a:prstDash val="solid"/>
-                </a:ln>
-                <a:solidFill>
-                  <a:schemeClr val="tx1">
-                    <a:lumMod val="85000"/>
-                    <a:lumOff val="15000"/>
-                  </a:schemeClr>
-                </a:solidFill>
-                <a:effectLst>
-                  <a:outerShdw dist="38100" dir="2700000" algn="bl" rotWithShape="0">
-                    <a:schemeClr val="accent5"/>
-                  </a:outerShdw>
-                </a:effectLst>
-              </a:rPr>
-              <a:t>STP-DCT</a:t>
-            </a:r>
-            <a:br>
-              <a:rPr lang="en-US" sz="2800" b="1" dirty="0">
-                <a:ln w="13462">
-                  <a:solidFill>
-                    <a:schemeClr val="bg1"/>
-                  </a:solidFill>
-                  <a:prstDash val="solid"/>
-                </a:ln>
-                <a:solidFill>
-                  <a:schemeClr val="tx1">
-                    <a:lumMod val="85000"/>
-                    <a:lumOff val="15000"/>
-                  </a:schemeClr>
-                </a:solidFill>
-                <a:effectLst>
-                  <a:outerShdw dist="38100" dir="2700000" algn="bl" rotWithShape="0">
-                    <a:schemeClr val="accent5"/>
-                  </a:outerShdw>
-                </a:effectLst>
-              </a:rPr>
-            </a:br>
-            <a:r>
-              <a:rPr lang="en-US" sz="2800" b="1" dirty="0">
-                <a:ln w="13462">
-                  <a:solidFill>
-                    <a:schemeClr val="bg1"/>
-                  </a:solidFill>
-                  <a:prstDash val="solid"/>
-                </a:ln>
-                <a:solidFill>
-                  <a:schemeClr val="tx1">
-                    <a:lumMod val="85000"/>
-                    <a:lumOff val="15000"/>
-                  </a:schemeClr>
-                </a:solidFill>
-                <a:effectLst>
-                  <a:outerShdw dist="38100" dir="2700000" algn="bl" rotWithShape="0">
-                    <a:schemeClr val="accent5"/>
-                  </a:outerShdw>
-                </a:effectLst>
-              </a:rPr>
-              <a:t>N Back Dichotic</a:t>
-            </a:r>
-            <a:endParaRPr lang="en-US" sz="2800" b="1" cap="none" spc="0" dirty="0">
-              <a:ln w="13462">
-                <a:solidFill>
-                  <a:schemeClr val="bg1"/>
-                </a:solidFill>
-                <a:prstDash val="solid"/>
-              </a:ln>
-              <a:solidFill>
-                <a:schemeClr val="tx1">
-                  <a:lumMod val="85000"/>
-                  <a:lumOff val="15000"/>
-                </a:schemeClr>
-              </a:solidFill>
-              <a:effectLst>
-                <a:outerShdw dist="38100" dir="2700000" algn="bl" rotWithShape="0">
-                  <a:schemeClr val="accent5"/>
-                </a:outerShdw>
-              </a:effectLst>
-            </a:endParaRPr>
-          </a:p>
-        </p:txBody>
-      </p:sp>
-      <p:sp>
-        <p:nvSpPr>
-          <p:cNvPr id="19" name="Rectangle 18">
-            <a:extLst>
-              <a:ext uri="{FF2B5EF4-FFF2-40B4-BE49-F238E27FC236}">
-                <a16:creationId xmlns:a16="http://schemas.microsoft.com/office/drawing/2014/main" id="{0A1CC491-075E-4DE1-8689-B994E8ABD867}"/>
-              </a:ext>
-            </a:extLst>
-          </p:cNvPr>
-          <p:cNvSpPr/>
-          <p:nvPr/>
-        </p:nvSpPr>
-        <p:spPr>
-          <a:xfrm>
-            <a:off x="4672315" y="1335771"/>
-            <a:ext cx="2282996" cy="523220"/>
-          </a:xfrm>
-          <a:prstGeom prst="rect">
-            <a:avLst/>
-          </a:prstGeom>
-          <a:noFill/>
-        </p:spPr>
-        <p:txBody>
-          <a:bodyPr wrap="square" lIns="91440" tIns="45720" rIns="91440" bIns="45720">
-            <a:spAutoFit/>
-          </a:bodyPr>
-          <a:lstStyle/>
-          <a:p>
-            <a:pPr algn="ctr"/>
-            <a:r>
-              <a:rPr lang="en-US" sz="2800" b="1" dirty="0">
-                <a:ln w="13462">
-                  <a:solidFill>
-                    <a:schemeClr val="bg1"/>
-                  </a:solidFill>
-                  <a:prstDash val="solid"/>
-                </a:ln>
-                <a:solidFill>
-                  <a:schemeClr val="tx1">
-                    <a:lumMod val="85000"/>
-                    <a:lumOff val="15000"/>
-                  </a:schemeClr>
-                </a:solidFill>
-                <a:effectLst>
-                  <a:outerShdw dist="38100" dir="2700000" algn="bl" rotWithShape="0">
-                    <a:schemeClr val="accent5"/>
-                  </a:outerShdw>
-                </a:effectLst>
-              </a:rPr>
-              <a:t>MBTRR</a:t>
-            </a:r>
-            <a:endParaRPr lang="en-US" sz="2800" b="1" cap="none" spc="0" dirty="0">
-              <a:ln w="13462">
-                <a:solidFill>
-                  <a:schemeClr val="bg1"/>
-                </a:solidFill>
-                <a:prstDash val="solid"/>
-              </a:ln>
-              <a:solidFill>
-                <a:schemeClr val="tx1">
-                  <a:lumMod val="85000"/>
-                  <a:lumOff val="15000"/>
-                </a:schemeClr>
-              </a:solidFill>
-              <a:effectLst>
-                <a:outerShdw dist="38100" dir="2700000" algn="bl" rotWithShape="0">
-                  <a:schemeClr val="accent5"/>
-                </a:outerShdw>
-              </a:effectLst>
-            </a:endParaRPr>
-          </a:p>
-        </p:txBody>
-      </p:sp>
-      <p:sp>
-        <p:nvSpPr>
-          <p:cNvPr id="20" name="Rectangle 19">
-            <a:extLst>
-              <a:ext uri="{FF2B5EF4-FFF2-40B4-BE49-F238E27FC236}">
-                <a16:creationId xmlns:a16="http://schemas.microsoft.com/office/drawing/2014/main" id="{3DD395B1-3E87-427F-A2E8-2F64697D3D59}"/>
-              </a:ext>
-            </a:extLst>
-          </p:cNvPr>
-          <p:cNvSpPr/>
-          <p:nvPr/>
-        </p:nvSpPr>
-        <p:spPr>
-          <a:xfrm>
-            <a:off x="7077387" y="1585015"/>
-            <a:ext cx="2282996" cy="523220"/>
-          </a:xfrm>
-          <a:prstGeom prst="rect">
-            <a:avLst/>
-          </a:prstGeom>
-          <a:noFill/>
-        </p:spPr>
-        <p:txBody>
-          <a:bodyPr wrap="square" lIns="91440" tIns="45720" rIns="91440" bIns="45720">
-            <a:spAutoFit/>
-          </a:bodyPr>
-          <a:lstStyle/>
-          <a:p>
-            <a:pPr algn="ctr"/>
-            <a:r>
-              <a:rPr lang="en-US" sz="2800" b="1" dirty="0">
-                <a:ln w="13462">
-                  <a:solidFill>
-                    <a:schemeClr val="bg1"/>
-                  </a:solidFill>
-                  <a:prstDash val="solid"/>
-                </a:ln>
-                <a:solidFill>
-                  <a:schemeClr val="tx1">
-                    <a:lumMod val="85000"/>
-                    <a:lumOff val="15000"/>
-                  </a:schemeClr>
-                </a:solidFill>
-                <a:effectLst>
-                  <a:outerShdw dist="38100" dir="2700000" algn="bl" rotWithShape="0">
-                    <a:schemeClr val="accent5"/>
-                  </a:outerShdw>
-                </a:effectLst>
-              </a:rPr>
-              <a:t>MAT</a:t>
-            </a:r>
-            <a:endParaRPr lang="en-US" sz="2800" b="1" cap="none" spc="0" dirty="0">
-              <a:ln w="13462">
-                <a:solidFill>
-                  <a:schemeClr val="bg1"/>
-                </a:solidFill>
-                <a:prstDash val="solid"/>
-              </a:ln>
-              <a:solidFill>
-                <a:schemeClr val="tx1">
-                  <a:lumMod val="85000"/>
-                  <a:lumOff val="15000"/>
-                </a:schemeClr>
-              </a:solidFill>
-              <a:effectLst>
-                <a:outerShdw dist="38100" dir="2700000" algn="bl" rotWithShape="0">
-                  <a:schemeClr val="accent5"/>
-                </a:outerShdw>
-              </a:effectLst>
-            </a:endParaRPr>
-          </a:p>
-        </p:txBody>
-      </p:sp>
-      <p:sp>
-        <p:nvSpPr>
-          <p:cNvPr id="21" name="Rectangle 20">
-            <a:extLst>
-              <a:ext uri="{FF2B5EF4-FFF2-40B4-BE49-F238E27FC236}">
-                <a16:creationId xmlns:a16="http://schemas.microsoft.com/office/drawing/2014/main" id="{3D4D1F02-CD88-464F-AC3F-0CB9CEA1FB62}"/>
-              </a:ext>
-            </a:extLst>
-          </p:cNvPr>
-          <p:cNvSpPr/>
-          <p:nvPr/>
-        </p:nvSpPr>
-        <p:spPr>
-          <a:xfrm rot="20104218">
-            <a:off x="-259418" y="1503607"/>
-            <a:ext cx="2282996" cy="523220"/>
-          </a:xfrm>
-          <a:prstGeom prst="rect">
-            <a:avLst/>
-          </a:prstGeom>
-          <a:noFill/>
-        </p:spPr>
-        <p:txBody>
-          <a:bodyPr wrap="square" lIns="91440" tIns="45720" rIns="91440" bIns="45720">
-            <a:spAutoFit/>
-          </a:bodyPr>
-          <a:lstStyle/>
-          <a:p>
-            <a:pPr algn="ctr"/>
-            <a:r>
-              <a:rPr lang="en-US" sz="2800" b="1" dirty="0">
-                <a:ln w="13462">
-                  <a:solidFill>
-                    <a:schemeClr val="bg1"/>
-                  </a:solidFill>
-                  <a:prstDash val="solid"/>
-                </a:ln>
-                <a:solidFill>
-                  <a:srgbClr val="00B050"/>
-                </a:solidFill>
-                <a:effectLst>
-                  <a:outerShdw dist="38100" dir="2700000" algn="bl" rotWithShape="0">
-                    <a:schemeClr val="accent5"/>
-                  </a:outerShdw>
-                </a:effectLst>
-              </a:rPr>
-              <a:t>WT*?!</a:t>
-            </a:r>
-            <a:endParaRPr lang="en-US" sz="2800" b="1" cap="none" spc="0" dirty="0">
-              <a:ln w="13462">
-                <a:solidFill>
-                  <a:schemeClr val="bg1"/>
-                </a:solidFill>
-                <a:prstDash val="solid"/>
-              </a:ln>
-              <a:solidFill>
-                <a:srgbClr val="00B050"/>
-              </a:solidFill>
-              <a:effectLst>
-                <a:outerShdw dist="38100" dir="2700000" algn="bl" rotWithShape="0">
-                  <a:schemeClr val="accent5"/>
-                </a:outerShdw>
-              </a:effectLst>
-            </a:endParaRPr>
-          </a:p>
-        </p:txBody>
-      </p:sp>
-      <p:sp>
-        <p:nvSpPr>
-          <p:cNvPr id="23" name="Rectangle 22">
-            <a:extLst>
-              <a:ext uri="{FF2B5EF4-FFF2-40B4-BE49-F238E27FC236}">
-                <a16:creationId xmlns:a16="http://schemas.microsoft.com/office/drawing/2014/main" id="{65EB723C-7A0B-4D06-A452-45623B117BCF}"/>
-              </a:ext>
-            </a:extLst>
-          </p:cNvPr>
-          <p:cNvSpPr/>
-          <p:nvPr/>
-        </p:nvSpPr>
-        <p:spPr>
-          <a:xfrm>
-            <a:off x="3151222" y="900053"/>
-            <a:ext cx="2282996" cy="954107"/>
-          </a:xfrm>
-          <a:prstGeom prst="rect">
-            <a:avLst/>
-          </a:prstGeom>
-          <a:noFill/>
-        </p:spPr>
-        <p:txBody>
-          <a:bodyPr wrap="square" lIns="91440" tIns="45720" rIns="91440" bIns="45720">
-            <a:spAutoFit/>
-          </a:bodyPr>
-          <a:lstStyle/>
-          <a:p>
-            <a:pPr algn="ctr"/>
-            <a:r>
-              <a:rPr lang="en-US" sz="2800" b="1" dirty="0">
-                <a:ln w="13462">
-                  <a:solidFill>
-                    <a:schemeClr val="bg1"/>
-                  </a:solidFill>
-                  <a:prstDash val="solid"/>
-                </a:ln>
-                <a:solidFill>
-                  <a:schemeClr val="tx1">
-                    <a:lumMod val="50000"/>
-                  </a:schemeClr>
-                </a:solidFill>
-                <a:effectLst>
-                  <a:outerShdw dist="38100" dir="2700000" algn="bl" rotWithShape="0">
-                    <a:schemeClr val="accent5"/>
-                  </a:outerShdw>
-                </a:effectLst>
-              </a:rPr>
-              <a:t>“Are you following?”</a:t>
-            </a:r>
-            <a:endParaRPr lang="en-US" sz="2800" b="1" cap="none" spc="0" dirty="0">
-              <a:ln w="13462">
-                <a:solidFill>
-                  <a:schemeClr val="bg1"/>
-                </a:solidFill>
-                <a:prstDash val="solid"/>
-              </a:ln>
-              <a:solidFill>
-                <a:schemeClr val="tx1">
-                  <a:lumMod val="50000"/>
-                </a:schemeClr>
-              </a:solidFill>
-              <a:effectLst>
-                <a:outerShdw dist="38100" dir="2700000" algn="bl" rotWithShape="0">
-                  <a:schemeClr val="accent5"/>
-                </a:outerShdw>
-              </a:effectLst>
-            </a:endParaRPr>
-          </a:p>
-        </p:txBody>
-      </p:sp>
-    </p:spTree>
-    <p:extLst>
-      <p:ext uri="{BB962C8B-B14F-4D97-AF65-F5344CB8AC3E}">
-        <p14:creationId xmlns:p14="http://schemas.microsoft.com/office/powerpoint/2010/main" val="2708842119"/>
-      </p:ext>
-    </p:extLst>
-  </p:cSld>
-  <p:clrMapOvr>
-    <a:masterClrMapping/>
-  </p:clrMapOvr>
-  <p:timing>
-    <p:tnLst>
-      <p:par>
-        <p:cTn id="1" dur="indefinite" restart="never" nodeType="tmRoot">
-          <p:childTnLst>
-            <p:seq concurrent="1" nextAc="seek">
-              <p:cTn id="2" dur="indefinite" nodeType="mainSeq">
-                <p:childTnLst>
-                  <p:par>
-                    <p:cTn id="3" fill="hold">
-                      <p:stCondLst>
-                        <p:cond delay="indefinite"/>
-                      </p:stCondLst>
-                      <p:childTnLst>
-                        <p:par>
-                          <p:cTn id="4" fill="hold">
-                            <p:stCondLst>
-                              <p:cond delay="0"/>
-                            </p:stCondLst>
-                            <p:childTnLst>
-                              <p:par>
-                                <p:cTn id="5" presetID="22" presetClass="entr" presetSubtype="4" fill="hold" grpId="0" nodeType="clickEffect">
-                                  <p:stCondLst>
-                                    <p:cond delay="0"/>
-                                  </p:stCondLst>
-                                  <p:childTnLst>
-                                    <p:set>
-                                      <p:cBhvr>
-                                        <p:cTn id="6" dur="1" fill="hold">
-                                          <p:stCondLst>
-                                            <p:cond delay="0"/>
-                                          </p:stCondLst>
-                                        </p:cTn>
-                                        <p:tgtEl>
-                                          <p:spTgt spid="4"/>
-                                        </p:tgtEl>
-                                        <p:attrNameLst>
-                                          <p:attrName>style.visibility</p:attrName>
-                                        </p:attrNameLst>
-                                      </p:cBhvr>
-                                      <p:to>
-                                        <p:strVal val="visible"/>
-                                      </p:to>
-                                    </p:set>
-                                    <p:animEffect transition="in" filter="wipe(down)">
-                                      <p:cBhvr>
-                                        <p:cTn id="7" dur="500"/>
-                                        <p:tgtEl>
-                                          <p:spTgt spid="4"/>
-                                        </p:tgtEl>
-                                      </p:cBhvr>
-                                    </p:animEffect>
-                                  </p:childTnLst>
-                                </p:cTn>
-                              </p:par>
-                              <p:par>
-                                <p:cTn id="8" presetID="22" presetClass="entr" presetSubtype="4" fill="hold" grpId="0" nodeType="withEffect">
-                                  <p:stCondLst>
-                                    <p:cond delay="0"/>
-                                  </p:stCondLst>
-                                  <p:childTnLst>
-                                    <p:set>
-                                      <p:cBhvr>
-                                        <p:cTn id="9" dur="1" fill="hold">
-                                          <p:stCondLst>
-                                            <p:cond delay="0"/>
-                                          </p:stCondLst>
-                                        </p:cTn>
-                                        <p:tgtEl>
-                                          <p:spTgt spid="15"/>
-                                        </p:tgtEl>
-                                        <p:attrNameLst>
-                                          <p:attrName>style.visibility</p:attrName>
-                                        </p:attrNameLst>
-                                      </p:cBhvr>
-                                      <p:to>
-                                        <p:strVal val="visible"/>
-                                      </p:to>
-                                    </p:set>
-                                    <p:animEffect transition="in" filter="wipe(down)">
-                                      <p:cBhvr>
-                                        <p:cTn id="10" dur="500"/>
-                                        <p:tgtEl>
-                                          <p:spTgt spid="15"/>
-                                        </p:tgtEl>
-                                      </p:cBhvr>
-                                    </p:animEffect>
-                                  </p:childTnLst>
-                                </p:cTn>
-                              </p:par>
-                              <p:par>
-                                <p:cTn id="11" presetID="22" presetClass="entr" presetSubtype="4" fill="hold" grpId="0" nodeType="withEffect">
-                                  <p:stCondLst>
-                                    <p:cond delay="0"/>
-                                  </p:stCondLst>
-                                  <p:childTnLst>
-                                    <p:set>
-                                      <p:cBhvr>
-                                        <p:cTn id="12" dur="1" fill="hold">
-                                          <p:stCondLst>
-                                            <p:cond delay="0"/>
-                                          </p:stCondLst>
-                                        </p:cTn>
-                                        <p:tgtEl>
-                                          <p:spTgt spid="23"/>
-                                        </p:tgtEl>
-                                        <p:attrNameLst>
-                                          <p:attrName>style.visibility</p:attrName>
-                                        </p:attrNameLst>
-                                      </p:cBhvr>
-                                      <p:to>
-                                        <p:strVal val="visible"/>
-                                      </p:to>
-                                    </p:set>
-                                    <p:animEffect transition="in" filter="wipe(down)">
-                                      <p:cBhvr>
-                                        <p:cTn id="13" dur="500"/>
-                                        <p:tgtEl>
-                                          <p:spTgt spid="23"/>
-                                        </p:tgtEl>
-                                      </p:cBhvr>
-                                    </p:animEffect>
-                                  </p:childTnLst>
-                                </p:cTn>
-                              </p:par>
-                              <p:par>
-                                <p:cTn id="14" presetID="22" presetClass="entr" presetSubtype="4" fill="hold" grpId="0" nodeType="withEffect">
-                                  <p:stCondLst>
-                                    <p:cond delay="0"/>
-                                  </p:stCondLst>
-                                  <p:childTnLst>
-                                    <p:set>
-                                      <p:cBhvr>
-                                        <p:cTn id="15" dur="1" fill="hold">
-                                          <p:stCondLst>
-                                            <p:cond delay="0"/>
-                                          </p:stCondLst>
-                                        </p:cTn>
-                                        <p:tgtEl>
-                                          <p:spTgt spid="19"/>
-                                        </p:tgtEl>
-                                        <p:attrNameLst>
-                                          <p:attrName>style.visibility</p:attrName>
-                                        </p:attrNameLst>
-                                      </p:cBhvr>
-                                      <p:to>
-                                        <p:strVal val="visible"/>
-                                      </p:to>
-                                    </p:set>
-                                    <p:animEffect transition="in" filter="wipe(down)">
-                                      <p:cBhvr>
-                                        <p:cTn id="16" dur="500"/>
-                                        <p:tgtEl>
-                                          <p:spTgt spid="19"/>
-                                        </p:tgtEl>
-                                      </p:cBhvr>
-                                    </p:animEffect>
-                                  </p:childTnLst>
-                                </p:cTn>
-                              </p:par>
-                              <p:par>
-                                <p:cTn id="17" presetID="22" presetClass="entr" presetSubtype="4" fill="hold" grpId="0" nodeType="withEffect">
-                                  <p:stCondLst>
-                                    <p:cond delay="0"/>
-                                  </p:stCondLst>
-                                  <p:childTnLst>
-                                    <p:set>
-                                      <p:cBhvr>
-                                        <p:cTn id="18" dur="1" fill="hold">
-                                          <p:stCondLst>
-                                            <p:cond delay="0"/>
-                                          </p:stCondLst>
-                                        </p:cTn>
-                                        <p:tgtEl>
-                                          <p:spTgt spid="20"/>
-                                        </p:tgtEl>
-                                        <p:attrNameLst>
-                                          <p:attrName>style.visibility</p:attrName>
-                                        </p:attrNameLst>
-                                      </p:cBhvr>
-                                      <p:to>
-                                        <p:strVal val="visible"/>
-                                      </p:to>
-                                    </p:set>
-                                    <p:animEffect transition="in" filter="wipe(down)">
-                                      <p:cBhvr>
-                                        <p:cTn id="19" dur="500"/>
-                                        <p:tgtEl>
-                                          <p:spTgt spid="20"/>
-                                        </p:tgtEl>
-                                      </p:cBhvr>
-                                    </p:animEffect>
-                                  </p:childTnLst>
-                                </p:cTn>
-                              </p:par>
-                              <p:par>
-                                <p:cTn id="20" presetID="22" presetClass="entr" presetSubtype="4" fill="hold" grpId="0" nodeType="withEffect">
-                                  <p:stCondLst>
-                                    <p:cond delay="0"/>
-                                  </p:stCondLst>
-                                  <p:childTnLst>
-                                    <p:set>
-                                      <p:cBhvr>
-                                        <p:cTn id="21" dur="1" fill="hold">
-                                          <p:stCondLst>
-                                            <p:cond delay="0"/>
-                                          </p:stCondLst>
-                                        </p:cTn>
-                                        <p:tgtEl>
-                                          <p:spTgt spid="17"/>
-                                        </p:tgtEl>
-                                        <p:attrNameLst>
-                                          <p:attrName>style.visibility</p:attrName>
-                                        </p:attrNameLst>
-                                      </p:cBhvr>
-                                      <p:to>
-                                        <p:strVal val="visible"/>
-                                      </p:to>
-                                    </p:set>
-                                    <p:animEffect transition="in" filter="wipe(down)">
-                                      <p:cBhvr>
-                                        <p:cTn id="22" dur="500"/>
-                                        <p:tgtEl>
-                                          <p:spTgt spid="17"/>
-                                        </p:tgtEl>
-                                      </p:cBhvr>
-                                    </p:animEffect>
-                                  </p:childTnLst>
-                                </p:cTn>
-                              </p:par>
-                            </p:childTnLst>
-                          </p:cTn>
-                        </p:par>
-                      </p:childTnLst>
-                    </p:cTn>
-                  </p:par>
-                  <p:par>
-                    <p:cTn id="23" fill="hold">
-                      <p:stCondLst>
-                        <p:cond delay="indefinite"/>
-                      </p:stCondLst>
-                      <p:childTnLst>
-                        <p:par>
-                          <p:cTn id="24" fill="hold">
-                            <p:stCondLst>
-                              <p:cond delay="0"/>
-                            </p:stCondLst>
-                            <p:childTnLst>
-                              <p:par>
-                                <p:cTn id="25" presetID="1" presetClass="entr" presetSubtype="0" fill="hold" nodeType="clickEffect">
-                                  <p:stCondLst>
-                                    <p:cond delay="0"/>
-                                  </p:stCondLst>
-                                  <p:childTnLst>
-                                    <p:set>
-                                      <p:cBhvr>
-                                        <p:cTn id="26" dur="1" fill="hold">
-                                          <p:stCondLst>
-                                            <p:cond delay="0"/>
-                                          </p:stCondLst>
-                                        </p:cTn>
-                                        <p:tgtEl>
-                                          <p:spTgt spid="22"/>
-                                        </p:tgtEl>
-                                        <p:attrNameLst>
-                                          <p:attrName>style.visibility</p:attrName>
-                                        </p:attrNameLst>
-                                      </p:cBhvr>
-                                      <p:to>
-                                        <p:strVal val="visible"/>
-                                      </p:to>
-                                    </p:set>
-                                  </p:childTnLst>
-                                </p:cTn>
-                              </p:par>
-                              <p:par>
-                                <p:cTn id="27" presetID="1" presetClass="entr" presetSubtype="0" fill="hold" grpId="0" nodeType="withEffect">
-                                  <p:stCondLst>
-                                    <p:cond delay="0"/>
-                                  </p:stCondLst>
-                                  <p:childTnLst>
-                                    <p:set>
-                                      <p:cBhvr>
-                                        <p:cTn id="28" dur="1" fill="hold">
-                                          <p:stCondLst>
-                                            <p:cond delay="0"/>
-                                          </p:stCondLst>
-                                        </p:cTn>
-                                        <p:tgtEl>
-                                          <p:spTgt spid="21"/>
-                                        </p:tgtEl>
-                                        <p:attrNameLst>
-                                          <p:attrName>style.visibility</p:attrName>
-                                        </p:attrNameLst>
-                                      </p:cBhvr>
-                                      <p:to>
-                                        <p:strVal val="visible"/>
-                                      </p:to>
-                                    </p:set>
-                                  </p:childTnLst>
-                                </p:cTn>
-                              </p:par>
-                            </p:childTnLst>
-                          </p:cTn>
-                        </p:par>
-                      </p:childTnLst>
-                    </p:cTn>
-                  </p:par>
-                </p:childTnLst>
-              </p:cTn>
-              <p:prevCondLst>
-                <p:cond evt="onPrev" delay="0">
-                  <p:tgtEl>
-                    <p:sldTgt/>
-                  </p:tgtEl>
-                </p:cond>
-              </p:prevCondLst>
-              <p:nextCondLst>
-                <p:cond evt="onNext" delay="0">
-                  <p:tgtEl>
-                    <p:sldTgt/>
-                  </p:tgtEl>
-                </p:cond>
-              </p:nextCondLst>
-            </p:seq>
-          </p:childTnLst>
-        </p:cTn>
-      </p:par>
-    </p:tnLst>
-    <p:bldLst>
-      <p:bldP spid="4" grpId="0"/>
-      <p:bldP spid="15" grpId="0"/>
-      <p:bldP spid="17" grpId="0"/>
-      <p:bldP spid="19" grpId="0"/>
-      <p:bldP spid="20" grpId="0"/>
-      <p:bldP spid="21" grpId="0"/>
-      <p:bldP spid="23" grpId="0"/>
-    </p:bldLst>
-  </p:timing>
 </p:sld>
 </file>
 
@@ -13188,19 +12822,8 @@
                   <a:latin typeface="Times New Roman" panose="02020603050405020304" pitchFamily="18" charset="0"/>
                   <a:cs typeface="Times New Roman" panose="02020603050405020304" pitchFamily="18" charset="0"/>
                 </a:rPr>
-                <a:t>Digit </a:t>
+                <a:t>Digit Presentation</a:t>
               </a:r>
-              <a:r>
-                <a:rPr lang="en-US" sz="1600" b="1" dirty="0" err="1">
-                  <a:latin typeface="Times New Roman" panose="02020603050405020304" pitchFamily="18" charset="0"/>
-                  <a:cs typeface="Times New Roman" panose="02020603050405020304" pitchFamily="18" charset="0"/>
-                </a:rPr>
-                <a:t>Presentaion</a:t>
-              </a:r>
-              <a:endParaRPr lang="en-US" sz="1600" b="1" dirty="0">
-                <a:latin typeface="Times New Roman" panose="02020603050405020304" pitchFamily="18" charset="0"/>
-                <a:cs typeface="Times New Roman" panose="02020603050405020304" pitchFamily="18" charset="0"/>
-              </a:endParaRPr>
             </a:p>
             <a:p>
               <a:r>
@@ -13553,6 +13176,1909 @@
           <a:chExt cx="0" cy="0"/>
         </a:xfrm>
       </p:grpSpPr>
+      <p:grpSp>
+        <p:nvGrpSpPr>
+          <p:cNvPr id="31" name="Group 30">
+            <a:extLst>
+              <a:ext uri="{FF2B5EF4-FFF2-40B4-BE49-F238E27FC236}">
+                <a16:creationId xmlns:a16="http://schemas.microsoft.com/office/drawing/2014/main" id="{2CE41262-5AF6-426A-94F8-C21B3CA27BD1}"/>
+              </a:ext>
+            </a:extLst>
+          </p:cNvPr>
+          <p:cNvGrpSpPr/>
+          <p:nvPr/>
+        </p:nvGrpSpPr>
+        <p:grpSpPr>
+          <a:xfrm>
+            <a:off x="6355217" y="3640690"/>
+            <a:ext cx="2422856" cy="1293260"/>
+            <a:chOff x="6355217" y="3640690"/>
+            <a:chExt cx="2422856" cy="1293260"/>
+          </a:xfrm>
+        </p:grpSpPr>
+        <p:sp>
+          <p:nvSpPr>
+            <p:cNvPr id="17" name="Rectangle 16">
+              <a:extLst>
+                <a:ext uri="{FF2B5EF4-FFF2-40B4-BE49-F238E27FC236}">
+                  <a16:creationId xmlns:a16="http://schemas.microsoft.com/office/drawing/2014/main" id="{B3F4EBFC-6E34-41BF-8828-614F4BFCB796}"/>
+                </a:ext>
+              </a:extLst>
+            </p:cNvPr>
+            <p:cNvSpPr/>
+            <p:nvPr/>
+          </p:nvSpPr>
+          <p:spPr>
+            <a:xfrm>
+              <a:off x="6355217" y="3640690"/>
+              <a:ext cx="2422856" cy="1293260"/>
+            </a:xfrm>
+            <a:prstGeom prst="rect">
+              <a:avLst/>
+            </a:prstGeom>
+            <a:solidFill>
+              <a:schemeClr val="tx1"/>
+            </a:solidFill>
+            <a:ln>
+              <a:noFill/>
+            </a:ln>
+          </p:spPr>
+          <p:style>
+            <a:lnRef idx="2">
+              <a:schemeClr val="accent1">
+                <a:shade val="50000"/>
+              </a:schemeClr>
+            </a:lnRef>
+            <a:fillRef idx="1">
+              <a:schemeClr val="accent1"/>
+            </a:fillRef>
+            <a:effectRef idx="0">
+              <a:schemeClr val="accent1"/>
+            </a:effectRef>
+            <a:fontRef idx="minor">
+              <a:schemeClr val="lt1"/>
+            </a:fontRef>
+          </p:style>
+          <p:txBody>
+            <a:bodyPr rtlCol="0" anchor="ctr"/>
+            <a:lstStyle/>
+            <a:p>
+              <a:pPr algn="ctr"/>
+              <a:endParaRPr lang="en-US"/>
+            </a:p>
+          </p:txBody>
+        </p:sp>
+        <p:grpSp>
+          <p:nvGrpSpPr>
+            <p:cNvPr id="28" name="Group 27">
+              <a:extLst>
+                <a:ext uri="{FF2B5EF4-FFF2-40B4-BE49-F238E27FC236}">
+                  <a16:creationId xmlns:a16="http://schemas.microsoft.com/office/drawing/2014/main" id="{D2734976-A333-40D7-9B9B-9F28BCA2E359}"/>
+                </a:ext>
+              </a:extLst>
+            </p:cNvPr>
+            <p:cNvGrpSpPr/>
+            <p:nvPr/>
+          </p:nvGrpSpPr>
+          <p:grpSpPr>
+            <a:xfrm>
+              <a:off x="7415395" y="4156271"/>
+              <a:ext cx="306639" cy="256373"/>
+              <a:chOff x="4338803" y="3980158"/>
+              <a:chExt cx="713150" cy="713150"/>
+            </a:xfrm>
+            <a:solidFill>
+              <a:schemeClr val="bg1"/>
+            </a:solidFill>
+          </p:grpSpPr>
+          <p:sp>
+            <p:nvSpPr>
+              <p:cNvPr id="29" name="Rectangle 28">
+                <a:extLst>
+                  <a:ext uri="{FF2B5EF4-FFF2-40B4-BE49-F238E27FC236}">
+                    <a16:creationId xmlns:a16="http://schemas.microsoft.com/office/drawing/2014/main" id="{BD81E740-DCDE-4800-A146-B6AE45D12780}"/>
+                  </a:ext>
+                </a:extLst>
+              </p:cNvPr>
+              <p:cNvSpPr/>
+              <p:nvPr/>
+            </p:nvSpPr>
+            <p:spPr>
+              <a:xfrm>
+                <a:off x="4662636" y="3980158"/>
+                <a:ext cx="90612" cy="713150"/>
+              </a:xfrm>
+              <a:prstGeom prst="rect">
+                <a:avLst/>
+              </a:prstGeom>
+              <a:grpFill/>
+              <a:ln>
+                <a:noFill/>
+              </a:ln>
+            </p:spPr>
+            <p:style>
+              <a:lnRef idx="2">
+                <a:schemeClr val="accent1">
+                  <a:shade val="50000"/>
+                </a:schemeClr>
+              </a:lnRef>
+              <a:fillRef idx="1">
+                <a:schemeClr val="accent1"/>
+              </a:fillRef>
+              <a:effectRef idx="0">
+                <a:schemeClr val="accent1"/>
+              </a:effectRef>
+              <a:fontRef idx="minor">
+                <a:schemeClr val="lt1"/>
+              </a:fontRef>
+            </p:style>
+            <p:txBody>
+              <a:bodyPr rtlCol="0" anchor="ctr"/>
+              <a:lstStyle/>
+              <a:p>
+                <a:pPr algn="ctr"/>
+                <a:endParaRPr lang="en-US" dirty="0"/>
+              </a:p>
+            </p:txBody>
+          </p:sp>
+          <p:sp>
+            <p:nvSpPr>
+              <p:cNvPr id="30" name="Rectangle 29">
+                <a:extLst>
+                  <a:ext uri="{FF2B5EF4-FFF2-40B4-BE49-F238E27FC236}">
+                    <a16:creationId xmlns:a16="http://schemas.microsoft.com/office/drawing/2014/main" id="{BF716E1F-90D6-4BD9-9F76-037C9DF816F0}"/>
+                  </a:ext>
+                </a:extLst>
+              </p:cNvPr>
+              <p:cNvSpPr/>
+              <p:nvPr/>
+            </p:nvSpPr>
+            <p:spPr>
+              <a:xfrm rot="16200000">
+                <a:off x="4650072" y="3936997"/>
+                <a:ext cx="90611" cy="713150"/>
+              </a:xfrm>
+              <a:prstGeom prst="rect">
+                <a:avLst/>
+              </a:prstGeom>
+              <a:grpFill/>
+              <a:ln>
+                <a:noFill/>
+              </a:ln>
+            </p:spPr>
+            <p:style>
+              <a:lnRef idx="2">
+                <a:schemeClr val="accent1">
+                  <a:shade val="50000"/>
+                </a:schemeClr>
+              </a:lnRef>
+              <a:fillRef idx="1">
+                <a:schemeClr val="accent1"/>
+              </a:fillRef>
+              <a:effectRef idx="0">
+                <a:schemeClr val="accent1"/>
+              </a:effectRef>
+              <a:fontRef idx="minor">
+                <a:schemeClr val="lt1"/>
+              </a:fontRef>
+            </p:style>
+            <p:txBody>
+              <a:bodyPr rtlCol="0" anchor="ctr"/>
+              <a:lstStyle/>
+              <a:p>
+                <a:pPr algn="ctr"/>
+                <a:endParaRPr lang="en-US"/>
+              </a:p>
+            </p:txBody>
+          </p:sp>
+        </p:grpSp>
+      </p:grpSp>
+      <p:sp>
+        <p:nvSpPr>
+          <p:cNvPr id="2" name="Title 1">
+            <a:extLst>
+              <a:ext uri="{FF2B5EF4-FFF2-40B4-BE49-F238E27FC236}">
+                <a16:creationId xmlns:a16="http://schemas.microsoft.com/office/drawing/2014/main" id="{ABBF147C-C304-479A-8FC0-A7A86B28B1E6}"/>
+              </a:ext>
+            </a:extLst>
+          </p:cNvPr>
+          <p:cNvSpPr>
+            <a:spLocks noGrp="1"/>
+          </p:cNvSpPr>
+          <p:nvPr>
+            <p:ph type="title"/>
+          </p:nvPr>
+        </p:nvSpPr>
+        <p:spPr/>
+        <p:txBody>
+          <a:bodyPr/>
+          <a:lstStyle/>
+          <a:p>
+            <a:r>
+              <a:rPr lang="en-US" dirty="0"/>
+              <a:t>Dealing with past problem</a:t>
+            </a:r>
+          </a:p>
+        </p:txBody>
+      </p:sp>
+      <p:sp>
+        <p:nvSpPr>
+          <p:cNvPr id="3" name="Text Placeholder 2">
+            <a:extLst>
+              <a:ext uri="{FF2B5EF4-FFF2-40B4-BE49-F238E27FC236}">
+                <a16:creationId xmlns:a16="http://schemas.microsoft.com/office/drawing/2014/main" id="{C5D24579-9AFD-4CDD-B016-063A6711E327}"/>
+              </a:ext>
+            </a:extLst>
+          </p:cNvPr>
+          <p:cNvSpPr>
+            <a:spLocks noGrp="1"/>
+          </p:cNvSpPr>
+          <p:nvPr>
+            <p:ph type="body" idx="1"/>
+          </p:nvPr>
+        </p:nvSpPr>
+        <p:spPr>
+          <a:xfrm>
+            <a:off x="254903" y="633178"/>
+            <a:ext cx="8991600" cy="3176778"/>
+          </a:xfrm>
+        </p:spPr>
+        <p:txBody>
+          <a:bodyPr/>
+          <a:lstStyle/>
+          <a:p>
+            <a:pPr marL="285750" indent="-285750">
+              <a:lnSpc>
+                <a:spcPct val="150000"/>
+              </a:lnSpc>
+              <a:spcBef>
+                <a:spcPts val="0"/>
+              </a:spcBef>
+              <a:buFont typeface="Courier New" panose="02070309020205020404" pitchFamily="49" charset="0"/>
+              <a:buChar char="o"/>
+            </a:pPr>
+            <a:r>
+              <a:rPr lang="en-GB" dirty="0">
+                <a:effectLst/>
+                <a:latin typeface="Source Sans Pro" panose="020B0503030403020204" pitchFamily="34" charset="0"/>
+                <a:ea typeface="Source Sans Pro" panose="020B0503030403020204" pitchFamily="34" charset="0"/>
+                <a:cs typeface="Arial" panose="020B0604020202020204" pitchFamily="34" charset="0"/>
+              </a:rPr>
+              <a:t>In the latest training-control experiment we observed a sort of celling effect in improvement</a:t>
+            </a:r>
+          </a:p>
+          <a:p>
+            <a:pPr marL="285750" indent="-285750">
+              <a:lnSpc>
+                <a:spcPct val="150000"/>
+              </a:lnSpc>
+              <a:spcBef>
+                <a:spcPts val="0"/>
+              </a:spcBef>
+              <a:buFont typeface="Courier New" panose="02070309020205020404" pitchFamily="49" charset="0"/>
+              <a:buChar char="o"/>
+            </a:pPr>
+            <a:r>
+              <a:rPr lang="en-GB" dirty="0">
+                <a:latin typeface="Source Sans Pro" panose="020B0503030403020204" pitchFamily="34" charset="0"/>
+                <a:ea typeface="Source Sans Pro" panose="020B0503030403020204" pitchFamily="34" charset="0"/>
+                <a:cs typeface="Arial" panose="020B0604020202020204" pitchFamily="34" charset="0"/>
+              </a:rPr>
+              <a:t>The current study took the following measures</a:t>
+            </a:r>
+          </a:p>
+          <a:p>
+            <a:pPr marL="742950" lvl="1" indent="-285750">
+              <a:lnSpc>
+                <a:spcPct val="150000"/>
+              </a:lnSpc>
+              <a:buFont typeface="Courier New" panose="02070309020205020404" pitchFamily="49" charset="0"/>
+              <a:buChar char="o"/>
+            </a:pPr>
+            <a:r>
+              <a:rPr lang="en-GB" dirty="0">
+                <a:effectLst/>
+                <a:latin typeface="Source Sans Pro" panose="020B0503030403020204" pitchFamily="34" charset="0"/>
+                <a:ea typeface="Source Sans Pro" panose="020B0503030403020204" pitchFamily="34" charset="0"/>
+                <a:cs typeface="Arial" panose="020B0604020202020204" pitchFamily="34" charset="0"/>
+              </a:rPr>
+              <a:t>Reducing number of trials in all tasks</a:t>
+            </a:r>
+          </a:p>
+          <a:p>
+            <a:pPr marL="742950" lvl="1" indent="-285750">
+              <a:lnSpc>
+                <a:spcPct val="150000"/>
+              </a:lnSpc>
+              <a:buFont typeface="Courier New" panose="02070309020205020404" pitchFamily="49" charset="0"/>
+              <a:buChar char="o"/>
+            </a:pPr>
+            <a:r>
+              <a:rPr lang="en-GB" dirty="0">
+                <a:latin typeface="Source Sans Pro" panose="020B0503030403020204" pitchFamily="34" charset="0"/>
+                <a:ea typeface="Source Sans Pro" panose="020B0503030403020204" pitchFamily="34" charset="0"/>
+                <a:cs typeface="Arial" panose="020B0604020202020204" pitchFamily="34" charset="0"/>
+              </a:rPr>
+              <a:t>Allocating STP stimuli such that each task has its share of unique (first heard sentences</a:t>
+            </a:r>
+            <a:r>
+              <a:rPr lang="en-GB" dirty="0">
+                <a:effectLst/>
+                <a:latin typeface="Source Sans Pro" panose="020B0503030403020204" pitchFamily="34" charset="0"/>
+                <a:ea typeface="Source Sans Pro" panose="020B0503030403020204" pitchFamily="34" charset="0"/>
+                <a:cs typeface="Arial" panose="020B0604020202020204" pitchFamily="34" charset="0"/>
+              </a:rPr>
+              <a:t>)</a:t>
+            </a:r>
+          </a:p>
+          <a:p>
+            <a:pPr marL="742950" lvl="1" indent="-285750">
+              <a:lnSpc>
+                <a:spcPct val="150000"/>
+              </a:lnSpc>
+              <a:buFont typeface="Courier New" panose="02070309020205020404" pitchFamily="49" charset="0"/>
+              <a:buChar char="o"/>
+            </a:pPr>
+            <a:r>
+              <a:rPr lang="en-GB" dirty="0">
+                <a:effectLst/>
+                <a:latin typeface="Source Sans Pro" panose="020B0503030403020204" pitchFamily="34" charset="0"/>
+                <a:ea typeface="Source Sans Pro" panose="020B0503030403020204" pitchFamily="34" charset="0"/>
+                <a:cs typeface="Arial" panose="020B0604020202020204" pitchFamily="34" charset="0"/>
+              </a:rPr>
+              <a:t>Changing the Digit-Categorization task during A-FACT to Quantity-Categorization</a:t>
+            </a:r>
+          </a:p>
+          <a:p>
+            <a:pPr marL="742950" lvl="1" indent="-285750">
+              <a:lnSpc>
+                <a:spcPct val="150000"/>
+              </a:lnSpc>
+              <a:buFont typeface="Courier New" panose="02070309020205020404" pitchFamily="49" charset="0"/>
+              <a:buChar char="o"/>
+            </a:pPr>
+            <a:endParaRPr lang="en-GB" dirty="0">
+              <a:effectLst/>
+              <a:latin typeface="Source Sans Pro" panose="020B0503030403020204" pitchFamily="34" charset="0"/>
+              <a:ea typeface="Source Sans Pro" panose="020B0503030403020204" pitchFamily="34" charset="0"/>
+              <a:cs typeface="Arial" panose="020B0604020202020204" pitchFamily="34" charset="0"/>
+            </a:endParaRPr>
+          </a:p>
+        </p:txBody>
+      </p:sp>
+      <p:grpSp>
+        <p:nvGrpSpPr>
+          <p:cNvPr id="32" name="Group 31">
+            <a:extLst>
+              <a:ext uri="{FF2B5EF4-FFF2-40B4-BE49-F238E27FC236}">
+                <a16:creationId xmlns:a16="http://schemas.microsoft.com/office/drawing/2014/main" id="{6F28780E-4886-468A-AF8C-24357CE30C81}"/>
+              </a:ext>
+            </a:extLst>
+          </p:cNvPr>
+          <p:cNvGrpSpPr/>
+          <p:nvPr/>
+        </p:nvGrpSpPr>
+        <p:grpSpPr>
+          <a:xfrm>
+            <a:off x="3514394" y="3640690"/>
+            <a:ext cx="2422856" cy="1293260"/>
+            <a:chOff x="3514394" y="3640690"/>
+            <a:chExt cx="2422856" cy="1293260"/>
+          </a:xfrm>
+        </p:grpSpPr>
+        <p:sp>
+          <p:nvSpPr>
+            <p:cNvPr id="16" name="Rectangle 15">
+              <a:extLst>
+                <a:ext uri="{FF2B5EF4-FFF2-40B4-BE49-F238E27FC236}">
+                  <a16:creationId xmlns:a16="http://schemas.microsoft.com/office/drawing/2014/main" id="{A97B5925-BF0A-4C65-8B33-46086E1FF373}"/>
+                </a:ext>
+              </a:extLst>
+            </p:cNvPr>
+            <p:cNvSpPr/>
+            <p:nvPr/>
+          </p:nvSpPr>
+          <p:spPr>
+            <a:xfrm>
+              <a:off x="3514394" y="3640690"/>
+              <a:ext cx="2422856" cy="1293260"/>
+            </a:xfrm>
+            <a:prstGeom prst="rect">
+              <a:avLst/>
+            </a:prstGeom>
+            <a:solidFill>
+              <a:schemeClr val="tx1"/>
+            </a:solidFill>
+            <a:ln>
+              <a:noFill/>
+            </a:ln>
+          </p:spPr>
+          <p:style>
+            <a:lnRef idx="2">
+              <a:schemeClr val="accent1">
+                <a:shade val="50000"/>
+              </a:schemeClr>
+            </a:lnRef>
+            <a:fillRef idx="1">
+              <a:schemeClr val="accent1"/>
+            </a:fillRef>
+            <a:effectRef idx="0">
+              <a:schemeClr val="accent1"/>
+            </a:effectRef>
+            <a:fontRef idx="minor">
+              <a:schemeClr val="lt1"/>
+            </a:fontRef>
+          </p:style>
+          <p:txBody>
+            <a:bodyPr rtlCol="0" anchor="ctr"/>
+            <a:lstStyle/>
+            <a:p>
+              <a:pPr algn="ctr"/>
+              <a:endParaRPr lang="en-US"/>
+            </a:p>
+          </p:txBody>
+        </p:sp>
+        <p:grpSp>
+          <p:nvGrpSpPr>
+            <p:cNvPr id="27" name="Group 26">
+              <a:extLst>
+                <a:ext uri="{FF2B5EF4-FFF2-40B4-BE49-F238E27FC236}">
+                  <a16:creationId xmlns:a16="http://schemas.microsoft.com/office/drawing/2014/main" id="{3562385C-E51E-4D06-A004-BD874F09E83F}"/>
+                </a:ext>
+              </a:extLst>
+            </p:cNvPr>
+            <p:cNvGrpSpPr/>
+            <p:nvPr/>
+          </p:nvGrpSpPr>
+          <p:grpSpPr>
+            <a:xfrm>
+              <a:off x="4572501" y="4156271"/>
+              <a:ext cx="306639" cy="256373"/>
+              <a:chOff x="4338803" y="3980158"/>
+              <a:chExt cx="713150" cy="713150"/>
+            </a:xfrm>
+            <a:solidFill>
+              <a:schemeClr val="bg1"/>
+            </a:solidFill>
+          </p:grpSpPr>
+          <p:sp>
+            <p:nvSpPr>
+              <p:cNvPr id="25" name="Rectangle 24">
+                <a:extLst>
+                  <a:ext uri="{FF2B5EF4-FFF2-40B4-BE49-F238E27FC236}">
+                    <a16:creationId xmlns:a16="http://schemas.microsoft.com/office/drawing/2014/main" id="{0DEAADE2-168B-41A9-9441-2321D76C5769}"/>
+                  </a:ext>
+                </a:extLst>
+              </p:cNvPr>
+              <p:cNvSpPr/>
+              <p:nvPr/>
+            </p:nvSpPr>
+            <p:spPr>
+              <a:xfrm>
+                <a:off x="4662636" y="3980158"/>
+                <a:ext cx="90612" cy="713150"/>
+              </a:xfrm>
+              <a:prstGeom prst="rect">
+                <a:avLst/>
+              </a:prstGeom>
+              <a:grpFill/>
+              <a:ln>
+                <a:noFill/>
+              </a:ln>
+            </p:spPr>
+            <p:style>
+              <a:lnRef idx="2">
+                <a:schemeClr val="accent1">
+                  <a:shade val="50000"/>
+                </a:schemeClr>
+              </a:lnRef>
+              <a:fillRef idx="1">
+                <a:schemeClr val="accent1"/>
+              </a:fillRef>
+              <a:effectRef idx="0">
+                <a:schemeClr val="accent1"/>
+              </a:effectRef>
+              <a:fontRef idx="minor">
+                <a:schemeClr val="lt1"/>
+              </a:fontRef>
+            </p:style>
+            <p:txBody>
+              <a:bodyPr rtlCol="0" anchor="ctr"/>
+              <a:lstStyle/>
+              <a:p>
+                <a:pPr algn="ctr"/>
+                <a:endParaRPr lang="en-US" dirty="0"/>
+              </a:p>
+            </p:txBody>
+          </p:sp>
+          <p:sp>
+            <p:nvSpPr>
+              <p:cNvPr id="26" name="Rectangle 25">
+                <a:extLst>
+                  <a:ext uri="{FF2B5EF4-FFF2-40B4-BE49-F238E27FC236}">
+                    <a16:creationId xmlns:a16="http://schemas.microsoft.com/office/drawing/2014/main" id="{BC6D4493-C178-48F8-BFC2-968A14C77B8D}"/>
+                  </a:ext>
+                </a:extLst>
+              </p:cNvPr>
+              <p:cNvSpPr/>
+              <p:nvPr/>
+            </p:nvSpPr>
+            <p:spPr>
+              <a:xfrm rot="16200000">
+                <a:off x="4650072" y="3936997"/>
+                <a:ext cx="90611" cy="713150"/>
+              </a:xfrm>
+              <a:prstGeom prst="rect">
+                <a:avLst/>
+              </a:prstGeom>
+              <a:grpFill/>
+              <a:ln>
+                <a:noFill/>
+              </a:ln>
+            </p:spPr>
+            <p:style>
+              <a:lnRef idx="2">
+                <a:schemeClr val="accent1">
+                  <a:shade val="50000"/>
+                </a:schemeClr>
+              </a:lnRef>
+              <a:fillRef idx="1">
+                <a:schemeClr val="accent1"/>
+              </a:fillRef>
+              <a:effectRef idx="0">
+                <a:schemeClr val="accent1"/>
+              </a:effectRef>
+              <a:fontRef idx="minor">
+                <a:schemeClr val="lt1"/>
+              </a:fontRef>
+            </p:style>
+            <p:txBody>
+              <a:bodyPr rtlCol="0" anchor="ctr"/>
+              <a:lstStyle/>
+              <a:p>
+                <a:pPr algn="ctr"/>
+                <a:endParaRPr lang="en-US"/>
+              </a:p>
+            </p:txBody>
+          </p:sp>
+        </p:grpSp>
+      </p:grpSp>
+      <p:sp>
+        <p:nvSpPr>
+          <p:cNvPr id="6" name="Slide Number Placeholder 5">
+            <a:extLst>
+              <a:ext uri="{FF2B5EF4-FFF2-40B4-BE49-F238E27FC236}">
+                <a16:creationId xmlns:a16="http://schemas.microsoft.com/office/drawing/2014/main" id="{B5B1ECC7-77A5-44FE-AA78-2FCB03B72F1A}"/>
+              </a:ext>
+            </a:extLst>
+          </p:cNvPr>
+          <p:cNvSpPr>
+            <a:spLocks noGrp="1"/>
+          </p:cNvSpPr>
+          <p:nvPr>
+            <p:ph type="sldNum" idx="12"/>
+          </p:nvPr>
+        </p:nvSpPr>
+        <p:spPr/>
+        <p:txBody>
+          <a:bodyPr/>
+          <a:lstStyle/>
+          <a:p>
+            <a:pPr marL="0" lvl="0" indent="0" algn="ctr" rtl="0">
+              <a:spcBef>
+                <a:spcPts val="0"/>
+              </a:spcBef>
+              <a:spcAft>
+                <a:spcPts val="0"/>
+              </a:spcAft>
+              <a:buNone/>
+            </a:pPr>
+            <a:fld id="{00000000-1234-1234-1234-123412341234}" type="slidenum">
+              <a:rPr lang="en" smtClean="0"/>
+              <a:t>19</a:t>
+            </a:fld>
+            <a:endParaRPr lang="en"/>
+          </a:p>
+        </p:txBody>
+      </p:sp>
+      <p:grpSp>
+        <p:nvGrpSpPr>
+          <p:cNvPr id="33" name="Group 32">
+            <a:extLst>
+              <a:ext uri="{FF2B5EF4-FFF2-40B4-BE49-F238E27FC236}">
+                <a16:creationId xmlns:a16="http://schemas.microsoft.com/office/drawing/2014/main" id="{E9FBBBF0-2DE7-4E91-ACD4-27E6B644F2CD}"/>
+              </a:ext>
+            </a:extLst>
+          </p:cNvPr>
+          <p:cNvGrpSpPr/>
+          <p:nvPr/>
+        </p:nvGrpSpPr>
+        <p:grpSpPr>
+          <a:xfrm>
+            <a:off x="3629113" y="4156272"/>
+            <a:ext cx="2196267" cy="259234"/>
+            <a:chOff x="3629113" y="4156272"/>
+            <a:chExt cx="2196267" cy="259234"/>
+          </a:xfrm>
+        </p:grpSpPr>
+        <p:sp>
+          <p:nvSpPr>
+            <p:cNvPr id="4" name="Rectangle 3">
+              <a:extLst>
+                <a:ext uri="{FF2B5EF4-FFF2-40B4-BE49-F238E27FC236}">
+                  <a16:creationId xmlns:a16="http://schemas.microsoft.com/office/drawing/2014/main" id="{24D544FE-89DD-44B4-94DF-FBCA20F5DC08}"/>
+                </a:ext>
+              </a:extLst>
+            </p:cNvPr>
+            <p:cNvSpPr/>
+            <p:nvPr/>
+          </p:nvSpPr>
+          <p:spPr>
+            <a:xfrm>
+              <a:off x="3629113" y="4159133"/>
+              <a:ext cx="376015" cy="256373"/>
+            </a:xfrm>
+            <a:prstGeom prst="rect">
+              <a:avLst/>
+            </a:prstGeom>
+            <a:solidFill>
+              <a:schemeClr val="bg1">
+                <a:lumMod val="65000"/>
+              </a:schemeClr>
+            </a:solidFill>
+            <a:ln>
+              <a:noFill/>
+            </a:ln>
+          </p:spPr>
+          <p:style>
+            <a:lnRef idx="2">
+              <a:schemeClr val="accent1">
+                <a:shade val="50000"/>
+              </a:schemeClr>
+            </a:lnRef>
+            <a:fillRef idx="1">
+              <a:schemeClr val="accent1"/>
+            </a:fillRef>
+            <a:effectRef idx="0">
+              <a:schemeClr val="accent1"/>
+            </a:effectRef>
+            <a:fontRef idx="minor">
+              <a:schemeClr val="lt1"/>
+            </a:fontRef>
+          </p:style>
+          <p:txBody>
+            <a:bodyPr rtlCol="0" anchor="ctr"/>
+            <a:lstStyle/>
+            <a:p>
+              <a:pPr algn="ctr"/>
+              <a:endParaRPr lang="en-US"/>
+            </a:p>
+          </p:txBody>
+        </p:sp>
+        <p:sp>
+          <p:nvSpPr>
+            <p:cNvPr id="7" name="Rectangle 6">
+              <a:extLst>
+                <a:ext uri="{FF2B5EF4-FFF2-40B4-BE49-F238E27FC236}">
+                  <a16:creationId xmlns:a16="http://schemas.microsoft.com/office/drawing/2014/main" id="{B8991F51-5611-4157-B2C6-6938D369F813}"/>
+                </a:ext>
+              </a:extLst>
+            </p:cNvPr>
+            <p:cNvSpPr/>
+            <p:nvPr/>
+          </p:nvSpPr>
+          <p:spPr>
+            <a:xfrm>
+              <a:off x="4084888" y="4158547"/>
+              <a:ext cx="376015" cy="256373"/>
+            </a:xfrm>
+            <a:prstGeom prst="rect">
+              <a:avLst/>
+            </a:prstGeom>
+            <a:solidFill>
+              <a:schemeClr val="bg1">
+                <a:lumMod val="65000"/>
+              </a:schemeClr>
+            </a:solidFill>
+            <a:ln>
+              <a:noFill/>
+            </a:ln>
+          </p:spPr>
+          <p:style>
+            <a:lnRef idx="2">
+              <a:schemeClr val="accent1">
+                <a:shade val="50000"/>
+              </a:schemeClr>
+            </a:lnRef>
+            <a:fillRef idx="1">
+              <a:schemeClr val="accent1"/>
+            </a:fillRef>
+            <a:effectRef idx="0">
+              <a:schemeClr val="accent1"/>
+            </a:effectRef>
+            <a:fontRef idx="minor">
+              <a:schemeClr val="lt1"/>
+            </a:fontRef>
+          </p:style>
+          <p:txBody>
+            <a:bodyPr rtlCol="0" anchor="ctr"/>
+            <a:lstStyle/>
+            <a:p>
+              <a:pPr algn="ctr"/>
+              <a:endParaRPr lang="en-US"/>
+            </a:p>
+          </p:txBody>
+        </p:sp>
+        <p:sp>
+          <p:nvSpPr>
+            <p:cNvPr id="8" name="Rectangle 7">
+              <a:extLst>
+                <a:ext uri="{FF2B5EF4-FFF2-40B4-BE49-F238E27FC236}">
+                  <a16:creationId xmlns:a16="http://schemas.microsoft.com/office/drawing/2014/main" id="{C92DDBFC-50F4-4A3B-B94D-75F370D09F4F}"/>
+                </a:ext>
+              </a:extLst>
+            </p:cNvPr>
+            <p:cNvSpPr/>
+            <p:nvPr/>
+          </p:nvSpPr>
+          <p:spPr>
+            <a:xfrm>
+              <a:off x="4537814" y="4156272"/>
+              <a:ext cx="376015" cy="256373"/>
+            </a:xfrm>
+            <a:prstGeom prst="rect">
+              <a:avLst/>
+            </a:prstGeom>
+            <a:solidFill>
+              <a:schemeClr val="bg1">
+                <a:lumMod val="65000"/>
+              </a:schemeClr>
+            </a:solidFill>
+            <a:ln>
+              <a:noFill/>
+            </a:ln>
+          </p:spPr>
+          <p:style>
+            <a:lnRef idx="2">
+              <a:schemeClr val="accent1">
+                <a:shade val="50000"/>
+              </a:schemeClr>
+            </a:lnRef>
+            <a:fillRef idx="1">
+              <a:schemeClr val="accent1"/>
+            </a:fillRef>
+            <a:effectRef idx="0">
+              <a:schemeClr val="accent1"/>
+            </a:effectRef>
+            <a:fontRef idx="minor">
+              <a:schemeClr val="lt1"/>
+            </a:fontRef>
+          </p:style>
+          <p:txBody>
+            <a:bodyPr rtlCol="0" anchor="ctr"/>
+            <a:lstStyle/>
+            <a:p>
+              <a:pPr algn="ctr"/>
+              <a:endParaRPr lang="en-US"/>
+            </a:p>
+          </p:txBody>
+        </p:sp>
+        <p:sp>
+          <p:nvSpPr>
+            <p:cNvPr id="9" name="Rectangle 8">
+              <a:extLst>
+                <a:ext uri="{FF2B5EF4-FFF2-40B4-BE49-F238E27FC236}">
+                  <a16:creationId xmlns:a16="http://schemas.microsoft.com/office/drawing/2014/main" id="{03B85CDE-1327-43E9-921C-0722AC1276B8}"/>
+                </a:ext>
+              </a:extLst>
+            </p:cNvPr>
+            <p:cNvSpPr/>
+            <p:nvPr/>
+          </p:nvSpPr>
+          <p:spPr>
+            <a:xfrm>
+              <a:off x="4990740" y="4156379"/>
+              <a:ext cx="376015" cy="256373"/>
+            </a:xfrm>
+            <a:prstGeom prst="rect">
+              <a:avLst/>
+            </a:prstGeom>
+            <a:solidFill>
+              <a:schemeClr val="bg1">
+                <a:lumMod val="65000"/>
+              </a:schemeClr>
+            </a:solidFill>
+            <a:ln>
+              <a:noFill/>
+            </a:ln>
+          </p:spPr>
+          <p:style>
+            <a:lnRef idx="2">
+              <a:schemeClr val="accent1">
+                <a:shade val="50000"/>
+              </a:schemeClr>
+            </a:lnRef>
+            <a:fillRef idx="1">
+              <a:schemeClr val="accent1"/>
+            </a:fillRef>
+            <a:effectRef idx="0">
+              <a:schemeClr val="accent1"/>
+            </a:effectRef>
+            <a:fontRef idx="minor">
+              <a:schemeClr val="lt1"/>
+            </a:fontRef>
+          </p:style>
+          <p:txBody>
+            <a:bodyPr rtlCol="0" anchor="ctr"/>
+            <a:lstStyle/>
+            <a:p>
+              <a:pPr algn="ctr"/>
+              <a:endParaRPr lang="en-US"/>
+            </a:p>
+          </p:txBody>
+        </p:sp>
+        <p:sp>
+          <p:nvSpPr>
+            <p:cNvPr id="10" name="Rectangle 9">
+              <a:extLst>
+                <a:ext uri="{FF2B5EF4-FFF2-40B4-BE49-F238E27FC236}">
+                  <a16:creationId xmlns:a16="http://schemas.microsoft.com/office/drawing/2014/main" id="{7EC02C2C-8FE2-402C-BCAC-4977E0116ED6}"/>
+                </a:ext>
+              </a:extLst>
+            </p:cNvPr>
+            <p:cNvSpPr/>
+            <p:nvPr/>
+          </p:nvSpPr>
+          <p:spPr>
+            <a:xfrm>
+              <a:off x="5449365" y="4159132"/>
+              <a:ext cx="376015" cy="256373"/>
+            </a:xfrm>
+            <a:prstGeom prst="rect">
+              <a:avLst/>
+            </a:prstGeom>
+            <a:solidFill>
+              <a:schemeClr val="bg1">
+                <a:lumMod val="65000"/>
+              </a:schemeClr>
+            </a:solidFill>
+            <a:ln>
+              <a:noFill/>
+            </a:ln>
+          </p:spPr>
+          <p:style>
+            <a:lnRef idx="2">
+              <a:schemeClr val="accent1">
+                <a:shade val="50000"/>
+              </a:schemeClr>
+            </a:lnRef>
+            <a:fillRef idx="1">
+              <a:schemeClr val="accent1"/>
+            </a:fillRef>
+            <a:effectRef idx="0">
+              <a:schemeClr val="accent1"/>
+            </a:effectRef>
+            <a:fontRef idx="minor">
+              <a:schemeClr val="lt1"/>
+            </a:fontRef>
+          </p:style>
+          <p:txBody>
+            <a:bodyPr rtlCol="0" anchor="ctr"/>
+            <a:lstStyle/>
+            <a:p>
+              <a:pPr algn="ctr"/>
+              <a:endParaRPr lang="en-US"/>
+            </a:p>
+          </p:txBody>
+        </p:sp>
+      </p:grpSp>
+      <p:grpSp>
+        <p:nvGrpSpPr>
+          <p:cNvPr id="34" name="Group 33">
+            <a:extLst>
+              <a:ext uri="{FF2B5EF4-FFF2-40B4-BE49-F238E27FC236}">
+                <a16:creationId xmlns:a16="http://schemas.microsoft.com/office/drawing/2014/main" id="{69040233-6545-4096-AAFA-295D361C8968}"/>
+              </a:ext>
+            </a:extLst>
+          </p:cNvPr>
+          <p:cNvGrpSpPr/>
+          <p:nvPr/>
+        </p:nvGrpSpPr>
+        <p:grpSpPr>
+          <a:xfrm>
+            <a:off x="6925711" y="4156272"/>
+            <a:ext cx="1281867" cy="258648"/>
+            <a:chOff x="6925711" y="4156272"/>
+            <a:chExt cx="1281867" cy="258648"/>
+          </a:xfrm>
+        </p:grpSpPr>
+        <p:sp>
+          <p:nvSpPr>
+            <p:cNvPr id="19" name="Rectangle 18">
+              <a:extLst>
+                <a:ext uri="{FF2B5EF4-FFF2-40B4-BE49-F238E27FC236}">
+                  <a16:creationId xmlns:a16="http://schemas.microsoft.com/office/drawing/2014/main" id="{43CC229D-1F5B-4125-888A-EEEA0259C6B4}"/>
+                </a:ext>
+              </a:extLst>
+            </p:cNvPr>
+            <p:cNvSpPr/>
+            <p:nvPr/>
+          </p:nvSpPr>
+          <p:spPr>
+            <a:xfrm>
+              <a:off x="6925711" y="4158547"/>
+              <a:ext cx="376015" cy="256373"/>
+            </a:xfrm>
+            <a:prstGeom prst="rect">
+              <a:avLst/>
+            </a:prstGeom>
+            <a:solidFill>
+              <a:schemeClr val="bg1">
+                <a:lumMod val="65000"/>
+              </a:schemeClr>
+            </a:solidFill>
+            <a:ln>
+              <a:noFill/>
+            </a:ln>
+          </p:spPr>
+          <p:style>
+            <a:lnRef idx="2">
+              <a:schemeClr val="accent1">
+                <a:shade val="50000"/>
+              </a:schemeClr>
+            </a:lnRef>
+            <a:fillRef idx="1">
+              <a:schemeClr val="accent1"/>
+            </a:fillRef>
+            <a:effectRef idx="0">
+              <a:schemeClr val="accent1"/>
+            </a:effectRef>
+            <a:fontRef idx="minor">
+              <a:schemeClr val="lt1"/>
+            </a:fontRef>
+          </p:style>
+          <p:txBody>
+            <a:bodyPr rtlCol="0" anchor="ctr"/>
+            <a:lstStyle/>
+            <a:p>
+              <a:pPr algn="ctr"/>
+              <a:endParaRPr lang="en-US"/>
+            </a:p>
+          </p:txBody>
+        </p:sp>
+        <p:sp>
+          <p:nvSpPr>
+            <p:cNvPr id="20" name="Rectangle 19">
+              <a:extLst>
+                <a:ext uri="{FF2B5EF4-FFF2-40B4-BE49-F238E27FC236}">
+                  <a16:creationId xmlns:a16="http://schemas.microsoft.com/office/drawing/2014/main" id="{AA5C9637-9909-4F23-BE4F-CAAA7C6D2A58}"/>
+                </a:ext>
+              </a:extLst>
+            </p:cNvPr>
+            <p:cNvSpPr/>
+            <p:nvPr/>
+          </p:nvSpPr>
+          <p:spPr>
+            <a:xfrm>
+              <a:off x="7378637" y="4156272"/>
+              <a:ext cx="376015" cy="256373"/>
+            </a:xfrm>
+            <a:prstGeom prst="rect">
+              <a:avLst/>
+            </a:prstGeom>
+            <a:solidFill>
+              <a:schemeClr val="bg1">
+                <a:lumMod val="65000"/>
+              </a:schemeClr>
+            </a:solidFill>
+            <a:ln>
+              <a:noFill/>
+            </a:ln>
+          </p:spPr>
+          <p:style>
+            <a:lnRef idx="2">
+              <a:schemeClr val="accent1">
+                <a:shade val="50000"/>
+              </a:schemeClr>
+            </a:lnRef>
+            <a:fillRef idx="1">
+              <a:schemeClr val="accent1"/>
+            </a:fillRef>
+            <a:effectRef idx="0">
+              <a:schemeClr val="accent1"/>
+            </a:effectRef>
+            <a:fontRef idx="minor">
+              <a:schemeClr val="lt1"/>
+            </a:fontRef>
+          </p:style>
+          <p:txBody>
+            <a:bodyPr rtlCol="0" anchor="ctr"/>
+            <a:lstStyle/>
+            <a:p>
+              <a:pPr algn="ctr"/>
+              <a:endParaRPr lang="en-US"/>
+            </a:p>
+          </p:txBody>
+        </p:sp>
+        <p:sp>
+          <p:nvSpPr>
+            <p:cNvPr id="21" name="Rectangle 20">
+              <a:extLst>
+                <a:ext uri="{FF2B5EF4-FFF2-40B4-BE49-F238E27FC236}">
+                  <a16:creationId xmlns:a16="http://schemas.microsoft.com/office/drawing/2014/main" id="{3FD5453E-00D5-4E11-B2C7-705A15519B8F}"/>
+                </a:ext>
+              </a:extLst>
+            </p:cNvPr>
+            <p:cNvSpPr/>
+            <p:nvPr/>
+          </p:nvSpPr>
+          <p:spPr>
+            <a:xfrm>
+              <a:off x="7831563" y="4156379"/>
+              <a:ext cx="376015" cy="256373"/>
+            </a:xfrm>
+            <a:prstGeom prst="rect">
+              <a:avLst/>
+            </a:prstGeom>
+            <a:solidFill>
+              <a:schemeClr val="bg1">
+                <a:lumMod val="65000"/>
+              </a:schemeClr>
+            </a:solidFill>
+            <a:ln>
+              <a:noFill/>
+            </a:ln>
+          </p:spPr>
+          <p:style>
+            <a:lnRef idx="2">
+              <a:schemeClr val="accent1">
+                <a:shade val="50000"/>
+              </a:schemeClr>
+            </a:lnRef>
+            <a:fillRef idx="1">
+              <a:schemeClr val="accent1"/>
+            </a:fillRef>
+            <a:effectRef idx="0">
+              <a:schemeClr val="accent1"/>
+            </a:effectRef>
+            <a:fontRef idx="minor">
+              <a:schemeClr val="lt1"/>
+            </a:fontRef>
+          </p:style>
+          <p:txBody>
+            <a:bodyPr rtlCol="0" anchor="ctr"/>
+            <a:lstStyle/>
+            <a:p>
+              <a:pPr algn="ctr"/>
+              <a:endParaRPr lang="en-US"/>
+            </a:p>
+          </p:txBody>
+        </p:sp>
+      </p:grpSp>
+      <p:cxnSp>
+        <p:nvCxnSpPr>
+          <p:cNvPr id="23" name="Straight Connector 22">
+            <a:extLst>
+              <a:ext uri="{FF2B5EF4-FFF2-40B4-BE49-F238E27FC236}">
+                <a16:creationId xmlns:a16="http://schemas.microsoft.com/office/drawing/2014/main" id="{47702208-9317-4C90-A3AA-F127AD3755C9}"/>
+              </a:ext>
+            </a:extLst>
+          </p:cNvPr>
+          <p:cNvCxnSpPr>
+            <a:cxnSpLocks/>
+          </p:cNvCxnSpPr>
+          <p:nvPr/>
+        </p:nvCxnSpPr>
+        <p:spPr>
+          <a:xfrm>
+            <a:off x="5797130" y="3640690"/>
+            <a:ext cx="837448" cy="1293260"/>
+          </a:xfrm>
+          <a:prstGeom prst="line">
+            <a:avLst/>
+          </a:prstGeom>
+          <a:ln w="28575"/>
+        </p:spPr>
+        <p:style>
+          <a:lnRef idx="1">
+            <a:schemeClr val="accent5"/>
+          </a:lnRef>
+          <a:fillRef idx="0">
+            <a:schemeClr val="accent5"/>
+          </a:fillRef>
+          <a:effectRef idx="0">
+            <a:schemeClr val="accent5"/>
+          </a:effectRef>
+          <a:fontRef idx="minor">
+            <a:schemeClr val="tx1"/>
+          </a:fontRef>
+        </p:style>
+      </p:cxnSp>
+      <p:grpSp>
+        <p:nvGrpSpPr>
+          <p:cNvPr id="35" name="Group 34">
+            <a:extLst>
+              <a:ext uri="{FF2B5EF4-FFF2-40B4-BE49-F238E27FC236}">
+                <a16:creationId xmlns:a16="http://schemas.microsoft.com/office/drawing/2014/main" id="{BFC626E6-96C7-4A11-8CE7-9AEE4FE718F2}"/>
+              </a:ext>
+            </a:extLst>
+          </p:cNvPr>
+          <p:cNvGrpSpPr/>
+          <p:nvPr/>
+        </p:nvGrpSpPr>
+        <p:grpSpPr>
+          <a:xfrm>
+            <a:off x="347479" y="3640690"/>
+            <a:ext cx="2422856" cy="1293260"/>
+            <a:chOff x="3514394" y="3640690"/>
+            <a:chExt cx="2422856" cy="1293260"/>
+          </a:xfrm>
+        </p:grpSpPr>
+        <p:sp>
+          <p:nvSpPr>
+            <p:cNvPr id="36" name="Rectangle 35">
+              <a:extLst>
+                <a:ext uri="{FF2B5EF4-FFF2-40B4-BE49-F238E27FC236}">
+                  <a16:creationId xmlns:a16="http://schemas.microsoft.com/office/drawing/2014/main" id="{C447A3D6-4E24-41C2-8B5A-618E2F0A51B7}"/>
+                </a:ext>
+              </a:extLst>
+            </p:cNvPr>
+            <p:cNvSpPr/>
+            <p:nvPr/>
+          </p:nvSpPr>
+          <p:spPr>
+            <a:xfrm>
+              <a:off x="3514394" y="3640690"/>
+              <a:ext cx="2422856" cy="1293260"/>
+            </a:xfrm>
+            <a:prstGeom prst="rect">
+              <a:avLst/>
+            </a:prstGeom>
+            <a:solidFill>
+              <a:schemeClr val="tx1"/>
+            </a:solidFill>
+            <a:ln>
+              <a:noFill/>
+            </a:ln>
+          </p:spPr>
+          <p:style>
+            <a:lnRef idx="2">
+              <a:schemeClr val="accent1">
+                <a:shade val="50000"/>
+              </a:schemeClr>
+            </a:lnRef>
+            <a:fillRef idx="1">
+              <a:schemeClr val="accent1"/>
+            </a:fillRef>
+            <a:effectRef idx="0">
+              <a:schemeClr val="accent1"/>
+            </a:effectRef>
+            <a:fontRef idx="minor">
+              <a:schemeClr val="lt1"/>
+            </a:fontRef>
+          </p:style>
+          <p:txBody>
+            <a:bodyPr rtlCol="0" anchor="ctr"/>
+            <a:lstStyle/>
+            <a:p>
+              <a:pPr algn="ctr"/>
+              <a:endParaRPr lang="en-US"/>
+            </a:p>
+          </p:txBody>
+        </p:sp>
+        <p:grpSp>
+          <p:nvGrpSpPr>
+            <p:cNvPr id="37" name="Group 36">
+              <a:extLst>
+                <a:ext uri="{FF2B5EF4-FFF2-40B4-BE49-F238E27FC236}">
+                  <a16:creationId xmlns:a16="http://schemas.microsoft.com/office/drawing/2014/main" id="{3FD7F098-BFBF-4D80-9BD9-195ECF54DA20}"/>
+                </a:ext>
+              </a:extLst>
+            </p:cNvPr>
+            <p:cNvGrpSpPr/>
+            <p:nvPr/>
+          </p:nvGrpSpPr>
+          <p:grpSpPr>
+            <a:xfrm>
+              <a:off x="4572501" y="4156271"/>
+              <a:ext cx="306639" cy="256373"/>
+              <a:chOff x="4338803" y="3980158"/>
+              <a:chExt cx="713150" cy="713150"/>
+            </a:xfrm>
+            <a:solidFill>
+              <a:schemeClr val="bg1"/>
+            </a:solidFill>
+          </p:grpSpPr>
+          <p:sp>
+            <p:nvSpPr>
+              <p:cNvPr id="38" name="Rectangle 37">
+                <a:extLst>
+                  <a:ext uri="{FF2B5EF4-FFF2-40B4-BE49-F238E27FC236}">
+                    <a16:creationId xmlns:a16="http://schemas.microsoft.com/office/drawing/2014/main" id="{3C183CD6-ADC2-40F0-A836-39F4CAC449A3}"/>
+                  </a:ext>
+                </a:extLst>
+              </p:cNvPr>
+              <p:cNvSpPr/>
+              <p:nvPr/>
+            </p:nvSpPr>
+            <p:spPr>
+              <a:xfrm>
+                <a:off x="4662636" y="3980158"/>
+                <a:ext cx="90612" cy="713150"/>
+              </a:xfrm>
+              <a:prstGeom prst="rect">
+                <a:avLst/>
+              </a:prstGeom>
+              <a:grpFill/>
+              <a:ln>
+                <a:noFill/>
+              </a:ln>
+            </p:spPr>
+            <p:style>
+              <a:lnRef idx="2">
+                <a:schemeClr val="accent1">
+                  <a:shade val="50000"/>
+                </a:schemeClr>
+              </a:lnRef>
+              <a:fillRef idx="1">
+                <a:schemeClr val="accent1"/>
+              </a:fillRef>
+              <a:effectRef idx="0">
+                <a:schemeClr val="accent1"/>
+              </a:effectRef>
+              <a:fontRef idx="minor">
+                <a:schemeClr val="lt1"/>
+              </a:fontRef>
+            </p:style>
+            <p:txBody>
+              <a:bodyPr rtlCol="0" anchor="ctr"/>
+              <a:lstStyle/>
+              <a:p>
+                <a:pPr algn="ctr"/>
+                <a:endParaRPr lang="en-US" dirty="0"/>
+              </a:p>
+            </p:txBody>
+          </p:sp>
+          <p:sp>
+            <p:nvSpPr>
+              <p:cNvPr id="39" name="Rectangle 38">
+                <a:extLst>
+                  <a:ext uri="{FF2B5EF4-FFF2-40B4-BE49-F238E27FC236}">
+                    <a16:creationId xmlns:a16="http://schemas.microsoft.com/office/drawing/2014/main" id="{F13181BE-0BA4-418C-860D-6453489A3810}"/>
+                  </a:ext>
+                </a:extLst>
+              </p:cNvPr>
+              <p:cNvSpPr/>
+              <p:nvPr/>
+            </p:nvSpPr>
+            <p:spPr>
+              <a:xfrm rot="16200000">
+                <a:off x="4650072" y="3936997"/>
+                <a:ext cx="90611" cy="713150"/>
+              </a:xfrm>
+              <a:prstGeom prst="rect">
+                <a:avLst/>
+              </a:prstGeom>
+              <a:grpFill/>
+              <a:ln>
+                <a:noFill/>
+              </a:ln>
+            </p:spPr>
+            <p:style>
+              <a:lnRef idx="2">
+                <a:schemeClr val="accent1">
+                  <a:shade val="50000"/>
+                </a:schemeClr>
+              </a:lnRef>
+              <a:fillRef idx="1">
+                <a:schemeClr val="accent1"/>
+              </a:fillRef>
+              <a:effectRef idx="0">
+                <a:schemeClr val="accent1"/>
+              </a:effectRef>
+              <a:fontRef idx="minor">
+                <a:schemeClr val="lt1"/>
+              </a:fontRef>
+            </p:style>
+            <p:txBody>
+              <a:bodyPr rtlCol="0" anchor="ctr"/>
+              <a:lstStyle/>
+              <a:p>
+                <a:pPr algn="ctr"/>
+                <a:endParaRPr lang="en-US"/>
+              </a:p>
+            </p:txBody>
+          </p:sp>
+        </p:grpSp>
+      </p:grpSp>
+      <p:sp>
+        <p:nvSpPr>
+          <p:cNvPr id="46" name="Rectangle 45">
+            <a:extLst>
+              <a:ext uri="{FF2B5EF4-FFF2-40B4-BE49-F238E27FC236}">
+                <a16:creationId xmlns:a16="http://schemas.microsoft.com/office/drawing/2014/main" id="{DFB63F84-CE80-47F9-9F6D-7C6C2AEC3372}"/>
+              </a:ext>
+            </a:extLst>
+          </p:cNvPr>
+          <p:cNvSpPr/>
+          <p:nvPr/>
+        </p:nvSpPr>
+        <p:spPr>
+          <a:xfrm>
+            <a:off x="1349674" y="4014168"/>
+            <a:ext cx="457361" cy="546100"/>
+          </a:xfrm>
+          <a:prstGeom prst="rect">
+            <a:avLst/>
+          </a:prstGeom>
+          <a:ln>
+            <a:noFill/>
+          </a:ln>
+        </p:spPr>
+        <p:style>
+          <a:lnRef idx="2">
+            <a:schemeClr val="dk1">
+              <a:shade val="50000"/>
+            </a:schemeClr>
+          </a:lnRef>
+          <a:fillRef idx="1">
+            <a:schemeClr val="dk1"/>
+          </a:fillRef>
+          <a:effectRef idx="0">
+            <a:schemeClr val="dk1"/>
+          </a:effectRef>
+          <a:fontRef idx="minor">
+            <a:schemeClr val="lt1"/>
+          </a:fontRef>
+        </p:style>
+        <p:txBody>
+          <a:bodyPr rtlCol="0" anchor="ctr"/>
+          <a:lstStyle/>
+          <a:p>
+            <a:pPr algn="ctr"/>
+            <a:r>
+              <a:rPr lang="en-US" sz="1800" dirty="0"/>
+              <a:t>4</a:t>
+            </a:r>
+            <a:endParaRPr lang="en-US" dirty="0"/>
+          </a:p>
+        </p:txBody>
+      </p:sp>
+      <p:sp>
+        <p:nvSpPr>
+          <p:cNvPr id="47" name="Arrow: Right 46">
+            <a:extLst>
+              <a:ext uri="{FF2B5EF4-FFF2-40B4-BE49-F238E27FC236}">
+                <a16:creationId xmlns:a16="http://schemas.microsoft.com/office/drawing/2014/main" id="{843E549D-0832-485A-99B6-A30AD68E58BD}"/>
+              </a:ext>
+            </a:extLst>
+          </p:cNvPr>
+          <p:cNvSpPr/>
+          <p:nvPr/>
+        </p:nvSpPr>
+        <p:spPr>
+          <a:xfrm>
+            <a:off x="2865740" y="4098372"/>
+            <a:ext cx="566092" cy="341138"/>
+          </a:xfrm>
+          <a:prstGeom prst="rightArrow">
+            <a:avLst/>
+          </a:prstGeom>
+        </p:spPr>
+        <p:style>
+          <a:lnRef idx="2">
+            <a:schemeClr val="accent5">
+              <a:shade val="50000"/>
+            </a:schemeClr>
+          </a:lnRef>
+          <a:fillRef idx="1">
+            <a:schemeClr val="accent5"/>
+          </a:fillRef>
+          <a:effectRef idx="0">
+            <a:schemeClr val="accent5"/>
+          </a:effectRef>
+          <a:fontRef idx="minor">
+            <a:schemeClr val="lt1"/>
+          </a:fontRef>
+        </p:style>
+        <p:txBody>
+          <a:bodyPr rtlCol="0" anchor="ctr"/>
+          <a:lstStyle/>
+          <a:p>
+            <a:pPr algn="ctr"/>
+            <a:endParaRPr lang="en-US"/>
+          </a:p>
+        </p:txBody>
+      </p:sp>
+    </p:spTree>
+    <p:extLst>
+      <p:ext uri="{BB962C8B-B14F-4D97-AF65-F5344CB8AC3E}">
+        <p14:creationId xmlns:p14="http://schemas.microsoft.com/office/powerpoint/2010/main" val="2747385502"/>
+      </p:ext>
+    </p:extLst>
+  </p:cSld>
+  <p:clrMapOvr>
+    <a:masterClrMapping/>
+  </p:clrMapOvr>
+  <p:timing>
+    <p:tnLst>
+      <p:par>
+        <p:cTn id="1" dur="indefinite" restart="never" nodeType="tmRoot">
+          <p:childTnLst>
+            <p:seq concurrent="1" nextAc="seek">
+              <p:cTn id="2" dur="indefinite" nodeType="mainSeq">
+                <p:childTnLst>
+                  <p:par>
+                    <p:cTn id="3" fill="hold">
+                      <p:stCondLst>
+                        <p:cond delay="indefinite"/>
+                      </p:stCondLst>
+                      <p:childTnLst>
+                        <p:par>
+                          <p:cTn id="4" fill="hold">
+                            <p:stCondLst>
+                              <p:cond delay="0"/>
+                            </p:stCondLst>
+                            <p:childTnLst>
+                              <p:par>
+                                <p:cTn id="5" presetID="1" presetClass="entr" presetSubtype="0" fill="hold" nodeType="clickEffect">
+                                  <p:stCondLst>
+                                    <p:cond delay="0"/>
+                                  </p:stCondLst>
+                                  <p:childTnLst>
+                                    <p:set>
+                                      <p:cBhvr>
+                                        <p:cTn id="6" dur="1" fill="hold">
+                                          <p:stCondLst>
+                                            <p:cond delay="0"/>
+                                          </p:stCondLst>
+                                        </p:cTn>
+                                        <p:tgtEl>
+                                          <p:spTgt spid="35"/>
+                                        </p:tgtEl>
+                                        <p:attrNameLst>
+                                          <p:attrName>style.visibility</p:attrName>
+                                        </p:attrNameLst>
+                                      </p:cBhvr>
+                                      <p:to>
+                                        <p:strVal val="visible"/>
+                                      </p:to>
+                                    </p:set>
+                                  </p:childTnLst>
+                                </p:cTn>
+                              </p:par>
+                            </p:childTnLst>
+                          </p:cTn>
+                        </p:par>
+                      </p:childTnLst>
+                    </p:cTn>
+                  </p:par>
+                  <p:par>
+                    <p:cTn id="7" fill="hold">
+                      <p:stCondLst>
+                        <p:cond delay="indefinite"/>
+                      </p:stCondLst>
+                      <p:childTnLst>
+                        <p:par>
+                          <p:cTn id="8" fill="hold">
+                            <p:stCondLst>
+                              <p:cond delay="0"/>
+                            </p:stCondLst>
+                            <p:childTnLst>
+                              <p:par>
+                                <p:cTn id="9" presetID="1" presetClass="entr" presetSubtype="0" fill="hold" grpId="0" nodeType="clickEffect">
+                                  <p:stCondLst>
+                                    <p:cond delay="0"/>
+                                  </p:stCondLst>
+                                  <p:childTnLst>
+                                    <p:set>
+                                      <p:cBhvr>
+                                        <p:cTn id="10" dur="1" fill="hold">
+                                          <p:stCondLst>
+                                            <p:cond delay="0"/>
+                                          </p:stCondLst>
+                                        </p:cTn>
+                                        <p:tgtEl>
+                                          <p:spTgt spid="46"/>
+                                        </p:tgtEl>
+                                        <p:attrNameLst>
+                                          <p:attrName>style.visibility</p:attrName>
+                                        </p:attrNameLst>
+                                      </p:cBhvr>
+                                      <p:to>
+                                        <p:strVal val="visible"/>
+                                      </p:to>
+                                    </p:set>
+                                  </p:childTnLst>
+                                </p:cTn>
+                              </p:par>
+                            </p:childTnLst>
+                          </p:cTn>
+                        </p:par>
+                      </p:childTnLst>
+                    </p:cTn>
+                  </p:par>
+                  <p:par>
+                    <p:cTn id="11" fill="hold">
+                      <p:stCondLst>
+                        <p:cond delay="indefinite"/>
+                      </p:stCondLst>
+                      <p:childTnLst>
+                        <p:par>
+                          <p:cTn id="12" fill="hold">
+                            <p:stCondLst>
+                              <p:cond delay="0"/>
+                            </p:stCondLst>
+                            <p:childTnLst>
+                              <p:par>
+                                <p:cTn id="13" presetID="1" presetClass="entr" presetSubtype="0" fill="hold" grpId="0" nodeType="clickEffect">
+                                  <p:stCondLst>
+                                    <p:cond delay="0"/>
+                                  </p:stCondLst>
+                                  <p:childTnLst>
+                                    <p:set>
+                                      <p:cBhvr>
+                                        <p:cTn id="14" dur="1" fill="hold">
+                                          <p:stCondLst>
+                                            <p:cond delay="0"/>
+                                          </p:stCondLst>
+                                        </p:cTn>
+                                        <p:tgtEl>
+                                          <p:spTgt spid="47"/>
+                                        </p:tgtEl>
+                                        <p:attrNameLst>
+                                          <p:attrName>style.visibility</p:attrName>
+                                        </p:attrNameLst>
+                                      </p:cBhvr>
+                                      <p:to>
+                                        <p:strVal val="visible"/>
+                                      </p:to>
+                                    </p:set>
+                                  </p:childTnLst>
+                                </p:cTn>
+                              </p:par>
+                            </p:childTnLst>
+                          </p:cTn>
+                        </p:par>
+                      </p:childTnLst>
+                    </p:cTn>
+                  </p:par>
+                  <p:par>
+                    <p:cTn id="15" fill="hold">
+                      <p:stCondLst>
+                        <p:cond delay="indefinite"/>
+                      </p:stCondLst>
+                      <p:childTnLst>
+                        <p:par>
+                          <p:cTn id="16" fill="hold">
+                            <p:stCondLst>
+                              <p:cond delay="0"/>
+                            </p:stCondLst>
+                            <p:childTnLst>
+                              <p:par>
+                                <p:cTn id="17" presetID="1" presetClass="entr" presetSubtype="0" fill="hold" nodeType="clickEffect">
+                                  <p:stCondLst>
+                                    <p:cond delay="0"/>
+                                  </p:stCondLst>
+                                  <p:childTnLst>
+                                    <p:set>
+                                      <p:cBhvr>
+                                        <p:cTn id="18" dur="1" fill="hold">
+                                          <p:stCondLst>
+                                            <p:cond delay="0"/>
+                                          </p:stCondLst>
+                                        </p:cTn>
+                                        <p:tgtEl>
+                                          <p:spTgt spid="32"/>
+                                        </p:tgtEl>
+                                        <p:attrNameLst>
+                                          <p:attrName>style.visibility</p:attrName>
+                                        </p:attrNameLst>
+                                      </p:cBhvr>
+                                      <p:to>
+                                        <p:strVal val="visible"/>
+                                      </p:to>
+                                    </p:set>
+                                  </p:childTnLst>
+                                </p:cTn>
+                              </p:par>
+                            </p:childTnLst>
+                          </p:cTn>
+                        </p:par>
+                      </p:childTnLst>
+                    </p:cTn>
+                  </p:par>
+                  <p:par>
+                    <p:cTn id="19" fill="hold">
+                      <p:stCondLst>
+                        <p:cond delay="indefinite"/>
+                      </p:stCondLst>
+                      <p:childTnLst>
+                        <p:par>
+                          <p:cTn id="20" fill="hold">
+                            <p:stCondLst>
+                              <p:cond delay="0"/>
+                            </p:stCondLst>
+                            <p:childTnLst>
+                              <p:par>
+                                <p:cTn id="21" presetID="1" presetClass="entr" presetSubtype="0" fill="hold" nodeType="clickEffect">
+                                  <p:stCondLst>
+                                    <p:cond delay="0"/>
+                                  </p:stCondLst>
+                                  <p:childTnLst>
+                                    <p:set>
+                                      <p:cBhvr>
+                                        <p:cTn id="22" dur="1" fill="hold">
+                                          <p:stCondLst>
+                                            <p:cond delay="0"/>
+                                          </p:stCondLst>
+                                        </p:cTn>
+                                        <p:tgtEl>
+                                          <p:spTgt spid="33"/>
+                                        </p:tgtEl>
+                                        <p:attrNameLst>
+                                          <p:attrName>style.visibility</p:attrName>
+                                        </p:attrNameLst>
+                                      </p:cBhvr>
+                                      <p:to>
+                                        <p:strVal val="visible"/>
+                                      </p:to>
+                                    </p:set>
+                                  </p:childTnLst>
+                                </p:cTn>
+                              </p:par>
+                            </p:childTnLst>
+                          </p:cTn>
+                        </p:par>
+                      </p:childTnLst>
+                    </p:cTn>
+                  </p:par>
+                  <p:par>
+                    <p:cTn id="23" fill="hold">
+                      <p:stCondLst>
+                        <p:cond delay="indefinite"/>
+                      </p:stCondLst>
+                      <p:childTnLst>
+                        <p:par>
+                          <p:cTn id="24" fill="hold">
+                            <p:stCondLst>
+                              <p:cond delay="0"/>
+                            </p:stCondLst>
+                            <p:childTnLst>
+                              <p:par>
+                                <p:cTn id="25" presetID="1" presetClass="entr" presetSubtype="0" fill="hold" nodeType="clickEffect">
+                                  <p:stCondLst>
+                                    <p:cond delay="0"/>
+                                  </p:stCondLst>
+                                  <p:childTnLst>
+                                    <p:set>
+                                      <p:cBhvr>
+                                        <p:cTn id="26" dur="1" fill="hold">
+                                          <p:stCondLst>
+                                            <p:cond delay="0"/>
+                                          </p:stCondLst>
+                                        </p:cTn>
+                                        <p:tgtEl>
+                                          <p:spTgt spid="23"/>
+                                        </p:tgtEl>
+                                        <p:attrNameLst>
+                                          <p:attrName>style.visibility</p:attrName>
+                                        </p:attrNameLst>
+                                      </p:cBhvr>
+                                      <p:to>
+                                        <p:strVal val="visible"/>
+                                      </p:to>
+                                    </p:set>
+                                  </p:childTnLst>
+                                </p:cTn>
+                              </p:par>
+                            </p:childTnLst>
+                          </p:cTn>
+                        </p:par>
+                      </p:childTnLst>
+                    </p:cTn>
+                  </p:par>
+                  <p:par>
+                    <p:cTn id="27" fill="hold">
+                      <p:stCondLst>
+                        <p:cond delay="indefinite"/>
+                      </p:stCondLst>
+                      <p:childTnLst>
+                        <p:par>
+                          <p:cTn id="28" fill="hold">
+                            <p:stCondLst>
+                              <p:cond delay="0"/>
+                            </p:stCondLst>
+                            <p:childTnLst>
+                              <p:par>
+                                <p:cTn id="29" presetID="1" presetClass="entr" presetSubtype="0" fill="hold" nodeType="clickEffect">
+                                  <p:stCondLst>
+                                    <p:cond delay="0"/>
+                                  </p:stCondLst>
+                                  <p:childTnLst>
+                                    <p:set>
+                                      <p:cBhvr>
+                                        <p:cTn id="30" dur="1" fill="hold">
+                                          <p:stCondLst>
+                                            <p:cond delay="0"/>
+                                          </p:stCondLst>
+                                        </p:cTn>
+                                        <p:tgtEl>
+                                          <p:spTgt spid="31"/>
+                                        </p:tgtEl>
+                                        <p:attrNameLst>
+                                          <p:attrName>style.visibility</p:attrName>
+                                        </p:attrNameLst>
+                                      </p:cBhvr>
+                                      <p:to>
+                                        <p:strVal val="visible"/>
+                                      </p:to>
+                                    </p:set>
+                                  </p:childTnLst>
+                                </p:cTn>
+                              </p:par>
+                            </p:childTnLst>
+                          </p:cTn>
+                        </p:par>
+                      </p:childTnLst>
+                    </p:cTn>
+                  </p:par>
+                  <p:par>
+                    <p:cTn id="31" fill="hold">
+                      <p:stCondLst>
+                        <p:cond delay="indefinite"/>
+                      </p:stCondLst>
+                      <p:childTnLst>
+                        <p:par>
+                          <p:cTn id="32" fill="hold">
+                            <p:stCondLst>
+                              <p:cond delay="0"/>
+                            </p:stCondLst>
+                            <p:childTnLst>
+                              <p:par>
+                                <p:cTn id="33" presetID="1" presetClass="entr" presetSubtype="0" fill="hold" nodeType="clickEffect">
+                                  <p:stCondLst>
+                                    <p:cond delay="0"/>
+                                  </p:stCondLst>
+                                  <p:childTnLst>
+                                    <p:set>
+                                      <p:cBhvr>
+                                        <p:cTn id="34" dur="1" fill="hold">
+                                          <p:stCondLst>
+                                            <p:cond delay="0"/>
+                                          </p:stCondLst>
+                                        </p:cTn>
+                                        <p:tgtEl>
+                                          <p:spTgt spid="34"/>
+                                        </p:tgtEl>
+                                        <p:attrNameLst>
+                                          <p:attrName>style.visibility</p:attrName>
+                                        </p:attrNameLst>
+                                      </p:cBhvr>
+                                      <p:to>
+                                        <p:strVal val="visible"/>
+                                      </p:to>
+                                    </p:set>
+                                  </p:childTnLst>
+                                </p:cTn>
+                              </p:par>
+                            </p:childTnLst>
+                          </p:cTn>
+                        </p:par>
+                      </p:childTnLst>
+                    </p:cTn>
+                  </p:par>
+                </p:childTnLst>
+              </p:cTn>
+              <p:prevCondLst>
+                <p:cond evt="onPrev" delay="0">
+                  <p:tgtEl>
+                    <p:sldTgt/>
+                  </p:tgtEl>
+                </p:cond>
+              </p:prevCondLst>
+              <p:nextCondLst>
+                <p:cond evt="onNext" delay="0">
+                  <p:tgtEl>
+                    <p:sldTgt/>
+                  </p:tgtEl>
+                </p:cond>
+              </p:nextCondLst>
+            </p:seq>
+          </p:childTnLst>
+        </p:cTn>
+      </p:par>
+    </p:tnLst>
+    <p:bldLst>
+      <p:bldP spid="46" grpId="0" animBg="1"/>
+      <p:bldP spid="47" grpId="0" animBg="1"/>
+    </p:bldLst>
+  </p:timing>
+</p:sld>
+</file>
+
+<file path=ppt/slides/slide2.xml><?xml version="1.0" encoding="utf-8"?>
+<p:sld xmlns:a="http://schemas.openxmlformats.org/drawingml/2006/main" xmlns:r="http://schemas.openxmlformats.org/officeDocument/2006/relationships" xmlns:p="http://schemas.openxmlformats.org/presentationml/2006/main">
+  <p:cSld>
+    <p:spTree>
+      <p:nvGrpSpPr>
+        <p:cNvPr id="1" name=""/>
+        <p:cNvGrpSpPr/>
+        <p:nvPr/>
+      </p:nvGrpSpPr>
+      <p:grpSpPr>
+        <a:xfrm>
+          <a:off x="0" y="0"/>
+          <a:ext cx="0" cy="0"/>
+          <a:chOff x="0" y="0"/>
+          <a:chExt cx="0" cy="0"/>
+        </a:xfrm>
+      </p:grpSpPr>
+      <p:pic>
+        <p:nvPicPr>
+          <p:cNvPr id="5" name="Picture 4" descr="A group of people in clothing&#10;&#10;Description automatically generated">
+            <a:extLst>
+              <a:ext uri="{FF2B5EF4-FFF2-40B4-BE49-F238E27FC236}">
+                <a16:creationId xmlns:a16="http://schemas.microsoft.com/office/drawing/2014/main" id="{6D6CA3EC-EE2C-406D-8F53-9E621894D76B}"/>
+              </a:ext>
+            </a:extLst>
+          </p:cNvPr>
+          <p:cNvPicPr>
+            <a:picLocks noChangeAspect="1"/>
+          </p:cNvPicPr>
+          <p:nvPr/>
+        </p:nvPicPr>
+        <p:blipFill rotWithShape="1">
+          <a:blip r:embed="rId2">
+            <a:extLst>
+              <a:ext uri="{28A0092B-C50C-407E-A947-70E740481C1C}">
+                <a14:useLocalDpi xmlns:a14="http://schemas.microsoft.com/office/drawing/2010/main" val="0"/>
+              </a:ext>
+            </a:extLst>
+          </a:blip>
+          <a:srcRect b="2598"/>
+          <a:stretch/>
+        </p:blipFill>
+        <p:spPr>
+          <a:xfrm>
+            <a:off x="-2285" y="7"/>
+            <a:ext cx="9143999" cy="5143493"/>
+          </a:xfrm>
+          <a:prstGeom prst="rect">
+            <a:avLst/>
+          </a:prstGeom>
+        </p:spPr>
+      </p:pic>
+    </p:spTree>
+    <p:extLst>
+      <p:ext uri="{BB962C8B-B14F-4D97-AF65-F5344CB8AC3E}">
+        <p14:creationId xmlns:p14="http://schemas.microsoft.com/office/powerpoint/2010/main" val="3477204889"/>
+      </p:ext>
+    </p:extLst>
+  </p:cSld>
+  <p:clrMapOvr>
+    <a:masterClrMapping/>
+  </p:clrMapOvr>
+</p:sld>
+</file>
+
+<file path=ppt/slides/slide20.xml><?xml version="1.0" encoding="utf-8"?>
+<p:sld xmlns:a="http://schemas.openxmlformats.org/drawingml/2006/main" xmlns:r="http://schemas.openxmlformats.org/officeDocument/2006/relationships" xmlns:p="http://schemas.openxmlformats.org/presentationml/2006/main">
+  <p:cSld>
+    <p:spTree>
+      <p:nvGrpSpPr>
+        <p:cNvPr id="1" name=""/>
+        <p:cNvGrpSpPr/>
+        <p:nvPr/>
+      </p:nvGrpSpPr>
+      <p:grpSpPr>
+        <a:xfrm>
+          <a:off x="0" y="0"/>
+          <a:ext cx="0" cy="0"/>
+          <a:chOff x="0" y="0"/>
+          <a:chExt cx="0" cy="0"/>
+        </a:xfrm>
+      </p:grpSpPr>
       <p:sp>
         <p:nvSpPr>
           <p:cNvPr id="4" name="Rectangle 3">
@@ -16106,7 +17632,7 @@
         </p:nvSpPr>
         <p:spPr>
           <a:xfrm>
-            <a:off x="1422090" y="1254564"/>
+            <a:off x="1468041" y="1254564"/>
             <a:ext cx="1356340" cy="1167317"/>
           </a:xfrm>
           <a:prstGeom prst="rect">
@@ -16856,207 +18382,7 @@
 </p:sld>
 </file>
 
-<file path=ppt/slides/slide2.xml><?xml version="1.0" encoding="utf-8"?>
-<p:sld xmlns:a="http://schemas.openxmlformats.org/drawingml/2006/main" xmlns:r="http://schemas.openxmlformats.org/officeDocument/2006/relationships" xmlns:p="http://schemas.openxmlformats.org/presentationml/2006/main">
-  <p:cSld>
-    <p:spTree>
-      <p:nvGrpSpPr>
-        <p:cNvPr id="1" name="Shape 102"/>
-        <p:cNvGrpSpPr/>
-        <p:nvPr/>
-      </p:nvGrpSpPr>
-      <p:grpSpPr>
-        <a:xfrm>
-          <a:off x="0" y="0"/>
-          <a:ext cx="0" cy="0"/>
-          <a:chOff x="0" y="0"/>
-          <a:chExt cx="0" cy="0"/>
-        </a:xfrm>
-      </p:grpSpPr>
-      <p:sp>
-        <p:nvSpPr>
-          <p:cNvPr id="103" name="Google Shape;103;p22"/>
-          <p:cNvSpPr txBox="1">
-            <a:spLocks noGrp="1"/>
-          </p:cNvSpPr>
-          <p:nvPr>
-            <p:ph type="title"/>
-          </p:nvPr>
-        </p:nvSpPr>
-        <p:spPr>
-          <a:xfrm>
-            <a:off x="457200" y="-22622"/>
-            <a:ext cx="8229600" cy="857400"/>
-          </a:xfrm>
-          <a:prstGeom prst="rect">
-            <a:avLst/>
-          </a:prstGeom>
-        </p:spPr>
-        <p:txBody>
-          <a:bodyPr spcFirstLastPara="1" wrap="square" lIns="91425" tIns="91425" rIns="91425" bIns="91425" anchor="ctr" anchorCtr="0">
-            <a:noAutofit/>
-          </a:bodyPr>
-          <a:lstStyle/>
-          <a:p>
-            <a:pPr marL="0" lvl="0" indent="0" algn="ctr" rtl="0">
-              <a:spcBef>
-                <a:spcPts val="0"/>
-              </a:spcBef>
-              <a:spcAft>
-                <a:spcPts val="0"/>
-              </a:spcAft>
-              <a:buNone/>
-            </a:pPr>
-            <a:r>
-              <a:rPr lang="en-US" sz="3200" dirty="0"/>
-              <a:t>Method</a:t>
-            </a:r>
-            <a:endParaRPr sz="3200" dirty="0"/>
-          </a:p>
-        </p:txBody>
-      </p:sp>
-      <p:sp>
-        <p:nvSpPr>
-          <p:cNvPr id="104" name="Google Shape;104;p22"/>
-          <p:cNvSpPr txBox="1">
-            <a:spLocks noGrp="1"/>
-          </p:cNvSpPr>
-          <p:nvPr>
-            <p:ph type="body" idx="1"/>
-          </p:nvPr>
-        </p:nvSpPr>
-        <p:spPr>
-          <a:xfrm>
-            <a:off x="911700" y="834778"/>
-            <a:ext cx="7320600" cy="3659702"/>
-          </a:xfrm>
-          <a:prstGeom prst="rect">
-            <a:avLst/>
-          </a:prstGeom>
-        </p:spPr>
-        <p:txBody>
-          <a:bodyPr spcFirstLastPara="1" wrap="square" lIns="91425" tIns="91425" rIns="91425" bIns="91425" anchor="t" anchorCtr="0">
-            <a:noAutofit/>
-          </a:bodyPr>
-          <a:lstStyle/>
-          <a:p>
-            <a:r>
-              <a:rPr lang="en-US" sz="1800" dirty="0"/>
-              <a:t>Aims:</a:t>
-            </a:r>
-          </a:p>
-          <a:p>
-            <a:pPr lvl="1"/>
-            <a:r>
-              <a:rPr lang="en-US" sz="1800" dirty="0"/>
-              <a:t>Developing a novel brief mindfulness-meditation (BMM) training for internal attentional biases</a:t>
-            </a:r>
-          </a:p>
-          <a:p>
-            <a:pPr lvl="1"/>
-            <a:r>
-              <a:rPr lang="en-US" sz="1800" dirty="0"/>
-              <a:t>Comparing  AFACT, BMM  and placebo training groups on the following measures :</a:t>
-            </a:r>
-          </a:p>
-          <a:p>
-            <a:r>
-              <a:rPr lang="en-US" sz="1800" dirty="0"/>
-              <a:t>Measures:</a:t>
-            </a:r>
-          </a:p>
-          <a:p>
-            <a:pPr lvl="1"/>
-            <a:r>
-              <a:rPr lang="en-US" sz="1800" dirty="0"/>
-              <a:t>Quantifying internal attentional control</a:t>
-            </a:r>
-          </a:p>
-          <a:p>
-            <a:pPr lvl="1"/>
-            <a:r>
-              <a:rPr lang="en-US" sz="1800" dirty="0"/>
-              <a:t>Quantifying Meta-awareness for internal attentional bias</a:t>
-            </a:r>
-          </a:p>
-          <a:p>
-            <a:pPr lvl="1"/>
-            <a:r>
-              <a:rPr lang="en-US" sz="1800" dirty="0"/>
-              <a:t>Testing generalizability of training to internal attentional bias with internal demand</a:t>
-            </a:r>
-          </a:p>
-          <a:p>
-            <a:r>
-              <a:rPr lang="en-US" sz="1800" dirty="0"/>
-              <a:t>Population:</a:t>
-            </a:r>
-          </a:p>
-          <a:p>
-            <a:pPr lvl="1"/>
-            <a:r>
-              <a:rPr lang="en-US" sz="1800" dirty="0"/>
-              <a:t>Students with heigh tendency towards negative repetitive thinking</a:t>
-            </a:r>
-          </a:p>
-        </p:txBody>
-      </p:sp>
-      <p:sp>
-        <p:nvSpPr>
-          <p:cNvPr id="105" name="Google Shape;105;p22"/>
-          <p:cNvSpPr txBox="1">
-            <a:spLocks noGrp="1"/>
-          </p:cNvSpPr>
-          <p:nvPr>
-            <p:ph type="sldNum" idx="12"/>
-          </p:nvPr>
-        </p:nvSpPr>
-        <p:spPr>
-          <a:xfrm>
-            <a:off x="4297650" y="4859852"/>
-            <a:ext cx="548700" cy="283800"/>
-          </a:xfrm>
-          <a:prstGeom prst="rect">
-            <a:avLst/>
-          </a:prstGeom>
-        </p:spPr>
-        <p:txBody>
-          <a:bodyPr spcFirstLastPara="1" wrap="square" lIns="91425" tIns="91425" rIns="91425" bIns="91425" anchor="t" anchorCtr="0">
-            <a:noAutofit/>
-          </a:bodyPr>
-          <a:lstStyle/>
-          <a:p>
-            <a:pPr marL="0" lvl="0" indent="0" algn="ctr" rtl="0">
-              <a:spcBef>
-                <a:spcPts val="0"/>
-              </a:spcBef>
-              <a:spcAft>
-                <a:spcPts val="0"/>
-              </a:spcAft>
-              <a:buNone/>
-            </a:pPr>
-            <a:fld id="{00000000-1234-1234-1234-123412341234}" type="slidenum">
-              <a:rPr lang="en"/>
-              <a:t>2</a:t>
-            </a:fld>
-            <a:endParaRPr/>
-          </a:p>
-        </p:txBody>
-      </p:sp>
-    </p:spTree>
-    <p:extLst>
-      <p:ext uri="{BB962C8B-B14F-4D97-AF65-F5344CB8AC3E}">
-        <p14:creationId xmlns:p14="http://schemas.microsoft.com/office/powerpoint/2010/main" val="3599709467"/>
-      </p:ext>
-    </p:extLst>
-  </p:cSld>
-  <p:clrMapOvr>
-    <a:masterClrMapping/>
-  </p:clrMapOvr>
-</p:sld>
-</file>
-
-<file path=ppt/slides/slide20.xml><?xml version="1.0" encoding="utf-8"?>
+<file path=ppt/slides/slide21.xml><?xml version="1.0" encoding="utf-8"?>
 <p:sld xmlns:a="http://schemas.openxmlformats.org/drawingml/2006/main" xmlns:r="http://schemas.openxmlformats.org/officeDocument/2006/relationships" xmlns:p="http://schemas.openxmlformats.org/presentationml/2006/main">
   <p:cSld>
     <p:bg>
@@ -17214,7 +18540,7 @@
             </a:pPr>
             <a:fld id="{00000000-1234-1234-1234-123412341234}" type="slidenum">
               <a:rPr lang="en"/>
-              <a:t>20</a:t>
+              <a:t>21</a:t>
             </a:fld>
             <a:endParaRPr/>
           </a:p>
@@ -17228,7 +18554,7 @@
 </p:sld>
 </file>
 
-<file path=ppt/slides/slide21.xml><?xml version="1.0" encoding="utf-8"?>
+<file path=ppt/slides/slide22.xml><?xml version="1.0" encoding="utf-8"?>
 <p:sld xmlns:a="http://schemas.openxmlformats.org/drawingml/2006/main" xmlns:r="http://schemas.openxmlformats.org/officeDocument/2006/relationships" xmlns:p="http://schemas.openxmlformats.org/presentationml/2006/main">
   <p:cSld>
     <p:spTree>
@@ -17342,7 +18668,7 @@
           <a:p>
             <a:fld id="{F8BAB2D9-6D7E-47B6-9A62-926E53253FF1}" type="slidenum">
               <a:rPr lang="he-IL" smtClean="0"/>
-              <a:t>21</a:t>
+              <a:t>22</a:t>
             </a:fld>
             <a:endParaRPr lang="he-IL"/>
           </a:p>
@@ -17362,6 +18688,1366 @@
 </file>
 
 <file path=ppt/slides/slide3.xml><?xml version="1.0" encoding="utf-8"?>
+<p:sld xmlns:a="http://schemas.openxmlformats.org/drawingml/2006/main" xmlns:r="http://schemas.openxmlformats.org/officeDocument/2006/relationships" xmlns:p="http://schemas.openxmlformats.org/presentationml/2006/main">
+  <p:cSld>
+    <p:spTree>
+      <p:nvGrpSpPr>
+        <p:cNvPr id="1" name=""/>
+        <p:cNvGrpSpPr/>
+        <p:nvPr/>
+      </p:nvGrpSpPr>
+      <p:grpSpPr>
+        <a:xfrm>
+          <a:off x="0" y="0"/>
+          <a:ext cx="0" cy="0"/>
+          <a:chOff x="0" y="0"/>
+          <a:chExt cx="0" cy="0"/>
+        </a:xfrm>
+      </p:grpSpPr>
+      <p:pic>
+        <p:nvPicPr>
+          <p:cNvPr id="5" name="Picture 4" descr="A group of people in clothing&#10;&#10;Description automatically generated">
+            <a:extLst>
+              <a:ext uri="{FF2B5EF4-FFF2-40B4-BE49-F238E27FC236}">
+                <a16:creationId xmlns:a16="http://schemas.microsoft.com/office/drawing/2014/main" id="{6D6CA3EC-EE2C-406D-8F53-9E621894D76B}"/>
+              </a:ext>
+            </a:extLst>
+          </p:cNvPr>
+          <p:cNvPicPr>
+            <a:picLocks noChangeAspect="1"/>
+          </p:cNvPicPr>
+          <p:nvPr/>
+        </p:nvPicPr>
+        <p:blipFill rotWithShape="1">
+          <a:blip r:embed="rId2">
+            <a:extLst>
+              <a:ext uri="{28A0092B-C50C-407E-A947-70E740481C1C}">
+                <a14:useLocalDpi xmlns:a14="http://schemas.microsoft.com/office/drawing/2010/main" val="0"/>
+              </a:ext>
+            </a:extLst>
+          </a:blip>
+          <a:srcRect b="2598"/>
+          <a:stretch/>
+        </p:blipFill>
+        <p:spPr>
+          <a:xfrm>
+            <a:off x="-3715" y="-4875"/>
+            <a:ext cx="9143999" cy="5143493"/>
+          </a:xfrm>
+          <a:prstGeom prst="rect">
+            <a:avLst/>
+          </a:prstGeom>
+        </p:spPr>
+      </p:pic>
+      <p:pic>
+        <p:nvPicPr>
+          <p:cNvPr id="6" name="Picture 5">
+            <a:extLst>
+              <a:ext uri="{FF2B5EF4-FFF2-40B4-BE49-F238E27FC236}">
+                <a16:creationId xmlns:a16="http://schemas.microsoft.com/office/drawing/2014/main" id="{0A648B1C-7720-46CE-948B-5941C36F95EA}"/>
+              </a:ext>
+            </a:extLst>
+          </p:cNvPr>
+          <p:cNvPicPr>
+            <a:picLocks noChangeAspect="1"/>
+          </p:cNvPicPr>
+          <p:nvPr/>
+        </p:nvPicPr>
+        <p:blipFill>
+          <a:blip r:embed="rId3"/>
+          <a:stretch>
+            <a:fillRect/>
+          </a:stretch>
+        </p:blipFill>
+        <p:spPr>
+          <a:xfrm>
+            <a:off x="2892511" y="359871"/>
+            <a:ext cx="700185" cy="935962"/>
+          </a:xfrm>
+          <a:prstGeom prst="rect">
+            <a:avLst/>
+          </a:prstGeom>
+        </p:spPr>
+      </p:pic>
+      <p:pic>
+        <p:nvPicPr>
+          <p:cNvPr id="8" name="Picture 7">
+            <a:extLst>
+              <a:ext uri="{FF2B5EF4-FFF2-40B4-BE49-F238E27FC236}">
+                <a16:creationId xmlns:a16="http://schemas.microsoft.com/office/drawing/2014/main" id="{68D09E20-7B0A-4CB8-8163-60B6EDBE48BF}"/>
+              </a:ext>
+            </a:extLst>
+          </p:cNvPr>
+          <p:cNvPicPr>
+            <a:picLocks noChangeAspect="1"/>
+          </p:cNvPicPr>
+          <p:nvPr/>
+        </p:nvPicPr>
+        <p:blipFill>
+          <a:blip r:embed="rId4"/>
+          <a:stretch>
+            <a:fillRect/>
+          </a:stretch>
+        </p:blipFill>
+        <p:spPr>
+          <a:xfrm>
+            <a:off x="1716148" y="477287"/>
+            <a:ext cx="693965" cy="912292"/>
+          </a:xfrm>
+          <a:prstGeom prst="rect">
+            <a:avLst/>
+          </a:prstGeom>
+        </p:spPr>
+      </p:pic>
+      <p:pic>
+        <p:nvPicPr>
+          <p:cNvPr id="11" name="Picture 10">
+            <a:extLst>
+              <a:ext uri="{FF2B5EF4-FFF2-40B4-BE49-F238E27FC236}">
+                <a16:creationId xmlns:a16="http://schemas.microsoft.com/office/drawing/2014/main" id="{27EC65AD-043A-4889-84C1-A25B7CE1D577}"/>
+              </a:ext>
+            </a:extLst>
+          </p:cNvPr>
+          <p:cNvPicPr>
+            <a:picLocks noChangeAspect="1"/>
+          </p:cNvPicPr>
+          <p:nvPr/>
+        </p:nvPicPr>
+        <p:blipFill>
+          <a:blip r:embed="rId5"/>
+          <a:stretch>
+            <a:fillRect/>
+          </a:stretch>
+        </p:blipFill>
+        <p:spPr>
+          <a:xfrm>
+            <a:off x="6572809" y="255289"/>
+            <a:ext cx="749030" cy="1081928"/>
+          </a:xfrm>
+          <a:prstGeom prst="rect">
+            <a:avLst/>
+          </a:prstGeom>
+        </p:spPr>
+      </p:pic>
+      <p:pic>
+        <p:nvPicPr>
+          <p:cNvPr id="14" name="Picture 13">
+            <a:extLst>
+              <a:ext uri="{FF2B5EF4-FFF2-40B4-BE49-F238E27FC236}">
+                <a16:creationId xmlns:a16="http://schemas.microsoft.com/office/drawing/2014/main" id="{8D088C63-FD0C-4C41-8D9E-5998A07A59EE}"/>
+              </a:ext>
+            </a:extLst>
+          </p:cNvPr>
+          <p:cNvPicPr>
+            <a:picLocks noChangeAspect="1"/>
+          </p:cNvPicPr>
+          <p:nvPr/>
+        </p:nvPicPr>
+        <p:blipFill>
+          <a:blip r:embed="rId6"/>
+          <a:stretch>
+            <a:fillRect/>
+          </a:stretch>
+        </p:blipFill>
+        <p:spPr>
+          <a:xfrm>
+            <a:off x="3781515" y="-4875"/>
+            <a:ext cx="888864" cy="1051709"/>
+          </a:xfrm>
+          <a:prstGeom prst="rect">
+            <a:avLst/>
+          </a:prstGeom>
+        </p:spPr>
+      </p:pic>
+      <p:pic>
+        <p:nvPicPr>
+          <p:cNvPr id="16" name="Picture 15">
+            <a:extLst>
+              <a:ext uri="{FF2B5EF4-FFF2-40B4-BE49-F238E27FC236}">
+                <a16:creationId xmlns:a16="http://schemas.microsoft.com/office/drawing/2014/main" id="{404AB4D6-46EB-449D-86EF-F8E2EA8B4704}"/>
+              </a:ext>
+            </a:extLst>
+          </p:cNvPr>
+          <p:cNvPicPr>
+            <a:picLocks noChangeAspect="1"/>
+          </p:cNvPicPr>
+          <p:nvPr/>
+        </p:nvPicPr>
+        <p:blipFill>
+          <a:blip r:embed="rId7"/>
+          <a:stretch>
+            <a:fillRect/>
+          </a:stretch>
+        </p:blipFill>
+        <p:spPr>
+          <a:xfrm>
+            <a:off x="7541850" y="48453"/>
+            <a:ext cx="757860" cy="1078985"/>
+          </a:xfrm>
+          <a:prstGeom prst="rect">
+            <a:avLst/>
+          </a:prstGeom>
+        </p:spPr>
+      </p:pic>
+      <p:pic>
+        <p:nvPicPr>
+          <p:cNvPr id="18" name="Picture 17">
+            <a:extLst>
+              <a:ext uri="{FF2B5EF4-FFF2-40B4-BE49-F238E27FC236}">
+                <a16:creationId xmlns:a16="http://schemas.microsoft.com/office/drawing/2014/main" id="{72B5BD65-7939-4C33-BD93-8204B4639F36}"/>
+              </a:ext>
+            </a:extLst>
+          </p:cNvPr>
+          <p:cNvPicPr>
+            <a:picLocks noChangeAspect="1"/>
+          </p:cNvPicPr>
+          <p:nvPr/>
+        </p:nvPicPr>
+        <p:blipFill>
+          <a:blip r:embed="rId8"/>
+          <a:stretch>
+            <a:fillRect/>
+          </a:stretch>
+        </p:blipFill>
+        <p:spPr>
+          <a:xfrm>
+            <a:off x="5449797" y="491319"/>
+            <a:ext cx="749030" cy="804513"/>
+          </a:xfrm>
+          <a:prstGeom prst="rect">
+            <a:avLst/>
+          </a:prstGeom>
+        </p:spPr>
+      </p:pic>
+      <p:pic>
+        <p:nvPicPr>
+          <p:cNvPr id="22" name="Picture 21">
+            <a:extLst>
+              <a:ext uri="{FF2B5EF4-FFF2-40B4-BE49-F238E27FC236}">
+                <a16:creationId xmlns:a16="http://schemas.microsoft.com/office/drawing/2014/main" id="{661E54F5-038F-4D9C-8D8F-0808DE0B648E}"/>
+              </a:ext>
+            </a:extLst>
+          </p:cNvPr>
+          <p:cNvPicPr>
+            <a:picLocks noChangeAspect="1"/>
+          </p:cNvPicPr>
+          <p:nvPr/>
+        </p:nvPicPr>
+        <p:blipFill>
+          <a:blip r:embed="rId9"/>
+          <a:stretch>
+            <a:fillRect/>
+          </a:stretch>
+        </p:blipFill>
+        <p:spPr>
+          <a:xfrm>
+            <a:off x="763987" y="535385"/>
+            <a:ext cx="635489" cy="841724"/>
+          </a:xfrm>
+          <a:prstGeom prst="rect">
+            <a:avLst/>
+          </a:prstGeom>
+        </p:spPr>
+      </p:pic>
+      <p:sp>
+        <p:nvSpPr>
+          <p:cNvPr id="4" name="Rectangle 3">
+            <a:extLst>
+              <a:ext uri="{FF2B5EF4-FFF2-40B4-BE49-F238E27FC236}">
+                <a16:creationId xmlns:a16="http://schemas.microsoft.com/office/drawing/2014/main" id="{340C203A-EC28-414F-AA88-5AA7A2E8B90F}"/>
+              </a:ext>
+            </a:extLst>
+          </p:cNvPr>
+          <p:cNvSpPr/>
+          <p:nvPr/>
+        </p:nvSpPr>
+        <p:spPr>
+          <a:xfrm>
+            <a:off x="807556" y="1456749"/>
+            <a:ext cx="2282996" cy="523220"/>
+          </a:xfrm>
+          <a:prstGeom prst="rect">
+            <a:avLst/>
+          </a:prstGeom>
+          <a:noFill/>
+        </p:spPr>
+        <p:txBody>
+          <a:bodyPr wrap="square" lIns="91440" tIns="45720" rIns="91440" bIns="45720">
+            <a:spAutoFit/>
+          </a:bodyPr>
+          <a:lstStyle/>
+          <a:p>
+            <a:pPr algn="ctr"/>
+            <a:r>
+              <a:rPr lang="en-US" sz="2800" b="1" dirty="0">
+                <a:ln w="13462">
+                  <a:solidFill>
+                    <a:schemeClr val="bg1"/>
+                  </a:solidFill>
+                  <a:prstDash val="solid"/>
+                </a:ln>
+                <a:solidFill>
+                  <a:schemeClr val="tx1">
+                    <a:lumMod val="85000"/>
+                    <a:lumOff val="15000"/>
+                  </a:schemeClr>
+                </a:solidFill>
+                <a:effectLst>
+                  <a:outerShdw dist="38100" dir="2700000" algn="bl" rotWithShape="0">
+                    <a:schemeClr val="accent5"/>
+                  </a:outerShdw>
+                </a:effectLst>
+              </a:rPr>
+              <a:t>A-FACT</a:t>
+            </a:r>
+            <a:endParaRPr lang="en-US" sz="2800" b="1" cap="none" spc="0" dirty="0">
+              <a:ln w="13462">
+                <a:solidFill>
+                  <a:schemeClr val="bg1"/>
+                </a:solidFill>
+                <a:prstDash val="solid"/>
+              </a:ln>
+              <a:solidFill>
+                <a:schemeClr val="tx1">
+                  <a:lumMod val="85000"/>
+                  <a:lumOff val="15000"/>
+                </a:schemeClr>
+              </a:solidFill>
+              <a:effectLst>
+                <a:outerShdw dist="38100" dir="2700000" algn="bl" rotWithShape="0">
+                  <a:schemeClr val="accent5"/>
+                </a:outerShdw>
+              </a:effectLst>
+            </a:endParaRPr>
+          </a:p>
+        </p:txBody>
+      </p:sp>
+      <p:sp>
+        <p:nvSpPr>
+          <p:cNvPr id="15" name="Rectangle 14">
+            <a:extLst>
+              <a:ext uri="{FF2B5EF4-FFF2-40B4-BE49-F238E27FC236}">
+                <a16:creationId xmlns:a16="http://schemas.microsoft.com/office/drawing/2014/main" id="{9CDE4DA6-A6B4-48FF-8066-E3056BF30E2B}"/>
+              </a:ext>
+            </a:extLst>
+          </p:cNvPr>
+          <p:cNvSpPr/>
+          <p:nvPr/>
+        </p:nvSpPr>
+        <p:spPr>
+          <a:xfrm>
+            <a:off x="1949121" y="1238843"/>
+            <a:ext cx="2282996" cy="523220"/>
+          </a:xfrm>
+          <a:prstGeom prst="rect">
+            <a:avLst/>
+          </a:prstGeom>
+          <a:noFill/>
+        </p:spPr>
+        <p:txBody>
+          <a:bodyPr wrap="square" lIns="91440" tIns="45720" rIns="91440" bIns="45720">
+            <a:spAutoFit/>
+          </a:bodyPr>
+          <a:lstStyle/>
+          <a:p>
+            <a:pPr algn="ctr"/>
+            <a:r>
+              <a:rPr lang="en-US" sz="2800" b="1" dirty="0">
+                <a:ln w="13462">
+                  <a:solidFill>
+                    <a:schemeClr val="bg1"/>
+                  </a:solidFill>
+                  <a:prstDash val="solid"/>
+                </a:ln>
+                <a:solidFill>
+                  <a:schemeClr val="tx1">
+                    <a:lumMod val="85000"/>
+                    <a:lumOff val="15000"/>
+                  </a:schemeClr>
+                </a:solidFill>
+                <a:effectLst>
+                  <a:outerShdw dist="38100" dir="2700000" algn="bl" rotWithShape="0">
+                    <a:schemeClr val="accent5"/>
+                  </a:outerShdw>
+                </a:effectLst>
+              </a:rPr>
+              <a:t>MAB</a:t>
+            </a:r>
+            <a:endParaRPr lang="en-US" sz="2800" b="1" cap="none" spc="0" dirty="0">
+              <a:ln w="13462">
+                <a:solidFill>
+                  <a:schemeClr val="bg1"/>
+                </a:solidFill>
+                <a:prstDash val="solid"/>
+              </a:ln>
+              <a:solidFill>
+                <a:schemeClr val="tx1">
+                  <a:lumMod val="85000"/>
+                  <a:lumOff val="15000"/>
+                </a:schemeClr>
+              </a:solidFill>
+              <a:effectLst>
+                <a:outerShdw dist="38100" dir="2700000" algn="bl" rotWithShape="0">
+                  <a:schemeClr val="accent5"/>
+                </a:outerShdw>
+              </a:effectLst>
+            </a:endParaRPr>
+          </a:p>
+        </p:txBody>
+      </p:sp>
+      <p:sp>
+        <p:nvSpPr>
+          <p:cNvPr id="17" name="Rectangle 16">
+            <a:extLst>
+              <a:ext uri="{FF2B5EF4-FFF2-40B4-BE49-F238E27FC236}">
+                <a16:creationId xmlns:a16="http://schemas.microsoft.com/office/drawing/2014/main" id="{E45B9731-61DC-47C1-87EB-2FA7007E4B52}"/>
+              </a:ext>
+            </a:extLst>
+          </p:cNvPr>
+          <p:cNvSpPr/>
+          <p:nvPr/>
+        </p:nvSpPr>
+        <p:spPr>
+          <a:xfrm>
+            <a:off x="6023113" y="1415738"/>
+            <a:ext cx="2282996" cy="1384995"/>
+          </a:xfrm>
+          <a:prstGeom prst="rect">
+            <a:avLst/>
+          </a:prstGeom>
+          <a:noFill/>
+        </p:spPr>
+        <p:txBody>
+          <a:bodyPr wrap="square" lIns="91440" tIns="45720" rIns="91440" bIns="45720">
+            <a:spAutoFit/>
+          </a:bodyPr>
+          <a:lstStyle/>
+          <a:p>
+            <a:pPr algn="ctr"/>
+            <a:r>
+              <a:rPr lang="en-US" sz="2800" b="1" dirty="0">
+                <a:ln w="13462">
+                  <a:solidFill>
+                    <a:schemeClr val="bg1"/>
+                  </a:solidFill>
+                  <a:prstDash val="solid"/>
+                </a:ln>
+                <a:solidFill>
+                  <a:schemeClr val="tx1">
+                    <a:lumMod val="85000"/>
+                    <a:lumOff val="15000"/>
+                  </a:schemeClr>
+                </a:solidFill>
+                <a:effectLst>
+                  <a:outerShdw dist="38100" dir="2700000" algn="bl" rotWithShape="0">
+                    <a:schemeClr val="accent5"/>
+                  </a:outerShdw>
+                </a:effectLst>
+              </a:rPr>
+              <a:t>STP-DCT</a:t>
+            </a:r>
+            <a:br>
+              <a:rPr lang="en-US" sz="2800" b="1" dirty="0">
+                <a:ln w="13462">
+                  <a:solidFill>
+                    <a:schemeClr val="bg1"/>
+                  </a:solidFill>
+                  <a:prstDash val="solid"/>
+                </a:ln>
+                <a:solidFill>
+                  <a:schemeClr val="tx1">
+                    <a:lumMod val="85000"/>
+                    <a:lumOff val="15000"/>
+                  </a:schemeClr>
+                </a:solidFill>
+                <a:effectLst>
+                  <a:outerShdw dist="38100" dir="2700000" algn="bl" rotWithShape="0">
+                    <a:schemeClr val="accent5"/>
+                  </a:outerShdw>
+                </a:effectLst>
+              </a:rPr>
+            </a:br>
+            <a:r>
+              <a:rPr lang="en-US" sz="2800" b="1" dirty="0">
+                <a:ln w="13462">
+                  <a:solidFill>
+                    <a:schemeClr val="bg1"/>
+                  </a:solidFill>
+                  <a:prstDash val="solid"/>
+                </a:ln>
+                <a:solidFill>
+                  <a:schemeClr val="tx1">
+                    <a:lumMod val="85000"/>
+                    <a:lumOff val="15000"/>
+                  </a:schemeClr>
+                </a:solidFill>
+                <a:effectLst>
+                  <a:outerShdw dist="38100" dir="2700000" algn="bl" rotWithShape="0">
+                    <a:schemeClr val="accent5"/>
+                  </a:outerShdw>
+                </a:effectLst>
+              </a:rPr>
+              <a:t>N Back Dichotic</a:t>
+            </a:r>
+            <a:endParaRPr lang="en-US" sz="2800" b="1" cap="none" spc="0" dirty="0">
+              <a:ln w="13462">
+                <a:solidFill>
+                  <a:schemeClr val="bg1"/>
+                </a:solidFill>
+                <a:prstDash val="solid"/>
+              </a:ln>
+              <a:solidFill>
+                <a:schemeClr val="tx1">
+                  <a:lumMod val="85000"/>
+                  <a:lumOff val="15000"/>
+                </a:schemeClr>
+              </a:solidFill>
+              <a:effectLst>
+                <a:outerShdw dist="38100" dir="2700000" algn="bl" rotWithShape="0">
+                  <a:schemeClr val="accent5"/>
+                </a:outerShdw>
+              </a:effectLst>
+            </a:endParaRPr>
+          </a:p>
+        </p:txBody>
+      </p:sp>
+      <p:sp>
+        <p:nvSpPr>
+          <p:cNvPr id="19" name="Rectangle 18">
+            <a:extLst>
+              <a:ext uri="{FF2B5EF4-FFF2-40B4-BE49-F238E27FC236}">
+                <a16:creationId xmlns:a16="http://schemas.microsoft.com/office/drawing/2014/main" id="{0A1CC491-075E-4DE1-8689-B994E8ABD867}"/>
+              </a:ext>
+            </a:extLst>
+          </p:cNvPr>
+          <p:cNvSpPr/>
+          <p:nvPr/>
+        </p:nvSpPr>
+        <p:spPr>
+          <a:xfrm>
+            <a:off x="4672315" y="1335771"/>
+            <a:ext cx="2282996" cy="523220"/>
+          </a:xfrm>
+          <a:prstGeom prst="rect">
+            <a:avLst/>
+          </a:prstGeom>
+          <a:noFill/>
+        </p:spPr>
+        <p:txBody>
+          <a:bodyPr wrap="square" lIns="91440" tIns="45720" rIns="91440" bIns="45720">
+            <a:spAutoFit/>
+          </a:bodyPr>
+          <a:lstStyle/>
+          <a:p>
+            <a:pPr algn="ctr"/>
+            <a:r>
+              <a:rPr lang="en-US" sz="2800" b="1" dirty="0">
+                <a:ln w="13462">
+                  <a:solidFill>
+                    <a:schemeClr val="bg1"/>
+                  </a:solidFill>
+                  <a:prstDash val="solid"/>
+                </a:ln>
+                <a:solidFill>
+                  <a:schemeClr val="tx1">
+                    <a:lumMod val="85000"/>
+                    <a:lumOff val="15000"/>
+                  </a:schemeClr>
+                </a:solidFill>
+                <a:effectLst>
+                  <a:outerShdw dist="38100" dir="2700000" algn="bl" rotWithShape="0">
+                    <a:schemeClr val="accent5"/>
+                  </a:outerShdw>
+                </a:effectLst>
+              </a:rPr>
+              <a:t>MBTRR</a:t>
+            </a:r>
+            <a:endParaRPr lang="en-US" sz="2800" b="1" cap="none" spc="0" dirty="0">
+              <a:ln w="13462">
+                <a:solidFill>
+                  <a:schemeClr val="bg1"/>
+                </a:solidFill>
+                <a:prstDash val="solid"/>
+              </a:ln>
+              <a:solidFill>
+                <a:schemeClr val="tx1">
+                  <a:lumMod val="85000"/>
+                  <a:lumOff val="15000"/>
+                </a:schemeClr>
+              </a:solidFill>
+              <a:effectLst>
+                <a:outerShdw dist="38100" dir="2700000" algn="bl" rotWithShape="0">
+                  <a:schemeClr val="accent5"/>
+                </a:outerShdw>
+              </a:effectLst>
+            </a:endParaRPr>
+          </a:p>
+        </p:txBody>
+      </p:sp>
+      <p:sp>
+        <p:nvSpPr>
+          <p:cNvPr id="20" name="Rectangle 19">
+            <a:extLst>
+              <a:ext uri="{FF2B5EF4-FFF2-40B4-BE49-F238E27FC236}">
+                <a16:creationId xmlns:a16="http://schemas.microsoft.com/office/drawing/2014/main" id="{3DD395B1-3E87-427F-A2E8-2F64697D3D59}"/>
+              </a:ext>
+            </a:extLst>
+          </p:cNvPr>
+          <p:cNvSpPr/>
+          <p:nvPr/>
+        </p:nvSpPr>
+        <p:spPr>
+          <a:xfrm>
+            <a:off x="7077387" y="1585015"/>
+            <a:ext cx="2282996" cy="523220"/>
+          </a:xfrm>
+          <a:prstGeom prst="rect">
+            <a:avLst/>
+          </a:prstGeom>
+          <a:noFill/>
+        </p:spPr>
+        <p:txBody>
+          <a:bodyPr wrap="square" lIns="91440" tIns="45720" rIns="91440" bIns="45720">
+            <a:spAutoFit/>
+          </a:bodyPr>
+          <a:lstStyle/>
+          <a:p>
+            <a:pPr algn="ctr"/>
+            <a:r>
+              <a:rPr lang="en-US" sz="2800" b="1" dirty="0">
+                <a:ln w="13462">
+                  <a:solidFill>
+                    <a:schemeClr val="bg1"/>
+                  </a:solidFill>
+                  <a:prstDash val="solid"/>
+                </a:ln>
+                <a:solidFill>
+                  <a:schemeClr val="tx1">
+                    <a:lumMod val="85000"/>
+                    <a:lumOff val="15000"/>
+                  </a:schemeClr>
+                </a:solidFill>
+                <a:effectLst>
+                  <a:outerShdw dist="38100" dir="2700000" algn="bl" rotWithShape="0">
+                    <a:schemeClr val="accent5"/>
+                  </a:outerShdw>
+                </a:effectLst>
+              </a:rPr>
+              <a:t>MAT</a:t>
+            </a:r>
+            <a:endParaRPr lang="en-US" sz="2800" b="1" cap="none" spc="0" dirty="0">
+              <a:ln w="13462">
+                <a:solidFill>
+                  <a:schemeClr val="bg1"/>
+                </a:solidFill>
+                <a:prstDash val="solid"/>
+              </a:ln>
+              <a:solidFill>
+                <a:schemeClr val="tx1">
+                  <a:lumMod val="85000"/>
+                  <a:lumOff val="15000"/>
+                </a:schemeClr>
+              </a:solidFill>
+              <a:effectLst>
+                <a:outerShdw dist="38100" dir="2700000" algn="bl" rotWithShape="0">
+                  <a:schemeClr val="accent5"/>
+                </a:outerShdw>
+              </a:effectLst>
+            </a:endParaRPr>
+          </a:p>
+        </p:txBody>
+      </p:sp>
+      <p:sp>
+        <p:nvSpPr>
+          <p:cNvPr id="21" name="Rectangle 20">
+            <a:extLst>
+              <a:ext uri="{FF2B5EF4-FFF2-40B4-BE49-F238E27FC236}">
+                <a16:creationId xmlns:a16="http://schemas.microsoft.com/office/drawing/2014/main" id="{3D4D1F02-CD88-464F-AC3F-0CB9CEA1FB62}"/>
+              </a:ext>
+            </a:extLst>
+          </p:cNvPr>
+          <p:cNvSpPr/>
+          <p:nvPr/>
+        </p:nvSpPr>
+        <p:spPr>
+          <a:xfrm rot="20104218">
+            <a:off x="-259418" y="1503607"/>
+            <a:ext cx="2282996" cy="523220"/>
+          </a:xfrm>
+          <a:prstGeom prst="rect">
+            <a:avLst/>
+          </a:prstGeom>
+          <a:noFill/>
+        </p:spPr>
+        <p:txBody>
+          <a:bodyPr wrap="square" lIns="91440" tIns="45720" rIns="91440" bIns="45720">
+            <a:spAutoFit/>
+          </a:bodyPr>
+          <a:lstStyle/>
+          <a:p>
+            <a:pPr algn="ctr"/>
+            <a:r>
+              <a:rPr lang="en-US" sz="2800" b="1" dirty="0">
+                <a:ln w="13462">
+                  <a:solidFill>
+                    <a:schemeClr val="bg1"/>
+                  </a:solidFill>
+                  <a:prstDash val="solid"/>
+                </a:ln>
+                <a:solidFill>
+                  <a:srgbClr val="00B050"/>
+                </a:solidFill>
+                <a:effectLst>
+                  <a:outerShdw dist="38100" dir="2700000" algn="bl" rotWithShape="0">
+                    <a:schemeClr val="accent5"/>
+                  </a:outerShdw>
+                </a:effectLst>
+              </a:rPr>
+              <a:t>WT*?!</a:t>
+            </a:r>
+            <a:endParaRPr lang="en-US" sz="2800" b="1" cap="none" spc="0" dirty="0">
+              <a:ln w="13462">
+                <a:solidFill>
+                  <a:schemeClr val="bg1"/>
+                </a:solidFill>
+                <a:prstDash val="solid"/>
+              </a:ln>
+              <a:solidFill>
+                <a:srgbClr val="00B050"/>
+              </a:solidFill>
+              <a:effectLst>
+                <a:outerShdw dist="38100" dir="2700000" algn="bl" rotWithShape="0">
+                  <a:schemeClr val="accent5"/>
+                </a:outerShdw>
+              </a:effectLst>
+            </a:endParaRPr>
+          </a:p>
+        </p:txBody>
+      </p:sp>
+      <p:sp>
+        <p:nvSpPr>
+          <p:cNvPr id="23" name="Rectangle 22">
+            <a:extLst>
+              <a:ext uri="{FF2B5EF4-FFF2-40B4-BE49-F238E27FC236}">
+                <a16:creationId xmlns:a16="http://schemas.microsoft.com/office/drawing/2014/main" id="{65EB723C-7A0B-4D06-A452-45623B117BCF}"/>
+              </a:ext>
+            </a:extLst>
+          </p:cNvPr>
+          <p:cNvSpPr/>
+          <p:nvPr/>
+        </p:nvSpPr>
+        <p:spPr>
+          <a:xfrm>
+            <a:off x="3151222" y="900053"/>
+            <a:ext cx="2282996" cy="954107"/>
+          </a:xfrm>
+          <a:prstGeom prst="rect">
+            <a:avLst/>
+          </a:prstGeom>
+          <a:noFill/>
+        </p:spPr>
+        <p:txBody>
+          <a:bodyPr wrap="square" lIns="91440" tIns="45720" rIns="91440" bIns="45720">
+            <a:spAutoFit/>
+          </a:bodyPr>
+          <a:lstStyle/>
+          <a:p>
+            <a:pPr algn="ctr"/>
+            <a:r>
+              <a:rPr lang="en-US" sz="2800" b="1" dirty="0">
+                <a:ln w="13462">
+                  <a:solidFill>
+                    <a:schemeClr val="bg1"/>
+                  </a:solidFill>
+                  <a:prstDash val="solid"/>
+                </a:ln>
+                <a:solidFill>
+                  <a:schemeClr val="tx1">
+                    <a:lumMod val="50000"/>
+                  </a:schemeClr>
+                </a:solidFill>
+                <a:effectLst>
+                  <a:outerShdw dist="38100" dir="2700000" algn="bl" rotWithShape="0">
+                    <a:schemeClr val="accent5"/>
+                  </a:outerShdw>
+                </a:effectLst>
+              </a:rPr>
+              <a:t>“Are you following?”</a:t>
+            </a:r>
+            <a:endParaRPr lang="en-US" sz="2800" b="1" cap="none" spc="0" dirty="0">
+              <a:ln w="13462">
+                <a:solidFill>
+                  <a:schemeClr val="bg1"/>
+                </a:solidFill>
+                <a:prstDash val="solid"/>
+              </a:ln>
+              <a:solidFill>
+                <a:schemeClr val="tx1">
+                  <a:lumMod val="50000"/>
+                </a:schemeClr>
+              </a:solidFill>
+              <a:effectLst>
+                <a:outerShdw dist="38100" dir="2700000" algn="bl" rotWithShape="0">
+                  <a:schemeClr val="accent5"/>
+                </a:outerShdw>
+              </a:effectLst>
+            </a:endParaRPr>
+          </a:p>
+        </p:txBody>
+      </p:sp>
+    </p:spTree>
+    <p:extLst>
+      <p:ext uri="{BB962C8B-B14F-4D97-AF65-F5344CB8AC3E}">
+        <p14:creationId xmlns:p14="http://schemas.microsoft.com/office/powerpoint/2010/main" val="2708842119"/>
+      </p:ext>
+    </p:extLst>
+  </p:cSld>
+  <p:clrMapOvr>
+    <a:masterClrMapping/>
+  </p:clrMapOvr>
+  <p:timing>
+    <p:tnLst>
+      <p:par>
+        <p:cTn id="1" dur="indefinite" restart="never" nodeType="tmRoot">
+          <p:childTnLst>
+            <p:seq concurrent="1" nextAc="seek">
+              <p:cTn id="2" dur="indefinite" nodeType="mainSeq">
+                <p:childTnLst>
+                  <p:par>
+                    <p:cTn id="3" fill="hold">
+                      <p:stCondLst>
+                        <p:cond delay="indefinite"/>
+                      </p:stCondLst>
+                      <p:childTnLst>
+                        <p:par>
+                          <p:cTn id="4" fill="hold">
+                            <p:stCondLst>
+                              <p:cond delay="0"/>
+                            </p:stCondLst>
+                            <p:childTnLst>
+                              <p:par>
+                                <p:cTn id="5" presetID="22" presetClass="entr" presetSubtype="4" fill="hold" grpId="0" nodeType="clickEffect">
+                                  <p:stCondLst>
+                                    <p:cond delay="0"/>
+                                  </p:stCondLst>
+                                  <p:childTnLst>
+                                    <p:set>
+                                      <p:cBhvr>
+                                        <p:cTn id="6" dur="1" fill="hold">
+                                          <p:stCondLst>
+                                            <p:cond delay="0"/>
+                                          </p:stCondLst>
+                                        </p:cTn>
+                                        <p:tgtEl>
+                                          <p:spTgt spid="4"/>
+                                        </p:tgtEl>
+                                        <p:attrNameLst>
+                                          <p:attrName>style.visibility</p:attrName>
+                                        </p:attrNameLst>
+                                      </p:cBhvr>
+                                      <p:to>
+                                        <p:strVal val="visible"/>
+                                      </p:to>
+                                    </p:set>
+                                    <p:animEffect transition="in" filter="wipe(down)">
+                                      <p:cBhvr>
+                                        <p:cTn id="7" dur="500"/>
+                                        <p:tgtEl>
+                                          <p:spTgt spid="4"/>
+                                        </p:tgtEl>
+                                      </p:cBhvr>
+                                    </p:animEffect>
+                                  </p:childTnLst>
+                                </p:cTn>
+                              </p:par>
+                              <p:par>
+                                <p:cTn id="8" presetID="22" presetClass="entr" presetSubtype="4" fill="hold" grpId="0" nodeType="withEffect">
+                                  <p:stCondLst>
+                                    <p:cond delay="0"/>
+                                  </p:stCondLst>
+                                  <p:childTnLst>
+                                    <p:set>
+                                      <p:cBhvr>
+                                        <p:cTn id="9" dur="1" fill="hold">
+                                          <p:stCondLst>
+                                            <p:cond delay="0"/>
+                                          </p:stCondLst>
+                                        </p:cTn>
+                                        <p:tgtEl>
+                                          <p:spTgt spid="15"/>
+                                        </p:tgtEl>
+                                        <p:attrNameLst>
+                                          <p:attrName>style.visibility</p:attrName>
+                                        </p:attrNameLst>
+                                      </p:cBhvr>
+                                      <p:to>
+                                        <p:strVal val="visible"/>
+                                      </p:to>
+                                    </p:set>
+                                    <p:animEffect transition="in" filter="wipe(down)">
+                                      <p:cBhvr>
+                                        <p:cTn id="10" dur="500"/>
+                                        <p:tgtEl>
+                                          <p:spTgt spid="15"/>
+                                        </p:tgtEl>
+                                      </p:cBhvr>
+                                    </p:animEffect>
+                                  </p:childTnLst>
+                                </p:cTn>
+                              </p:par>
+                              <p:par>
+                                <p:cTn id="11" presetID="22" presetClass="entr" presetSubtype="4" fill="hold" grpId="0" nodeType="withEffect">
+                                  <p:stCondLst>
+                                    <p:cond delay="0"/>
+                                  </p:stCondLst>
+                                  <p:childTnLst>
+                                    <p:set>
+                                      <p:cBhvr>
+                                        <p:cTn id="12" dur="1" fill="hold">
+                                          <p:stCondLst>
+                                            <p:cond delay="0"/>
+                                          </p:stCondLst>
+                                        </p:cTn>
+                                        <p:tgtEl>
+                                          <p:spTgt spid="23"/>
+                                        </p:tgtEl>
+                                        <p:attrNameLst>
+                                          <p:attrName>style.visibility</p:attrName>
+                                        </p:attrNameLst>
+                                      </p:cBhvr>
+                                      <p:to>
+                                        <p:strVal val="visible"/>
+                                      </p:to>
+                                    </p:set>
+                                    <p:animEffect transition="in" filter="wipe(down)">
+                                      <p:cBhvr>
+                                        <p:cTn id="13" dur="500"/>
+                                        <p:tgtEl>
+                                          <p:spTgt spid="23"/>
+                                        </p:tgtEl>
+                                      </p:cBhvr>
+                                    </p:animEffect>
+                                  </p:childTnLst>
+                                </p:cTn>
+                              </p:par>
+                              <p:par>
+                                <p:cTn id="14" presetID="22" presetClass="entr" presetSubtype="4" fill="hold" grpId="0" nodeType="withEffect">
+                                  <p:stCondLst>
+                                    <p:cond delay="0"/>
+                                  </p:stCondLst>
+                                  <p:childTnLst>
+                                    <p:set>
+                                      <p:cBhvr>
+                                        <p:cTn id="15" dur="1" fill="hold">
+                                          <p:stCondLst>
+                                            <p:cond delay="0"/>
+                                          </p:stCondLst>
+                                        </p:cTn>
+                                        <p:tgtEl>
+                                          <p:spTgt spid="19"/>
+                                        </p:tgtEl>
+                                        <p:attrNameLst>
+                                          <p:attrName>style.visibility</p:attrName>
+                                        </p:attrNameLst>
+                                      </p:cBhvr>
+                                      <p:to>
+                                        <p:strVal val="visible"/>
+                                      </p:to>
+                                    </p:set>
+                                    <p:animEffect transition="in" filter="wipe(down)">
+                                      <p:cBhvr>
+                                        <p:cTn id="16" dur="500"/>
+                                        <p:tgtEl>
+                                          <p:spTgt spid="19"/>
+                                        </p:tgtEl>
+                                      </p:cBhvr>
+                                    </p:animEffect>
+                                  </p:childTnLst>
+                                </p:cTn>
+                              </p:par>
+                              <p:par>
+                                <p:cTn id="17" presetID="22" presetClass="entr" presetSubtype="4" fill="hold" grpId="0" nodeType="withEffect">
+                                  <p:stCondLst>
+                                    <p:cond delay="0"/>
+                                  </p:stCondLst>
+                                  <p:childTnLst>
+                                    <p:set>
+                                      <p:cBhvr>
+                                        <p:cTn id="18" dur="1" fill="hold">
+                                          <p:stCondLst>
+                                            <p:cond delay="0"/>
+                                          </p:stCondLst>
+                                        </p:cTn>
+                                        <p:tgtEl>
+                                          <p:spTgt spid="20"/>
+                                        </p:tgtEl>
+                                        <p:attrNameLst>
+                                          <p:attrName>style.visibility</p:attrName>
+                                        </p:attrNameLst>
+                                      </p:cBhvr>
+                                      <p:to>
+                                        <p:strVal val="visible"/>
+                                      </p:to>
+                                    </p:set>
+                                    <p:animEffect transition="in" filter="wipe(down)">
+                                      <p:cBhvr>
+                                        <p:cTn id="19" dur="500"/>
+                                        <p:tgtEl>
+                                          <p:spTgt spid="20"/>
+                                        </p:tgtEl>
+                                      </p:cBhvr>
+                                    </p:animEffect>
+                                  </p:childTnLst>
+                                </p:cTn>
+                              </p:par>
+                              <p:par>
+                                <p:cTn id="20" presetID="22" presetClass="entr" presetSubtype="4" fill="hold" grpId="0" nodeType="withEffect">
+                                  <p:stCondLst>
+                                    <p:cond delay="0"/>
+                                  </p:stCondLst>
+                                  <p:childTnLst>
+                                    <p:set>
+                                      <p:cBhvr>
+                                        <p:cTn id="21" dur="1" fill="hold">
+                                          <p:stCondLst>
+                                            <p:cond delay="0"/>
+                                          </p:stCondLst>
+                                        </p:cTn>
+                                        <p:tgtEl>
+                                          <p:spTgt spid="17"/>
+                                        </p:tgtEl>
+                                        <p:attrNameLst>
+                                          <p:attrName>style.visibility</p:attrName>
+                                        </p:attrNameLst>
+                                      </p:cBhvr>
+                                      <p:to>
+                                        <p:strVal val="visible"/>
+                                      </p:to>
+                                    </p:set>
+                                    <p:animEffect transition="in" filter="wipe(down)">
+                                      <p:cBhvr>
+                                        <p:cTn id="22" dur="500"/>
+                                        <p:tgtEl>
+                                          <p:spTgt spid="17"/>
+                                        </p:tgtEl>
+                                      </p:cBhvr>
+                                    </p:animEffect>
+                                  </p:childTnLst>
+                                </p:cTn>
+                              </p:par>
+                            </p:childTnLst>
+                          </p:cTn>
+                        </p:par>
+                      </p:childTnLst>
+                    </p:cTn>
+                  </p:par>
+                  <p:par>
+                    <p:cTn id="23" fill="hold">
+                      <p:stCondLst>
+                        <p:cond delay="indefinite"/>
+                      </p:stCondLst>
+                      <p:childTnLst>
+                        <p:par>
+                          <p:cTn id="24" fill="hold">
+                            <p:stCondLst>
+                              <p:cond delay="0"/>
+                            </p:stCondLst>
+                            <p:childTnLst>
+                              <p:par>
+                                <p:cTn id="25" presetID="1" presetClass="entr" presetSubtype="0" fill="hold" nodeType="clickEffect">
+                                  <p:stCondLst>
+                                    <p:cond delay="0"/>
+                                  </p:stCondLst>
+                                  <p:childTnLst>
+                                    <p:set>
+                                      <p:cBhvr>
+                                        <p:cTn id="26" dur="1" fill="hold">
+                                          <p:stCondLst>
+                                            <p:cond delay="0"/>
+                                          </p:stCondLst>
+                                        </p:cTn>
+                                        <p:tgtEl>
+                                          <p:spTgt spid="22"/>
+                                        </p:tgtEl>
+                                        <p:attrNameLst>
+                                          <p:attrName>style.visibility</p:attrName>
+                                        </p:attrNameLst>
+                                      </p:cBhvr>
+                                      <p:to>
+                                        <p:strVal val="visible"/>
+                                      </p:to>
+                                    </p:set>
+                                  </p:childTnLst>
+                                </p:cTn>
+                              </p:par>
+                              <p:par>
+                                <p:cTn id="27" presetID="1" presetClass="entr" presetSubtype="0" fill="hold" grpId="0" nodeType="withEffect">
+                                  <p:stCondLst>
+                                    <p:cond delay="0"/>
+                                  </p:stCondLst>
+                                  <p:childTnLst>
+                                    <p:set>
+                                      <p:cBhvr>
+                                        <p:cTn id="28" dur="1" fill="hold">
+                                          <p:stCondLst>
+                                            <p:cond delay="0"/>
+                                          </p:stCondLst>
+                                        </p:cTn>
+                                        <p:tgtEl>
+                                          <p:spTgt spid="21"/>
+                                        </p:tgtEl>
+                                        <p:attrNameLst>
+                                          <p:attrName>style.visibility</p:attrName>
+                                        </p:attrNameLst>
+                                      </p:cBhvr>
+                                      <p:to>
+                                        <p:strVal val="visible"/>
+                                      </p:to>
+                                    </p:set>
+                                  </p:childTnLst>
+                                </p:cTn>
+                              </p:par>
+                            </p:childTnLst>
+                          </p:cTn>
+                        </p:par>
+                      </p:childTnLst>
+                    </p:cTn>
+                  </p:par>
+                </p:childTnLst>
+              </p:cTn>
+              <p:prevCondLst>
+                <p:cond evt="onPrev" delay="0">
+                  <p:tgtEl>
+                    <p:sldTgt/>
+                  </p:tgtEl>
+                </p:cond>
+              </p:prevCondLst>
+              <p:nextCondLst>
+                <p:cond evt="onNext" delay="0">
+                  <p:tgtEl>
+                    <p:sldTgt/>
+                  </p:tgtEl>
+                </p:cond>
+              </p:nextCondLst>
+            </p:seq>
+          </p:childTnLst>
+        </p:cTn>
+      </p:par>
+    </p:tnLst>
+    <p:bldLst>
+      <p:bldP spid="4" grpId="0"/>
+      <p:bldP spid="15" grpId="0"/>
+      <p:bldP spid="17" grpId="0"/>
+      <p:bldP spid="19" grpId="0"/>
+      <p:bldP spid="20" grpId="0"/>
+      <p:bldP spid="21" grpId="0"/>
+      <p:bldP spid="23" grpId="0"/>
+    </p:bldLst>
+  </p:timing>
+</p:sld>
+</file>
+
+<file path=ppt/slides/slide4.xml><?xml version="1.0" encoding="utf-8"?>
+<p:sld xmlns:a="http://schemas.openxmlformats.org/drawingml/2006/main" xmlns:r="http://schemas.openxmlformats.org/officeDocument/2006/relationships" xmlns:p="http://schemas.openxmlformats.org/presentationml/2006/main">
+  <p:cSld>
+    <p:spTree>
+      <p:nvGrpSpPr>
+        <p:cNvPr id="1" name="Shape 102"/>
+        <p:cNvGrpSpPr/>
+        <p:nvPr/>
+      </p:nvGrpSpPr>
+      <p:grpSpPr>
+        <a:xfrm>
+          <a:off x="0" y="0"/>
+          <a:ext cx="0" cy="0"/>
+          <a:chOff x="0" y="0"/>
+          <a:chExt cx="0" cy="0"/>
+        </a:xfrm>
+      </p:grpSpPr>
+      <p:sp>
+        <p:nvSpPr>
+          <p:cNvPr id="103" name="Google Shape;103;p22"/>
+          <p:cNvSpPr txBox="1">
+            <a:spLocks noGrp="1"/>
+          </p:cNvSpPr>
+          <p:nvPr>
+            <p:ph type="title"/>
+          </p:nvPr>
+        </p:nvSpPr>
+        <p:spPr>
+          <a:xfrm>
+            <a:off x="457200" y="-22622"/>
+            <a:ext cx="8229600" cy="857400"/>
+          </a:xfrm>
+          <a:prstGeom prst="rect">
+            <a:avLst/>
+          </a:prstGeom>
+        </p:spPr>
+        <p:txBody>
+          <a:bodyPr spcFirstLastPara="1" wrap="square" lIns="91425" tIns="91425" rIns="91425" bIns="91425" anchor="ctr" anchorCtr="0">
+            <a:noAutofit/>
+          </a:bodyPr>
+          <a:lstStyle/>
+          <a:p>
+            <a:pPr marL="0" lvl="0" indent="0" algn="ctr" rtl="0">
+              <a:spcBef>
+                <a:spcPts val="0"/>
+              </a:spcBef>
+              <a:spcAft>
+                <a:spcPts val="0"/>
+              </a:spcAft>
+              <a:buNone/>
+            </a:pPr>
+            <a:r>
+              <a:rPr lang="en-US" sz="3200" dirty="0"/>
+              <a:t>Overview</a:t>
+            </a:r>
+            <a:endParaRPr sz="3200" dirty="0"/>
+          </a:p>
+        </p:txBody>
+      </p:sp>
+      <p:sp>
+        <p:nvSpPr>
+          <p:cNvPr id="104" name="Google Shape;104;p22"/>
+          <p:cNvSpPr txBox="1">
+            <a:spLocks noGrp="1"/>
+          </p:cNvSpPr>
+          <p:nvPr>
+            <p:ph type="body" idx="1"/>
+          </p:nvPr>
+        </p:nvSpPr>
+        <p:spPr>
+          <a:xfrm>
+            <a:off x="911700" y="834778"/>
+            <a:ext cx="7320600" cy="3659702"/>
+          </a:xfrm>
+          <a:prstGeom prst="rect">
+            <a:avLst/>
+          </a:prstGeom>
+        </p:spPr>
+        <p:txBody>
+          <a:bodyPr spcFirstLastPara="1" wrap="square" lIns="91425" tIns="91425" rIns="91425" bIns="91425" anchor="t" anchorCtr="0">
+            <a:noAutofit/>
+          </a:bodyPr>
+          <a:lstStyle/>
+          <a:p>
+            <a:r>
+              <a:rPr lang="en-US" sz="1800" dirty="0"/>
+              <a:t>Aims:</a:t>
+            </a:r>
+          </a:p>
+          <a:p>
+            <a:pPr lvl="1"/>
+            <a:r>
+              <a:rPr lang="en-US" sz="1800" dirty="0"/>
+              <a:t>Developing a novel brief mindfulness-meditation (BMM) training for internal attentional biases</a:t>
+            </a:r>
+          </a:p>
+          <a:p>
+            <a:pPr lvl="1"/>
+            <a:r>
+              <a:rPr lang="en-US" sz="1800" dirty="0"/>
+              <a:t>Comparing  AFACT, BMM  and placebo training groups on the following measures :</a:t>
+            </a:r>
+          </a:p>
+          <a:p>
+            <a:r>
+              <a:rPr lang="en-US" sz="1800" dirty="0"/>
+              <a:t>Measures:</a:t>
+            </a:r>
+          </a:p>
+          <a:p>
+            <a:pPr lvl="1"/>
+            <a:r>
+              <a:rPr lang="en-US" sz="1800" dirty="0"/>
+              <a:t>Quantifying internal attentional control</a:t>
+            </a:r>
+          </a:p>
+          <a:p>
+            <a:pPr lvl="1"/>
+            <a:r>
+              <a:rPr lang="en-US" sz="1800" dirty="0"/>
+              <a:t>Quantifying Meta-awareness for internal attentional bias</a:t>
+            </a:r>
+          </a:p>
+          <a:p>
+            <a:pPr lvl="1"/>
+            <a:r>
+              <a:rPr lang="en-US" sz="1800" dirty="0"/>
+              <a:t>Testing generalizability of training to internal attentional bias with internal demand</a:t>
+            </a:r>
+          </a:p>
+          <a:p>
+            <a:r>
+              <a:rPr lang="en-US" sz="1800" dirty="0"/>
+              <a:t>Population:</a:t>
+            </a:r>
+          </a:p>
+          <a:p>
+            <a:pPr lvl="1"/>
+            <a:r>
+              <a:rPr lang="en-US" sz="1800" dirty="0"/>
+              <a:t>Students with heigh tendency towards negative repetitive thinking</a:t>
+            </a:r>
+          </a:p>
+        </p:txBody>
+      </p:sp>
+      <p:sp>
+        <p:nvSpPr>
+          <p:cNvPr id="105" name="Google Shape;105;p22"/>
+          <p:cNvSpPr txBox="1">
+            <a:spLocks noGrp="1"/>
+          </p:cNvSpPr>
+          <p:nvPr>
+            <p:ph type="sldNum" idx="12"/>
+          </p:nvPr>
+        </p:nvSpPr>
+        <p:spPr>
+          <a:xfrm>
+            <a:off x="4297650" y="4859852"/>
+            <a:ext cx="548700" cy="283800"/>
+          </a:xfrm>
+          <a:prstGeom prst="rect">
+            <a:avLst/>
+          </a:prstGeom>
+        </p:spPr>
+        <p:txBody>
+          <a:bodyPr spcFirstLastPara="1" wrap="square" lIns="91425" tIns="91425" rIns="91425" bIns="91425" anchor="t" anchorCtr="0">
+            <a:noAutofit/>
+          </a:bodyPr>
+          <a:lstStyle/>
+          <a:p>
+            <a:pPr marL="0" lvl="0" indent="0" algn="ctr" rtl="0">
+              <a:spcBef>
+                <a:spcPts val="0"/>
+              </a:spcBef>
+              <a:spcAft>
+                <a:spcPts val="0"/>
+              </a:spcAft>
+              <a:buNone/>
+            </a:pPr>
+            <a:fld id="{00000000-1234-1234-1234-123412341234}" type="slidenum">
+              <a:rPr lang="en"/>
+              <a:t>4</a:t>
+            </a:fld>
+            <a:endParaRPr/>
+          </a:p>
+        </p:txBody>
+      </p:sp>
+    </p:spTree>
+    <p:extLst>
+      <p:ext uri="{BB962C8B-B14F-4D97-AF65-F5344CB8AC3E}">
+        <p14:creationId xmlns:p14="http://schemas.microsoft.com/office/powerpoint/2010/main" val="3599709467"/>
+      </p:ext>
+    </p:extLst>
+  </p:cSld>
+  <p:clrMapOvr>
+    <a:masterClrMapping/>
+  </p:clrMapOvr>
+</p:sld>
+</file>
+
+<file path=ppt/slides/slide5.xml><?xml version="1.0" encoding="utf-8"?>
 <p:sld xmlns:a="http://schemas.openxmlformats.org/drawingml/2006/main" xmlns:r="http://schemas.openxmlformats.org/officeDocument/2006/relationships" xmlns:p="http://schemas.openxmlformats.org/presentationml/2006/main">
   <p:cSld>
     <p:bg>
@@ -17509,7 +20195,7 @@
             </a:pPr>
             <a:fld id="{00000000-1234-1234-1234-123412341234}" type="slidenum">
               <a:rPr lang="en"/>
-              <a:t>3</a:t>
+              <a:t>5</a:t>
             </a:fld>
             <a:endParaRPr dirty="0"/>
           </a:p>
@@ -17528,7 +20214,7 @@
 </p:sld>
 </file>
 
-<file path=ppt/slides/slide4.xml><?xml version="1.0" encoding="utf-8"?>
+<file path=ppt/slides/slide6.xml><?xml version="1.0" encoding="utf-8"?>
 <p:sld xmlns:a="http://schemas.openxmlformats.org/drawingml/2006/main" xmlns:r="http://schemas.openxmlformats.org/officeDocument/2006/relationships" xmlns:p="http://schemas.openxmlformats.org/presentationml/2006/main">
   <p:cSld>
     <p:spTree>
@@ -17832,7 +20518,7 @@
             </a:pPr>
             <a:fld id="{00000000-1234-1234-1234-123412341234}" type="slidenum">
               <a:rPr lang="en"/>
-              <a:t>4</a:t>
+              <a:t>6</a:t>
             </a:fld>
             <a:endParaRPr/>
           </a:p>
@@ -18034,7 +20720,7 @@
 </p:sld>
 </file>
 
-<file path=ppt/slides/slide5.xml><?xml version="1.0" encoding="utf-8"?>
+<file path=ppt/slides/slide7.xml><?xml version="1.0" encoding="utf-8"?>
 <p:sld xmlns:a="http://schemas.openxmlformats.org/drawingml/2006/main" xmlns:r="http://schemas.openxmlformats.org/officeDocument/2006/relationships" xmlns:p="http://schemas.openxmlformats.org/presentationml/2006/main">
   <p:cSld>
     <p:bg>
@@ -18142,7 +20828,7 @@
             </a:pPr>
             <a:fld id="{00000000-1234-1234-1234-123412341234}" type="slidenum">
               <a:rPr lang="en"/>
-              <a:t>5</a:t>
+              <a:t>7</a:t>
             </a:fld>
             <a:endParaRPr/>
           </a:p>
@@ -18161,7 +20847,7 @@
 </p:sld>
 </file>
 
-<file path=ppt/slides/slide6.xml><?xml version="1.0" encoding="utf-8"?>
+<file path=ppt/slides/slide8.xml><?xml version="1.0" encoding="utf-8"?>
 <p:sld xmlns:a="http://schemas.openxmlformats.org/drawingml/2006/main" xmlns:r="http://schemas.openxmlformats.org/officeDocument/2006/relationships" xmlns:p="http://schemas.openxmlformats.org/presentationml/2006/main">
   <p:cSld>
     <p:bg>
@@ -18285,1055 +20971,13 @@
             </a:pPr>
             <a:fld id="{00000000-1234-1234-1234-123412341234}" type="slidenum">
               <a:rPr lang="en"/>
-              <a:t>6</a:t>
+              <a:t>8</a:t>
             </a:fld>
             <a:endParaRPr/>
           </a:p>
         </p:txBody>
       </p:sp>
     </p:spTree>
-  </p:cSld>
-  <p:clrMapOvr>
-    <a:masterClrMapping/>
-  </p:clrMapOvr>
-</p:sld>
-</file>
-
-<file path=ppt/slides/slide7.xml><?xml version="1.0" encoding="utf-8"?>
-<p:sld xmlns:a="http://schemas.openxmlformats.org/drawingml/2006/main" xmlns:r="http://schemas.openxmlformats.org/officeDocument/2006/relationships" xmlns:p="http://schemas.openxmlformats.org/presentationml/2006/main">
-  <p:cSld>
-    <p:spTree>
-      <p:nvGrpSpPr>
-        <p:cNvPr id="1" name="Shape 72"/>
-        <p:cNvGrpSpPr/>
-        <p:nvPr/>
-      </p:nvGrpSpPr>
-      <p:grpSpPr>
-        <a:xfrm>
-          <a:off x="0" y="0"/>
-          <a:ext cx="0" cy="0"/>
-          <a:chOff x="0" y="0"/>
-          <a:chExt cx="0" cy="0"/>
-        </a:xfrm>
-      </p:grpSpPr>
-      <p:sp>
-        <p:nvSpPr>
-          <p:cNvPr id="73" name="Google Shape;73;p18"/>
-          <p:cNvSpPr txBox="1">
-            <a:spLocks noGrp="1"/>
-          </p:cNvSpPr>
-          <p:nvPr>
-            <p:ph type="title"/>
-          </p:nvPr>
-        </p:nvSpPr>
-        <p:spPr>
-          <a:xfrm>
-            <a:off x="-481356" y="-134110"/>
-            <a:ext cx="9430512" cy="857400"/>
-          </a:xfrm>
-          <a:prstGeom prst="rect">
-            <a:avLst/>
-          </a:prstGeom>
-        </p:spPr>
-        <p:txBody>
-          <a:bodyPr spcFirstLastPara="1" wrap="square" lIns="91425" tIns="91425" rIns="91425" bIns="91425" anchor="ctr" anchorCtr="0">
-            <a:noAutofit/>
-          </a:bodyPr>
-          <a:lstStyle/>
-          <a:p>
-            <a:pPr marL="0" lvl="0" indent="0" algn="ctr" rtl="0">
-              <a:spcBef>
-                <a:spcPts val="0"/>
-              </a:spcBef>
-              <a:spcAft>
-                <a:spcPts val="0"/>
-              </a:spcAft>
-              <a:buNone/>
-            </a:pPr>
-            <a:r>
-              <a:rPr lang="en-GB" sz="3200" dirty="0"/>
-              <a:t>	meta-awareness and attentional control</a:t>
-            </a:r>
-            <a:endParaRPr sz="3200" dirty="0"/>
-          </a:p>
-        </p:txBody>
-      </p:sp>
-      <p:sp>
-        <p:nvSpPr>
-          <p:cNvPr id="74" name="Google Shape;74;p18"/>
-          <p:cNvSpPr txBox="1"/>
-          <p:nvPr/>
-        </p:nvSpPr>
-        <p:spPr>
-          <a:xfrm>
-            <a:off x="457200" y="1107413"/>
-            <a:ext cx="3776700" cy="1655400"/>
-          </a:xfrm>
-          <a:prstGeom prst="rect">
-            <a:avLst/>
-          </a:prstGeom>
-          <a:noFill/>
-          <a:ln>
-            <a:noFill/>
-          </a:ln>
-        </p:spPr>
-        <p:txBody>
-          <a:bodyPr spcFirstLastPara="1" wrap="square" lIns="91425" tIns="91425" rIns="91425" bIns="91425" anchor="t" anchorCtr="0">
-            <a:noAutofit/>
-          </a:bodyPr>
-          <a:lstStyle/>
-          <a:p>
-            <a:pPr marL="0" lvl="0" indent="0" algn="l" rtl="0">
-              <a:spcBef>
-                <a:spcPts val="600"/>
-              </a:spcBef>
-              <a:spcAft>
-                <a:spcPts val="0"/>
-              </a:spcAft>
-              <a:buNone/>
-            </a:pPr>
-            <a:r>
-              <a:rPr lang="en-US" sz="1800" b="1" dirty="0">
-                <a:solidFill>
-                  <a:schemeClr val="dk1"/>
-                </a:solidFill>
-                <a:latin typeface="Source Sans Pro"/>
-                <a:ea typeface="Source Sans Pro"/>
-                <a:cs typeface="Source Sans Pro"/>
-                <a:sym typeface="Source Sans Pro"/>
-              </a:rPr>
-              <a:t>The function of Meta-Awareness</a:t>
-            </a:r>
-            <a:endParaRPr sz="1800" dirty="0">
-              <a:solidFill>
-                <a:schemeClr val="dk1"/>
-              </a:solidFill>
-              <a:latin typeface="Source Sans Pro"/>
-              <a:ea typeface="Source Sans Pro"/>
-              <a:cs typeface="Source Sans Pro"/>
-              <a:sym typeface="Source Sans Pro"/>
-            </a:endParaRPr>
-          </a:p>
-          <a:p>
-            <a:pPr marL="342900" lvl="0" indent="-342900" algn="l" rtl="0">
-              <a:spcBef>
-                <a:spcPts val="600"/>
-              </a:spcBef>
-              <a:spcAft>
-                <a:spcPts val="0"/>
-              </a:spcAft>
-              <a:buClr>
-                <a:schemeClr val="dk1"/>
-              </a:buClr>
-              <a:buSzPts val="1100"/>
-              <a:buFont typeface="Arial" panose="020B0604020202020204" pitchFamily="34" charset="0"/>
-              <a:buChar char="•"/>
-            </a:pPr>
-            <a:r>
-              <a:rPr lang="en-US" sz="1600" dirty="0">
-                <a:solidFill>
-                  <a:schemeClr val="dk1"/>
-                </a:solidFill>
-                <a:latin typeface="Source Sans Pro"/>
-                <a:ea typeface="Source Sans Pro"/>
-                <a:cs typeface="Source Sans Pro"/>
-                <a:sym typeface="Source Sans Pro"/>
-              </a:rPr>
-              <a:t>Serves for </a:t>
-            </a:r>
-            <a:r>
-              <a:rPr lang="en-US" sz="1600" b="1" dirty="0">
-                <a:solidFill>
-                  <a:schemeClr val="dk1"/>
-                </a:solidFill>
-                <a:latin typeface="Source Sans Pro"/>
-                <a:ea typeface="Source Sans Pro"/>
-                <a:cs typeface="Source Sans Pro"/>
-                <a:sym typeface="Source Sans Pro"/>
-              </a:rPr>
-              <a:t>self monitoring </a:t>
-            </a:r>
-            <a:r>
-              <a:rPr lang="en-US" sz="1600" dirty="0">
-                <a:solidFill>
-                  <a:schemeClr val="dk1"/>
-                </a:solidFill>
-                <a:latin typeface="Source Sans Pro"/>
-                <a:ea typeface="Source Sans Pro"/>
-                <a:cs typeface="Source Sans Pro"/>
-                <a:sym typeface="Source Sans Pro"/>
-              </a:rPr>
-              <a:t>that consequently enables</a:t>
-            </a:r>
-          </a:p>
-          <a:p>
-            <a:pPr marL="342900" lvl="1" indent="-342900">
-              <a:spcBef>
-                <a:spcPts val="600"/>
-              </a:spcBef>
-              <a:buClr>
-                <a:schemeClr val="dk1"/>
-              </a:buClr>
-              <a:buSzPts val="1100"/>
-              <a:buFont typeface="Arial" panose="020B0604020202020204" pitchFamily="34" charset="0"/>
-              <a:buChar char="•"/>
-            </a:pPr>
-            <a:r>
-              <a:rPr lang="en-US" sz="1600" b="1" dirty="0">
-                <a:solidFill>
-                  <a:schemeClr val="dk1"/>
-                </a:solidFill>
-                <a:latin typeface="Source Sans Pro"/>
-                <a:ea typeface="Source Sans Pro"/>
-                <a:cs typeface="Source Sans Pro"/>
-                <a:sym typeface="Source Sans Pro"/>
-              </a:rPr>
-              <a:t>Regulation and control </a:t>
-            </a:r>
-            <a:r>
-              <a:rPr lang="en-US" sz="1600" dirty="0">
-                <a:solidFill>
-                  <a:schemeClr val="dk1"/>
-                </a:solidFill>
-                <a:latin typeface="Source Sans Pro"/>
-                <a:ea typeface="Source Sans Pro"/>
-                <a:cs typeface="Source Sans Pro"/>
-                <a:sym typeface="Source Sans Pro"/>
-              </a:rPr>
-              <a:t>for – behavior (e. g. response inhibition) and emotion (e. g. reactivity) </a:t>
-            </a:r>
-            <a:r>
-              <a:rPr lang="en-US" sz="1600" b="1" u="sng" baseline="30000" dirty="0">
-                <a:solidFill>
-                  <a:schemeClr val="dk1"/>
-                </a:solidFill>
-                <a:latin typeface="Source Sans Pro"/>
-                <a:ea typeface="Source Sans Pro"/>
-                <a:cs typeface="Source Sans Pro"/>
-                <a:sym typeface="Source Sans Pro"/>
-              </a:rPr>
-              <a:t>1</a:t>
-            </a:r>
-          </a:p>
-          <a:p>
-            <a:pPr marL="0" lvl="0" indent="0" algn="l" rtl="0">
-              <a:spcBef>
-                <a:spcPts val="600"/>
-              </a:spcBef>
-              <a:spcAft>
-                <a:spcPts val="0"/>
-              </a:spcAft>
-              <a:buNone/>
-            </a:pPr>
-            <a:endParaRPr sz="1600" dirty="0">
-              <a:solidFill>
-                <a:schemeClr val="dk1"/>
-              </a:solidFill>
-              <a:latin typeface="Source Sans Pro"/>
-              <a:ea typeface="Source Sans Pro"/>
-              <a:cs typeface="Source Sans Pro"/>
-              <a:sym typeface="Source Sans Pro"/>
-            </a:endParaRPr>
-          </a:p>
-        </p:txBody>
-      </p:sp>
-      <p:sp>
-        <p:nvSpPr>
-          <p:cNvPr id="75" name="Google Shape;75;p18"/>
-          <p:cNvSpPr txBox="1"/>
-          <p:nvPr/>
-        </p:nvSpPr>
-        <p:spPr>
-          <a:xfrm>
-            <a:off x="4744975" y="1107412"/>
-            <a:ext cx="3941700" cy="2302123"/>
-          </a:xfrm>
-          <a:prstGeom prst="rect">
-            <a:avLst/>
-          </a:prstGeom>
-          <a:noFill/>
-          <a:ln>
-            <a:noFill/>
-          </a:ln>
-        </p:spPr>
-        <p:txBody>
-          <a:bodyPr spcFirstLastPara="1" wrap="square" lIns="91425" tIns="91425" rIns="91425" bIns="91425" anchor="t" anchorCtr="0">
-            <a:noAutofit/>
-          </a:bodyPr>
-          <a:lstStyle/>
-          <a:p>
-            <a:pPr marL="0" lvl="0" indent="0" algn="l" rtl="0">
-              <a:spcBef>
-                <a:spcPts val="600"/>
-              </a:spcBef>
-              <a:spcAft>
-                <a:spcPts val="0"/>
-              </a:spcAft>
-              <a:buNone/>
-            </a:pPr>
-            <a:r>
-              <a:rPr lang="en-GB" sz="1600" b="1" dirty="0">
-                <a:solidFill>
-                  <a:schemeClr val="dk1"/>
-                </a:solidFill>
-                <a:latin typeface="Source Sans Pro"/>
-                <a:ea typeface="Source Sans Pro"/>
-                <a:cs typeface="Source Sans Pro"/>
-                <a:sym typeface="Source Sans Pro"/>
-              </a:rPr>
-              <a:t>EMPIRICAL FINDINGS: Quantifying Meta-Awareness for bias</a:t>
-            </a:r>
-            <a:endParaRPr lang="en-GB" sz="1600" dirty="0">
-              <a:solidFill>
-                <a:schemeClr val="dk1"/>
-              </a:solidFill>
-              <a:latin typeface="Source Sans Pro"/>
-              <a:ea typeface="Source Sans Pro"/>
-              <a:cs typeface="Source Sans Pro"/>
-              <a:sym typeface="Source Sans Pro"/>
-            </a:endParaRPr>
-          </a:p>
-          <a:p>
-            <a:pPr marL="0" lvl="0" indent="0" algn="l" rtl="0">
-              <a:spcBef>
-                <a:spcPts val="600"/>
-              </a:spcBef>
-              <a:spcAft>
-                <a:spcPts val="0"/>
-              </a:spcAft>
-              <a:buNone/>
-            </a:pPr>
-            <a:r>
-              <a:rPr lang="en-GB" sz="1600" dirty="0">
-                <a:solidFill>
-                  <a:schemeClr val="dk1"/>
-                </a:solidFill>
-                <a:latin typeface="Source Sans Pro"/>
-                <a:ea typeface="Source Sans Pro"/>
-                <a:cs typeface="Source Sans Pro"/>
-                <a:sym typeface="Source Sans Pro"/>
-              </a:rPr>
-              <a:t>A study conducted in the lab showed a clear and robust association between the existence of meta-awareness for bias towards emotional stimuli and subsequent attentional control </a:t>
-            </a:r>
-            <a:r>
-              <a:rPr lang="en-GB" sz="1600" b="1" u="sng" baseline="30000" dirty="0">
-                <a:solidFill>
-                  <a:schemeClr val="dk1"/>
-                </a:solidFill>
-                <a:latin typeface="Source Sans Pro"/>
-                <a:ea typeface="Source Sans Pro"/>
-                <a:cs typeface="Source Sans Pro"/>
-                <a:sym typeface="Source Sans Pro"/>
-              </a:rPr>
-              <a:t>2</a:t>
-            </a:r>
-          </a:p>
-        </p:txBody>
-      </p:sp>
-      <p:sp>
-        <p:nvSpPr>
-          <p:cNvPr id="76" name="Google Shape;76;p18"/>
-          <p:cNvSpPr txBox="1"/>
-          <p:nvPr/>
-        </p:nvSpPr>
-        <p:spPr>
-          <a:xfrm>
-            <a:off x="457200" y="3824794"/>
-            <a:ext cx="8229600" cy="619800"/>
-          </a:xfrm>
-          <a:prstGeom prst="rect">
-            <a:avLst/>
-          </a:prstGeom>
-          <a:noFill/>
-          <a:ln>
-            <a:noFill/>
-          </a:ln>
-        </p:spPr>
-        <p:txBody>
-          <a:bodyPr spcFirstLastPara="1" wrap="square" lIns="91425" tIns="91425" rIns="91425" bIns="91425" anchor="t" anchorCtr="0">
-            <a:noAutofit/>
-          </a:bodyPr>
-          <a:lstStyle/>
-          <a:p>
-            <a:pPr marL="228600" lvl="0" indent="-228600" algn="l" rtl="0">
-              <a:spcBef>
-                <a:spcPts val="1000"/>
-              </a:spcBef>
-              <a:spcAft>
-                <a:spcPts val="0"/>
-              </a:spcAft>
-              <a:buAutoNum type="arabicPeriod"/>
-            </a:pPr>
-            <a:r>
-              <a:rPr lang="de-DE" sz="1200" dirty="0">
-                <a:solidFill>
-                  <a:schemeClr val="accent3"/>
-                </a:solidFill>
-                <a:latin typeface="Source Sans Pro"/>
-                <a:ea typeface="Source Sans Pro"/>
-                <a:cs typeface="Source Sans Pro"/>
-                <a:sym typeface="Source Sans Pro"/>
-              </a:rPr>
-              <a:t>Bernstein &amp; Zvielli, 2014; Creswell, 2016</a:t>
-            </a:r>
-          </a:p>
-          <a:p>
-            <a:pPr marL="228600" lvl="0" indent="-228600" algn="l" rtl="0">
-              <a:spcBef>
-                <a:spcPts val="1000"/>
-              </a:spcBef>
-              <a:spcAft>
-                <a:spcPts val="0"/>
-              </a:spcAft>
-              <a:buAutoNum type="arabicPeriod"/>
-            </a:pPr>
-            <a:r>
-              <a:rPr lang="en-US" sz="1200" dirty="0" err="1">
-                <a:solidFill>
-                  <a:schemeClr val="accent3"/>
-                </a:solidFill>
-                <a:latin typeface="Source Sans Pro"/>
-                <a:ea typeface="Source Sans Pro"/>
-                <a:cs typeface="Source Sans Pro"/>
-                <a:sym typeface="Source Sans Pro"/>
-              </a:rPr>
-              <a:t>Ruimi</a:t>
-            </a:r>
-            <a:r>
-              <a:rPr lang="en-US" sz="1200" dirty="0">
-                <a:solidFill>
-                  <a:schemeClr val="accent3"/>
-                </a:solidFill>
-                <a:latin typeface="Source Sans Pro"/>
-                <a:ea typeface="Source Sans Pro"/>
-                <a:cs typeface="Source Sans Pro"/>
-                <a:sym typeface="Source Sans Pro"/>
-              </a:rPr>
-              <a:t>, </a:t>
-            </a:r>
-            <a:r>
-              <a:rPr lang="en-US" sz="1200" dirty="0" err="1">
-                <a:solidFill>
-                  <a:schemeClr val="accent3"/>
-                </a:solidFill>
-                <a:latin typeface="Source Sans Pro"/>
-                <a:ea typeface="Source Sans Pro"/>
-                <a:cs typeface="Source Sans Pro"/>
-                <a:sym typeface="Source Sans Pro"/>
-              </a:rPr>
-              <a:t>Hadash</a:t>
-            </a:r>
-            <a:r>
-              <a:rPr lang="en-US" sz="1200" dirty="0">
-                <a:solidFill>
-                  <a:schemeClr val="accent3"/>
-                </a:solidFill>
-                <a:latin typeface="Source Sans Pro"/>
-                <a:ea typeface="Source Sans Pro"/>
-                <a:cs typeface="Source Sans Pro"/>
-                <a:sym typeface="Source Sans Pro"/>
-              </a:rPr>
-              <a:t>, </a:t>
-            </a:r>
-            <a:r>
-              <a:rPr lang="en-US" sz="1200" dirty="0" err="1">
-                <a:solidFill>
-                  <a:schemeClr val="accent3"/>
-                </a:solidFill>
-                <a:latin typeface="Source Sans Pro"/>
-                <a:ea typeface="Source Sans Pro"/>
-                <a:cs typeface="Source Sans Pro"/>
-                <a:sym typeface="Source Sans Pro"/>
-              </a:rPr>
-              <a:t>Zvielli</a:t>
-            </a:r>
-            <a:r>
-              <a:rPr lang="en-US" sz="1200" dirty="0">
-                <a:solidFill>
-                  <a:schemeClr val="accent3"/>
-                </a:solidFill>
-                <a:latin typeface="Source Sans Pro"/>
-                <a:ea typeface="Source Sans Pro"/>
-                <a:cs typeface="Source Sans Pro"/>
-                <a:sym typeface="Source Sans Pro"/>
-              </a:rPr>
-              <a:t>, Amir, Goldstein &amp; Bernstein, 2018</a:t>
-            </a:r>
-          </a:p>
-        </p:txBody>
-      </p:sp>
-      <p:sp>
-        <p:nvSpPr>
-          <p:cNvPr id="77" name="Google Shape;77;p18"/>
-          <p:cNvSpPr txBox="1">
-            <a:spLocks noGrp="1"/>
-          </p:cNvSpPr>
-          <p:nvPr>
-            <p:ph type="sldNum" idx="12"/>
-          </p:nvPr>
-        </p:nvSpPr>
-        <p:spPr>
-          <a:xfrm>
-            <a:off x="4297650" y="4859852"/>
-            <a:ext cx="548700" cy="283800"/>
-          </a:xfrm>
-          <a:prstGeom prst="rect">
-            <a:avLst/>
-          </a:prstGeom>
-        </p:spPr>
-        <p:txBody>
-          <a:bodyPr spcFirstLastPara="1" wrap="square" lIns="91425" tIns="91425" rIns="91425" bIns="91425" anchor="t" anchorCtr="0">
-            <a:noAutofit/>
-          </a:bodyPr>
-          <a:lstStyle/>
-          <a:p>
-            <a:pPr marL="0" lvl="0" indent="0" algn="ctr" rtl="0">
-              <a:spcBef>
-                <a:spcPts val="0"/>
-              </a:spcBef>
-              <a:spcAft>
-                <a:spcPts val="0"/>
-              </a:spcAft>
-              <a:buNone/>
-            </a:pPr>
-            <a:fld id="{00000000-1234-1234-1234-123412341234}" type="slidenum">
-              <a:rPr lang="en"/>
-              <a:t>7</a:t>
-            </a:fld>
-            <a:endParaRPr/>
-          </a:p>
-        </p:txBody>
-      </p:sp>
-    </p:spTree>
-  </p:cSld>
-  <p:clrMapOvr>
-    <a:masterClrMapping/>
-  </p:clrMapOvr>
-</p:sld>
-</file>
-
-<file path=ppt/slides/slide8.xml><?xml version="1.0" encoding="utf-8"?>
-<p:sld xmlns:a="http://schemas.openxmlformats.org/drawingml/2006/main" xmlns:r="http://schemas.openxmlformats.org/officeDocument/2006/relationships" xmlns:p="http://schemas.openxmlformats.org/presentationml/2006/main">
-  <p:cSld>
-    <p:spTree>
-      <p:nvGrpSpPr>
-        <p:cNvPr id="1" name="Shape 125"/>
-        <p:cNvGrpSpPr/>
-        <p:nvPr/>
-      </p:nvGrpSpPr>
-      <p:grpSpPr>
-        <a:xfrm>
-          <a:off x="0" y="0"/>
-          <a:ext cx="0" cy="0"/>
-          <a:chOff x="0" y="0"/>
-          <a:chExt cx="0" cy="0"/>
-        </a:xfrm>
-      </p:grpSpPr>
-      <p:sp>
-        <p:nvSpPr>
-          <p:cNvPr id="126" name="Google Shape;126;p25"/>
-          <p:cNvSpPr txBox="1">
-            <a:spLocks noGrp="1"/>
-          </p:cNvSpPr>
-          <p:nvPr>
-            <p:ph type="title"/>
-          </p:nvPr>
-        </p:nvSpPr>
-        <p:spPr>
-          <a:xfrm>
-            <a:off x="425119" y="0"/>
-            <a:ext cx="8229600" cy="857400"/>
-          </a:xfrm>
-          <a:prstGeom prst="rect">
-            <a:avLst/>
-          </a:prstGeom>
-        </p:spPr>
-        <p:txBody>
-          <a:bodyPr spcFirstLastPara="1" wrap="square" lIns="91425" tIns="91425" rIns="91425" bIns="91425" anchor="ctr" anchorCtr="0">
-            <a:noAutofit/>
-          </a:bodyPr>
-          <a:lstStyle/>
-          <a:p>
-            <a:pPr marL="0" lvl="0" indent="0" algn="ctr" rtl="0">
-              <a:spcBef>
-                <a:spcPts val="0"/>
-              </a:spcBef>
-              <a:spcAft>
-                <a:spcPts val="0"/>
-              </a:spcAft>
-              <a:buNone/>
-            </a:pPr>
-            <a:r>
-              <a:rPr lang="en-US" dirty="0"/>
-              <a:t>A</a:t>
-            </a:r>
-            <a:r>
-              <a:rPr lang="en" dirty="0"/>
-              <a:t>ttempts to target and train meta-Awareness</a:t>
-            </a:r>
-            <a:endParaRPr dirty="0"/>
-          </a:p>
-        </p:txBody>
-      </p:sp>
-      <p:sp>
-        <p:nvSpPr>
-          <p:cNvPr id="127" name="Google Shape;127;p25"/>
-          <p:cNvSpPr txBox="1">
-            <a:spLocks noGrp="1"/>
-          </p:cNvSpPr>
-          <p:nvPr>
-            <p:ph type="body" idx="1"/>
-          </p:nvPr>
-        </p:nvSpPr>
-        <p:spPr>
-          <a:xfrm>
-            <a:off x="489274" y="857400"/>
-            <a:ext cx="4364742" cy="4002452"/>
-          </a:xfrm>
-          <a:prstGeom prst="rect">
-            <a:avLst/>
-          </a:prstGeom>
-        </p:spPr>
-        <p:txBody>
-          <a:bodyPr spcFirstLastPara="1" wrap="square" lIns="91425" tIns="91425" rIns="91425" bIns="91425" anchor="t" anchorCtr="0">
-            <a:noAutofit/>
-          </a:bodyPr>
-          <a:lstStyle/>
-          <a:p>
-            <a:pPr marL="0" indent="0">
-              <a:buNone/>
-            </a:pPr>
-            <a:r>
-              <a:rPr lang="en-GB" b="1" dirty="0">
-                <a:solidFill>
-                  <a:srgbClr val="FE344D"/>
-                </a:solidFill>
-                <a:latin typeface="Permanent Marker"/>
-                <a:ea typeface="Permanent Marker"/>
-                <a:cs typeface="Permanent Marker"/>
-                <a:sym typeface="Permanent Marker"/>
-              </a:rPr>
-              <a:t>Real time feedback on attentional bias towards emotional stimuli</a:t>
-            </a:r>
-            <a:endParaRPr lang="en-GB" dirty="0"/>
-          </a:p>
-          <a:p>
-            <a:pPr marL="0" lvl="0" indent="0" algn="l" rtl="0">
-              <a:spcBef>
-                <a:spcPts val="600"/>
-              </a:spcBef>
-              <a:spcAft>
-                <a:spcPts val="0"/>
-              </a:spcAft>
-              <a:buNone/>
-            </a:pPr>
-            <a:r>
-              <a:rPr lang="en-GB" dirty="0"/>
-              <a:t>AFACT studies (</a:t>
-            </a:r>
-            <a:r>
-              <a:rPr lang="en-GB" sz="1400" dirty="0" err="1"/>
-              <a:t>Ruimi</a:t>
-            </a:r>
-            <a:r>
-              <a:rPr lang="en-GB" sz="1400" dirty="0"/>
-              <a:t>, Hendren, </a:t>
-            </a:r>
-            <a:r>
-              <a:rPr lang="en-GB" sz="1400" dirty="0" err="1"/>
-              <a:t>Zvielli</a:t>
-            </a:r>
-            <a:r>
-              <a:rPr lang="en-GB" sz="1400" dirty="0"/>
-              <a:t>, Amir, &amp; Bernstein, 2020; Bernstein &amp; </a:t>
-            </a:r>
-            <a:r>
-              <a:rPr lang="en-GB" sz="1400" dirty="0" err="1"/>
-              <a:t>Zvielli</a:t>
-            </a:r>
-            <a:r>
-              <a:rPr lang="en-GB" sz="1400" dirty="0"/>
-              <a:t>, 2014;</a:t>
-            </a:r>
-            <a:r>
-              <a:rPr lang="de-DE" sz="1400" dirty="0"/>
-              <a:t> Zvielli, Amir, Goldstein, &amp;   Bernstein, 2016</a:t>
-            </a:r>
-            <a:r>
-              <a:rPr lang="de-DE" sz="1800" dirty="0"/>
-              <a:t>)</a:t>
-            </a:r>
-          </a:p>
-          <a:p>
-            <a:pPr marL="0" lvl="0" indent="0" algn="l" rtl="0">
-              <a:spcBef>
-                <a:spcPts val="600"/>
-              </a:spcBef>
-              <a:spcAft>
-                <a:spcPts val="0"/>
-              </a:spcAft>
-              <a:buNone/>
-            </a:pPr>
-            <a:r>
-              <a:rPr lang="en-GB" dirty="0"/>
-              <a:t>Found to positively influence:</a:t>
-            </a:r>
-          </a:p>
-          <a:p>
-            <a:pPr marL="342900" lvl="0" algn="l" rtl="0">
-              <a:spcBef>
-                <a:spcPts val="600"/>
-              </a:spcBef>
-              <a:spcAft>
-                <a:spcPts val="0"/>
-              </a:spcAft>
-              <a:buFont typeface="+mj-lt"/>
-              <a:buAutoNum type="arabicPeriod"/>
-            </a:pPr>
-            <a:r>
-              <a:rPr lang="en-GB" dirty="0">
-                <a:effectLst/>
-                <a:latin typeface="Calibri" panose="020F0502020204030204" pitchFamily="34" charset="0"/>
-                <a:ea typeface="Calibri" panose="020F0502020204030204" pitchFamily="34" charset="0"/>
-                <a:cs typeface="Arial" panose="020B0604020202020204" pitchFamily="34" charset="0"/>
-              </a:rPr>
-              <a:t>Meta-awareness of biased external attention </a:t>
-            </a:r>
-          </a:p>
-          <a:p>
-            <a:pPr marL="342900" lvl="0" algn="l" rtl="0">
-              <a:spcBef>
-                <a:spcPts val="600"/>
-              </a:spcBef>
-              <a:spcAft>
-                <a:spcPts val="0"/>
-              </a:spcAft>
-              <a:buFont typeface="+mj-lt"/>
-              <a:buAutoNum type="arabicPeriod"/>
-            </a:pPr>
-            <a:r>
-              <a:rPr lang="en-GB" dirty="0"/>
-              <a:t>External attentional control </a:t>
-            </a:r>
-          </a:p>
-          <a:p>
-            <a:pPr marL="342900" lvl="0" algn="l" rtl="0">
-              <a:spcBef>
-                <a:spcPts val="600"/>
-              </a:spcBef>
-              <a:spcAft>
-                <a:spcPts val="0"/>
-              </a:spcAft>
-              <a:buFont typeface="+mj-lt"/>
-              <a:buAutoNum type="arabicPeriod"/>
-            </a:pPr>
-            <a:r>
-              <a:rPr lang="en-GB" dirty="0">
-                <a:effectLst/>
-                <a:latin typeface="Calibri" panose="020F0502020204030204" pitchFamily="34" charset="0"/>
-                <a:ea typeface="Calibri" panose="020F0502020204030204" pitchFamily="34" charset="0"/>
-                <a:cs typeface="Arial" panose="020B0604020202020204" pitchFamily="34" charset="0"/>
-              </a:rPr>
-              <a:t>(to reduce) emotional reactivity to an anxiogenic stressor </a:t>
-            </a:r>
-          </a:p>
-          <a:p>
-            <a:pPr marL="342900" lvl="0" algn="l" rtl="0">
-              <a:spcBef>
-                <a:spcPts val="600"/>
-              </a:spcBef>
-              <a:spcAft>
-                <a:spcPts val="0"/>
-              </a:spcAft>
-              <a:buFont typeface="+mj-lt"/>
-              <a:buAutoNum type="arabicPeriod"/>
-            </a:pPr>
-            <a:endParaRPr lang="en-GB" sz="1800" dirty="0">
-              <a:effectLst/>
-              <a:latin typeface="Calibri" panose="020F0502020204030204" pitchFamily="34" charset="0"/>
-              <a:ea typeface="Calibri" panose="020F0502020204030204" pitchFamily="34" charset="0"/>
-              <a:cs typeface="Arial" panose="020B0604020202020204" pitchFamily="34" charset="0"/>
-            </a:endParaRPr>
-          </a:p>
-        </p:txBody>
-      </p:sp>
-      <p:sp>
-        <p:nvSpPr>
-          <p:cNvPr id="129" name="Google Shape;129;p25"/>
-          <p:cNvSpPr txBox="1">
-            <a:spLocks noGrp="1"/>
-          </p:cNvSpPr>
-          <p:nvPr>
-            <p:ph type="body" idx="3"/>
-          </p:nvPr>
-        </p:nvSpPr>
-        <p:spPr>
-          <a:xfrm>
-            <a:off x="4854016" y="857400"/>
-            <a:ext cx="4082720" cy="4068656"/>
-          </a:xfrm>
-          <a:prstGeom prst="rect">
-            <a:avLst/>
-          </a:prstGeom>
-        </p:spPr>
-        <p:txBody>
-          <a:bodyPr spcFirstLastPara="1" wrap="square" lIns="91425" tIns="91425" rIns="91425" bIns="91425" anchor="t" anchorCtr="0">
-            <a:noAutofit/>
-          </a:bodyPr>
-          <a:lstStyle/>
-          <a:p>
-            <a:pPr marL="0" lvl="0" indent="0" algn="l" rtl="0">
-              <a:spcBef>
-                <a:spcPts val="600"/>
-              </a:spcBef>
-              <a:spcAft>
-                <a:spcPts val="0"/>
-              </a:spcAft>
-              <a:buNone/>
-            </a:pPr>
-            <a:r>
-              <a:rPr lang="en-GB" b="1" dirty="0">
-                <a:solidFill>
-                  <a:srgbClr val="FE344D"/>
-                </a:solidFill>
-                <a:latin typeface="Permanent Marker"/>
-                <a:ea typeface="Permanent Marker"/>
-                <a:cs typeface="Permanent Marker"/>
-                <a:sym typeface="Permanent Marker"/>
-              </a:rPr>
-              <a:t>Mindfulness/meditation-based interventions</a:t>
-            </a:r>
-          </a:p>
-          <a:p>
-            <a:pPr marL="0" lvl="0" indent="0" algn="l" rtl="0">
-              <a:spcBef>
-                <a:spcPts val="600"/>
-              </a:spcBef>
-              <a:spcAft>
-                <a:spcPts val="0"/>
-              </a:spcAft>
-              <a:buNone/>
-            </a:pPr>
-            <a:r>
-              <a:rPr lang="en-GB" dirty="0"/>
-              <a:t>Meta-awareness is a central target and key mechanism of action of mindfulness training (</a:t>
-            </a:r>
-            <a:r>
-              <a:rPr lang="en-GB" sz="1400" dirty="0"/>
-              <a:t>Bernstein, </a:t>
-            </a:r>
-            <a:r>
-              <a:rPr lang="en-GB" sz="1400" dirty="0" err="1"/>
-              <a:t>Hadash</a:t>
-            </a:r>
-            <a:r>
-              <a:rPr lang="en-GB" sz="1400" dirty="0"/>
-              <a:t>, </a:t>
-            </a:r>
-            <a:r>
-              <a:rPr lang="en-GB" sz="1400" dirty="0" err="1"/>
-              <a:t>Lichtash</a:t>
-            </a:r>
-            <a:r>
-              <a:rPr lang="en-GB" sz="1400" dirty="0"/>
-              <a:t>, </a:t>
-            </a:r>
-            <a:r>
-              <a:rPr lang="en-GB" sz="1400" dirty="0" err="1"/>
-              <a:t>Tanay</a:t>
-            </a:r>
-            <a:r>
-              <a:rPr lang="en-GB" sz="1400" dirty="0"/>
-              <a:t>, Shepherd, &amp; Fresco, et al., 2015; Dunne, Thompson, &amp; Schooler, 2019</a:t>
-            </a:r>
-            <a:r>
-              <a:rPr lang="en-GB" dirty="0"/>
-              <a:t>)</a:t>
-            </a:r>
-            <a:endParaRPr lang="he-IL" dirty="0"/>
-          </a:p>
-          <a:p>
-            <a:pPr marL="0" lvl="0" indent="0" algn="l" rtl="0">
-              <a:spcBef>
-                <a:spcPts val="600"/>
-              </a:spcBef>
-              <a:spcAft>
-                <a:spcPts val="0"/>
-              </a:spcAft>
-              <a:buNone/>
-            </a:pPr>
-            <a:r>
-              <a:rPr lang="en-US" dirty="0"/>
-              <a:t>Found to positively influence:</a:t>
-            </a:r>
-            <a:endParaRPr lang="en-GB" dirty="0"/>
-          </a:p>
-          <a:p>
-            <a:pPr marL="342900" lvl="0" algn="l" rtl="0">
-              <a:spcBef>
-                <a:spcPts val="600"/>
-              </a:spcBef>
-              <a:spcAft>
-                <a:spcPts val="0"/>
-              </a:spcAft>
-              <a:buFont typeface="+mj-lt"/>
-              <a:buAutoNum type="arabicPeriod"/>
-            </a:pPr>
-            <a:r>
-              <a:rPr lang="en-US" sz="1800" dirty="0">
-                <a:effectLst/>
-                <a:latin typeface="Calibri" panose="020F0502020204030204" pitchFamily="34" charset="0"/>
-                <a:ea typeface="Calibri" panose="020F0502020204030204" pitchFamily="34" charset="0"/>
-                <a:cs typeface="Arial" panose="020B0604020202020204" pitchFamily="34" charset="0"/>
-              </a:rPr>
-              <a:t>sustained attention</a:t>
-            </a:r>
-            <a:endParaRPr lang="en-GB" sz="1800" dirty="0">
-              <a:effectLst/>
-              <a:latin typeface="Calibri" panose="020F0502020204030204" pitchFamily="34" charset="0"/>
-              <a:ea typeface="Calibri" panose="020F0502020204030204" pitchFamily="34" charset="0"/>
-              <a:cs typeface="Arial" panose="020B0604020202020204" pitchFamily="34" charset="0"/>
-            </a:endParaRPr>
-          </a:p>
-          <a:p>
-            <a:pPr marL="342900" lvl="0" algn="l" rtl="0">
-              <a:spcBef>
-                <a:spcPts val="600"/>
-              </a:spcBef>
-              <a:spcAft>
-                <a:spcPts val="0"/>
-              </a:spcAft>
-              <a:buFont typeface="+mj-lt"/>
-              <a:buAutoNum type="arabicPeriod"/>
-            </a:pPr>
-            <a:r>
-              <a:rPr lang="en-US" sz="1800" dirty="0">
-                <a:effectLst/>
-                <a:latin typeface="Calibri" panose="020F0502020204030204" pitchFamily="34" charset="0"/>
-                <a:ea typeface="Calibri" panose="020F0502020204030204" pitchFamily="34" charset="0"/>
-                <a:cs typeface="Arial" panose="020B0604020202020204" pitchFamily="34" charset="0"/>
-              </a:rPr>
-              <a:t>attentional selection </a:t>
-            </a:r>
-            <a:endParaRPr lang="en-GB" dirty="0">
-              <a:latin typeface="Calibri" panose="020F0502020204030204" pitchFamily="34" charset="0"/>
-              <a:ea typeface="Calibri" panose="020F0502020204030204" pitchFamily="34" charset="0"/>
-              <a:cs typeface="Arial" panose="020B0604020202020204" pitchFamily="34" charset="0"/>
-            </a:endParaRPr>
-          </a:p>
-          <a:p>
-            <a:pPr marL="342900" lvl="0" algn="l" rtl="0">
-              <a:spcBef>
-                <a:spcPts val="600"/>
-              </a:spcBef>
-              <a:spcAft>
-                <a:spcPts val="0"/>
-              </a:spcAft>
-              <a:buFont typeface="+mj-lt"/>
-              <a:buAutoNum type="arabicPeriod"/>
-            </a:pPr>
-            <a:r>
-              <a:rPr lang="en-US" sz="1800" dirty="0">
-                <a:effectLst/>
-                <a:latin typeface="Calibri" panose="020F0502020204030204" pitchFamily="34" charset="0"/>
-                <a:ea typeface="Calibri" panose="020F0502020204030204" pitchFamily="34" charset="0"/>
-                <a:cs typeface="Arial" panose="020B0604020202020204" pitchFamily="34" charset="0"/>
-              </a:rPr>
-              <a:t>attentional control</a:t>
-            </a:r>
-          </a:p>
-          <a:p>
-            <a:pPr marL="0" lvl="0" indent="0" algn="l" rtl="0">
-              <a:spcBef>
-                <a:spcPts val="600"/>
-              </a:spcBef>
-              <a:spcAft>
-                <a:spcPts val="0"/>
-              </a:spcAft>
-              <a:buNone/>
-            </a:pPr>
-            <a:r>
-              <a:rPr lang="en-US" sz="1400" dirty="0" err="1">
-                <a:effectLst/>
-                <a:latin typeface="Calibri" panose="020F0502020204030204" pitchFamily="34" charset="0"/>
-                <a:ea typeface="Calibri" panose="020F0502020204030204" pitchFamily="34" charset="0"/>
-                <a:cs typeface="Arial" panose="020B0604020202020204" pitchFamily="34" charset="0"/>
-              </a:rPr>
-              <a:t>Ruimi</a:t>
-            </a:r>
-            <a:r>
-              <a:rPr lang="en-US" sz="1400" dirty="0">
-                <a:effectLst/>
-                <a:latin typeface="Calibri" panose="020F0502020204030204" pitchFamily="34" charset="0"/>
-                <a:ea typeface="Calibri" panose="020F0502020204030204" pitchFamily="34" charset="0"/>
-                <a:cs typeface="Arial" panose="020B0604020202020204" pitchFamily="34" charset="0"/>
-              </a:rPr>
-              <a:t> et al., Submitted</a:t>
-            </a:r>
-            <a:endParaRPr dirty="0"/>
-          </a:p>
-          <a:p>
-            <a:pPr marL="0" lvl="0" indent="0" algn="l" rtl="0">
-              <a:spcBef>
-                <a:spcPts val="600"/>
-              </a:spcBef>
-              <a:spcAft>
-                <a:spcPts val="0"/>
-              </a:spcAft>
-              <a:buNone/>
-            </a:pPr>
-            <a:endParaRPr dirty="0"/>
-          </a:p>
-        </p:txBody>
-      </p:sp>
-      <p:sp>
-        <p:nvSpPr>
-          <p:cNvPr id="130" name="Google Shape;130;p25"/>
-          <p:cNvSpPr txBox="1">
-            <a:spLocks noGrp="1"/>
-          </p:cNvSpPr>
-          <p:nvPr>
-            <p:ph type="sldNum" idx="12"/>
-          </p:nvPr>
-        </p:nvSpPr>
-        <p:spPr>
-          <a:xfrm>
-            <a:off x="4297650" y="4859852"/>
-            <a:ext cx="548700" cy="283800"/>
-          </a:xfrm>
-          <a:prstGeom prst="rect">
-            <a:avLst/>
-          </a:prstGeom>
-        </p:spPr>
-        <p:txBody>
-          <a:bodyPr spcFirstLastPara="1" wrap="square" lIns="91425" tIns="91425" rIns="91425" bIns="91425" anchor="t" anchorCtr="0">
-            <a:noAutofit/>
-          </a:bodyPr>
-          <a:lstStyle/>
-          <a:p>
-            <a:pPr marL="0" lvl="0" indent="0" algn="ctr" rtl="0">
-              <a:spcBef>
-                <a:spcPts val="0"/>
-              </a:spcBef>
-              <a:spcAft>
-                <a:spcPts val="0"/>
-              </a:spcAft>
-              <a:buNone/>
-            </a:pPr>
-            <a:fld id="{00000000-1234-1234-1234-123412341234}" type="slidenum">
-              <a:rPr lang="en"/>
-              <a:t>8</a:t>
-            </a:fld>
-            <a:endParaRPr/>
-          </a:p>
-        </p:txBody>
-      </p:sp>
-    </p:spTree>
-    <p:extLst>
-      <p:ext uri="{BB962C8B-B14F-4D97-AF65-F5344CB8AC3E}">
-        <p14:creationId xmlns:p14="http://schemas.microsoft.com/office/powerpoint/2010/main" val="2572623760"/>
-      </p:ext>
-    </p:extLst>
   </p:cSld>
   <p:clrMapOvr>
     <a:masterClrMapping/>
@@ -19393,8 +21037,8 @@
               <a:buNone/>
             </a:pPr>
             <a:r>
-              <a:rPr lang="en-US" sz="3200" dirty="0"/>
-              <a:t>Gaps and problems</a:t>
+              <a:rPr lang="en-GB" sz="3200" dirty="0"/>
+              <a:t>	meta-awareness and attentional control</a:t>
             </a:r>
             <a:endParaRPr sz="3200" dirty="0"/>
           </a:p>
@@ -19408,8 +21052,8 @@
         </p:nvSpPr>
         <p:spPr>
           <a:xfrm>
-            <a:off x="457200" y="1107412"/>
-            <a:ext cx="8229600" cy="2717381"/>
+            <a:off x="457200" y="1107413"/>
+            <a:ext cx="3776700" cy="1655400"/>
           </a:xfrm>
           <a:prstGeom prst="rect">
             <a:avLst/>
@@ -19425,10 +21069,39 @@
           </a:bodyPr>
           <a:lstStyle/>
           <a:p>
+            <a:pPr marL="0" lvl="0" indent="0" algn="l" rtl="0">
+              <a:spcBef>
+                <a:spcPts val="600"/>
+              </a:spcBef>
+              <a:spcAft>
+                <a:spcPts val="0"/>
+              </a:spcAft>
+              <a:buNone/>
+            </a:pPr>
+            <a:r>
+              <a:rPr lang="en-US" sz="1800" b="1" dirty="0">
+                <a:solidFill>
+                  <a:schemeClr val="dk1"/>
+                </a:solidFill>
+                <a:latin typeface="Source Sans Pro"/>
+                <a:ea typeface="Source Sans Pro"/>
+                <a:cs typeface="Source Sans Pro"/>
+                <a:sym typeface="Source Sans Pro"/>
+              </a:rPr>
+              <a:t>The function of Meta-Awareness</a:t>
+            </a:r>
+            <a:endParaRPr sz="1800" dirty="0">
+              <a:solidFill>
+                <a:schemeClr val="dk1"/>
+              </a:solidFill>
+              <a:latin typeface="Source Sans Pro"/>
+              <a:ea typeface="Source Sans Pro"/>
+              <a:cs typeface="Source Sans Pro"/>
+              <a:sym typeface="Source Sans Pro"/>
+            </a:endParaRPr>
+          </a:p>
+          <a:p>
             <a:pPr marL="342900" lvl="0" indent="-342900" algn="l" rtl="0">
-              <a:lnSpc>
-                <a:spcPct val="200000"/>
-              </a:lnSpc>
               <a:spcBef>
                 <a:spcPts val="600"/>
               </a:spcBef>
@@ -19443,7 +21116,7 @@
               <a:buChar char="•"/>
             </a:pPr>
             <a:r>
-              <a:rPr lang="en-US" sz="2000" dirty="0">
+              <a:rPr lang="en-US" sz="1600" dirty="0">
                 <a:solidFill>
                   <a:schemeClr val="dk1"/>
                 </a:solidFill>
@@ -19452,20 +21125,38 @@
                 <a:cs typeface="Source Sans Pro"/>
                 <a:sym typeface="Source Sans Pro"/>
               </a:rPr>
-              <a:t>Real-time feedback literature – focus on external attention</a:t>
-            </a:r>
-          </a:p>
-          <a:p>
-            <a:pPr marL="342900" lvl="0" indent="-342900" algn="l" rtl="0">
-              <a:lnSpc>
-                <a:spcPct val="200000"/>
-              </a:lnSpc>
+              <a:t>Serves for </a:t>
+            </a:r>
+            <a:r>
+              <a:rPr lang="en-US" sz="1600" b="1" dirty="0">
+                <a:solidFill>
+                  <a:schemeClr val="dk1"/>
+                </a:solidFill>
+                <a:latin typeface="Source Sans Pro"/>
+                <a:ea typeface="Source Sans Pro"/>
+                <a:cs typeface="Source Sans Pro"/>
+                <a:sym typeface="Source Sans Pro"/>
+              </a:rPr>
+              <a:t>self monitoring </a:t>
+            </a:r>
+            <a:r>
+              <a:rPr lang="en-US" sz="1600" dirty="0">
+                <a:solidFill>
+                  <a:schemeClr val="dk1"/>
+                </a:solidFill>
+                <a:latin typeface="Source Sans Pro"/>
+                <a:ea typeface="Source Sans Pro"/>
+                <a:cs typeface="Source Sans Pro"/>
+                <a:sym typeface="Source Sans Pro"/>
+              </a:rPr>
+              <a:t>that consequently enables</a:t>
+            </a:r>
+          </a:p>
+          <a:p>
+            <a:pPr marL="342900" lvl="1" indent="-342900">
               <a:spcBef>
                 <a:spcPts val="600"/>
               </a:spcBef>
-              <a:spcAft>
-                <a:spcPts val="0"/>
-              </a:spcAft>
               <a:buClr>
                 <a:schemeClr val="dk1"/>
               </a:buClr>
@@ -19474,7 +21165,7 @@
               <a:buChar char="•"/>
             </a:pPr>
             <a:r>
-              <a:rPr lang="en-US" sz="2000" dirty="0">
+              <a:rPr lang="en-US" sz="1600" b="1" dirty="0">
                 <a:solidFill>
                   <a:schemeClr val="dk1"/>
                 </a:solidFill>
@@ -19483,26 +21174,10 @@
                 <a:cs typeface="Source Sans Pro"/>
                 <a:sym typeface="Source Sans Pro"/>
               </a:rPr>
-              <a:t>Mindfulness based training literature:</a:t>
-            </a:r>
-          </a:p>
-          <a:p>
-            <a:pPr marL="342900" lvl="2" indent="-342900">
-              <a:lnSpc>
-                <a:spcPct val="200000"/>
-              </a:lnSpc>
-              <a:spcBef>
-                <a:spcPts val="600"/>
-              </a:spcBef>
-              <a:buClr>
-                <a:schemeClr val="dk1"/>
-              </a:buClr>
-              <a:buSzPts val="1100"/>
-              <a:buFont typeface="Arial" panose="020B0604020202020204" pitchFamily="34" charset="0"/>
-              <a:buChar char="•"/>
-            </a:pPr>
-            <a:r>
-              <a:rPr lang="en-US" sz="2000" dirty="0">
+              <a:t>Regulation and control </a:t>
+            </a:r>
+            <a:r>
+              <a:rPr lang="en-US" sz="1600" dirty="0">
                 <a:solidFill>
                   <a:schemeClr val="dk1"/>
                 </a:solidFill>
@@ -19511,26 +21186,10 @@
                 <a:cs typeface="Source Sans Pro"/>
                 <a:sym typeface="Source Sans Pro"/>
               </a:rPr>
-              <a:t>           Effects are either not consistent, or of small magnitude</a:t>
-            </a:r>
-          </a:p>
-          <a:p>
-            <a:pPr marL="342900" lvl="3" indent="-342900">
-              <a:lnSpc>
-                <a:spcPct val="200000"/>
-              </a:lnSpc>
-              <a:spcBef>
-                <a:spcPts val="600"/>
-              </a:spcBef>
-              <a:buClr>
-                <a:schemeClr val="dk1"/>
-              </a:buClr>
-              <a:buSzPts val="1100"/>
-              <a:buFont typeface="Arial" panose="020B0604020202020204" pitchFamily="34" charset="0"/>
-              <a:buChar char="•"/>
-            </a:pPr>
-            <a:r>
-              <a:rPr lang="en-US" sz="2000" dirty="0">
+              <a:t>for – behavior (e. g. response inhibition) and emotion (e. g. reactivity) </a:t>
+            </a:r>
+            <a:r>
+              <a:rPr lang="en-US" sz="1600" b="1" u="sng" baseline="30000" dirty="0">
                 <a:solidFill>
                   <a:schemeClr val="dk1"/>
                 </a:solidFill>
@@ -19539,7 +21198,252 @@
                 <a:cs typeface="Source Sans Pro"/>
                 <a:sym typeface="Source Sans Pro"/>
               </a:rPr>
-              <a:t>           Meta-awareness was not quantified directly</a:t>
+              <a:t>1</a:t>
+            </a:r>
+          </a:p>
+          <a:p>
+            <a:pPr marL="0" lvl="0" indent="0" algn="l" rtl="0">
+              <a:spcBef>
+                <a:spcPts val="600"/>
+              </a:spcBef>
+              <a:spcAft>
+                <a:spcPts val="0"/>
+              </a:spcAft>
+              <a:buNone/>
+            </a:pPr>
+            <a:endParaRPr sz="1600" dirty="0">
+              <a:solidFill>
+                <a:schemeClr val="dk1"/>
+              </a:solidFill>
+              <a:latin typeface="Source Sans Pro"/>
+              <a:ea typeface="Source Sans Pro"/>
+              <a:cs typeface="Source Sans Pro"/>
+              <a:sym typeface="Source Sans Pro"/>
+            </a:endParaRPr>
+          </a:p>
+        </p:txBody>
+      </p:sp>
+      <p:sp>
+        <p:nvSpPr>
+          <p:cNvPr id="75" name="Google Shape;75;p18"/>
+          <p:cNvSpPr txBox="1"/>
+          <p:nvPr/>
+        </p:nvSpPr>
+        <p:spPr>
+          <a:xfrm>
+            <a:off x="4744975" y="1107412"/>
+            <a:ext cx="3941700" cy="2302123"/>
+          </a:xfrm>
+          <a:prstGeom prst="rect">
+            <a:avLst/>
+          </a:prstGeom>
+          <a:noFill/>
+          <a:ln>
+            <a:noFill/>
+          </a:ln>
+        </p:spPr>
+        <p:txBody>
+          <a:bodyPr spcFirstLastPara="1" wrap="square" lIns="91425" tIns="91425" rIns="91425" bIns="91425" anchor="t" anchorCtr="0">
+            <a:noAutofit/>
+          </a:bodyPr>
+          <a:lstStyle/>
+          <a:p>
+            <a:pPr marL="0" lvl="0" indent="0" algn="l" rtl="0">
+              <a:spcBef>
+                <a:spcPts val="600"/>
+              </a:spcBef>
+              <a:spcAft>
+                <a:spcPts val="0"/>
+              </a:spcAft>
+              <a:buNone/>
+            </a:pPr>
+            <a:r>
+              <a:rPr lang="en-GB" sz="1600" b="1" dirty="0">
+                <a:solidFill>
+                  <a:schemeClr val="dk1"/>
+                </a:solidFill>
+                <a:latin typeface="Source Sans Pro"/>
+                <a:ea typeface="Source Sans Pro"/>
+                <a:cs typeface="Source Sans Pro"/>
+                <a:sym typeface="Source Sans Pro"/>
+              </a:rPr>
+              <a:t>EMPIRICAL FINDINGS: Quantifying Meta-Awareness for bias</a:t>
+            </a:r>
+            <a:endParaRPr lang="en-GB" sz="1600" dirty="0">
+              <a:solidFill>
+                <a:schemeClr val="dk1"/>
+              </a:solidFill>
+              <a:latin typeface="Source Sans Pro"/>
+              <a:ea typeface="Source Sans Pro"/>
+              <a:cs typeface="Source Sans Pro"/>
+              <a:sym typeface="Source Sans Pro"/>
+            </a:endParaRPr>
+          </a:p>
+          <a:p>
+            <a:pPr marL="0" lvl="0" indent="0" algn="l" rtl="0">
+              <a:spcBef>
+                <a:spcPts val="600"/>
+              </a:spcBef>
+              <a:spcAft>
+                <a:spcPts val="0"/>
+              </a:spcAft>
+              <a:buNone/>
+            </a:pPr>
+            <a:r>
+              <a:rPr lang="en-GB" sz="1600" dirty="0">
+                <a:solidFill>
+                  <a:schemeClr val="dk1"/>
+                </a:solidFill>
+                <a:latin typeface="Source Sans Pro"/>
+                <a:ea typeface="Source Sans Pro"/>
+                <a:cs typeface="Source Sans Pro"/>
+                <a:sym typeface="Source Sans Pro"/>
+              </a:rPr>
+              <a:t>A study conducted in the lab showed a clear and robust association between the existence of meta-awareness for bias towards emotional stimuli and subsequent attentional control </a:t>
+            </a:r>
+            <a:r>
+              <a:rPr lang="en-GB" sz="1600" b="1" u="sng" baseline="30000" dirty="0">
+                <a:solidFill>
+                  <a:schemeClr val="dk1"/>
+                </a:solidFill>
+                <a:latin typeface="Source Sans Pro"/>
+                <a:ea typeface="Source Sans Pro"/>
+                <a:cs typeface="Source Sans Pro"/>
+                <a:sym typeface="Source Sans Pro"/>
+              </a:rPr>
+              <a:t>2</a:t>
+            </a:r>
+          </a:p>
+        </p:txBody>
+      </p:sp>
+      <p:sp>
+        <p:nvSpPr>
+          <p:cNvPr id="76" name="Google Shape;76;p18"/>
+          <p:cNvSpPr txBox="1"/>
+          <p:nvPr/>
+        </p:nvSpPr>
+        <p:spPr>
+          <a:xfrm>
+            <a:off x="457200" y="3824794"/>
+            <a:ext cx="8229600" cy="619800"/>
+          </a:xfrm>
+          <a:prstGeom prst="rect">
+            <a:avLst/>
+          </a:prstGeom>
+          <a:noFill/>
+          <a:ln>
+            <a:noFill/>
+          </a:ln>
+        </p:spPr>
+        <p:txBody>
+          <a:bodyPr spcFirstLastPara="1" wrap="square" lIns="91425" tIns="91425" rIns="91425" bIns="91425" anchor="t" anchorCtr="0">
+            <a:noAutofit/>
+          </a:bodyPr>
+          <a:lstStyle/>
+          <a:p>
+            <a:pPr marL="228600" lvl="0" indent="-228600" algn="l" rtl="0">
+              <a:spcBef>
+                <a:spcPts val="1000"/>
+              </a:spcBef>
+              <a:spcAft>
+                <a:spcPts val="0"/>
+              </a:spcAft>
+              <a:buAutoNum type="arabicPeriod"/>
+            </a:pPr>
+            <a:r>
+              <a:rPr lang="de-DE" sz="1200" dirty="0">
+                <a:solidFill>
+                  <a:schemeClr val="accent3"/>
+                </a:solidFill>
+                <a:latin typeface="Source Sans Pro"/>
+                <a:ea typeface="Source Sans Pro"/>
+                <a:cs typeface="Source Sans Pro"/>
+                <a:sym typeface="Source Sans Pro"/>
+              </a:rPr>
+              <a:t>Bernstein &amp; Zvielli, 2014; Creswell, 2016</a:t>
+            </a:r>
+          </a:p>
+          <a:p>
+            <a:pPr marL="228600" lvl="0" indent="-228600" algn="l" rtl="0">
+              <a:spcBef>
+                <a:spcPts val="1000"/>
+              </a:spcBef>
+              <a:spcAft>
+                <a:spcPts val="0"/>
+              </a:spcAft>
+              <a:buAutoNum type="arabicPeriod"/>
+            </a:pPr>
+            <a:r>
+              <a:rPr lang="en-US" sz="1200" dirty="0" err="1">
+                <a:solidFill>
+                  <a:schemeClr val="accent3"/>
+                </a:solidFill>
+                <a:latin typeface="Source Sans Pro"/>
+                <a:ea typeface="Source Sans Pro"/>
+                <a:cs typeface="Source Sans Pro"/>
+                <a:sym typeface="Source Sans Pro"/>
+              </a:rPr>
+              <a:t>Ruimi</a:t>
+            </a:r>
+            <a:r>
+              <a:rPr lang="en-US" sz="1200" dirty="0">
+                <a:solidFill>
+                  <a:schemeClr val="accent3"/>
+                </a:solidFill>
+                <a:latin typeface="Source Sans Pro"/>
+                <a:ea typeface="Source Sans Pro"/>
+                <a:cs typeface="Source Sans Pro"/>
+                <a:sym typeface="Source Sans Pro"/>
+              </a:rPr>
+              <a:t>, </a:t>
+            </a:r>
+            <a:r>
+              <a:rPr lang="en-US" sz="1200" dirty="0" err="1">
+                <a:solidFill>
+                  <a:schemeClr val="accent3"/>
+                </a:solidFill>
+                <a:latin typeface="Source Sans Pro"/>
+                <a:ea typeface="Source Sans Pro"/>
+                <a:cs typeface="Source Sans Pro"/>
+                <a:sym typeface="Source Sans Pro"/>
+              </a:rPr>
+              <a:t>Hadash</a:t>
+            </a:r>
+            <a:r>
+              <a:rPr lang="en-US" sz="1200" dirty="0">
+                <a:solidFill>
+                  <a:schemeClr val="accent3"/>
+                </a:solidFill>
+                <a:latin typeface="Source Sans Pro"/>
+                <a:ea typeface="Source Sans Pro"/>
+                <a:cs typeface="Source Sans Pro"/>
+                <a:sym typeface="Source Sans Pro"/>
+              </a:rPr>
+              <a:t>, </a:t>
+            </a:r>
+            <a:r>
+              <a:rPr lang="en-US" sz="1200" dirty="0" err="1">
+                <a:solidFill>
+                  <a:schemeClr val="accent3"/>
+                </a:solidFill>
+                <a:latin typeface="Source Sans Pro"/>
+                <a:ea typeface="Source Sans Pro"/>
+                <a:cs typeface="Source Sans Pro"/>
+                <a:sym typeface="Source Sans Pro"/>
+              </a:rPr>
+              <a:t>Zvielli</a:t>
+            </a:r>
+            <a:r>
+              <a:rPr lang="en-US" sz="1200" dirty="0">
+                <a:solidFill>
+                  <a:schemeClr val="accent3"/>
+                </a:solidFill>
+                <a:latin typeface="Source Sans Pro"/>
+                <a:ea typeface="Source Sans Pro"/>
+                <a:cs typeface="Source Sans Pro"/>
+                <a:sym typeface="Source Sans Pro"/>
+              </a:rPr>
+              <a:t>, Amir, Goldstein &amp; Bernstein, 2018</a:t>
             </a:r>
           </a:p>
         </p:txBody>
@@ -19587,11 +21491,6 @@
         </p:txBody>
       </p:sp>
     </p:spTree>
-    <p:extLst>
-      <p:ext uri="{BB962C8B-B14F-4D97-AF65-F5344CB8AC3E}">
-        <p14:creationId xmlns:p14="http://schemas.microsoft.com/office/powerpoint/2010/main" val="1575412946"/>
-      </p:ext>
-    </p:extLst>
   </p:cSld>
   <p:clrMapOvr>
     <a:masterClrMapping/>
